--- a/cs584present.pptx
+++ b/cs584present.pptx
@@ -10,15 +10,26 @@
     <p:sldId id="258" r:id="rId4"/>
     <p:sldId id="265" r:id="rId5"/>
     <p:sldId id="266" r:id="rId6"/>
-    <p:sldId id="259" r:id="rId7"/>
-    <p:sldId id="268" r:id="rId8"/>
-    <p:sldId id="260" r:id="rId9"/>
-    <p:sldId id="267" r:id="rId10"/>
-    <p:sldId id="261" r:id="rId11"/>
-    <p:sldId id="269" r:id="rId12"/>
-    <p:sldId id="264" r:id="rId13"/>
-    <p:sldId id="262" r:id="rId14"/>
-    <p:sldId id="263" r:id="rId15"/>
+    <p:sldId id="270" r:id="rId7"/>
+    <p:sldId id="271" r:id="rId8"/>
+    <p:sldId id="272" r:id="rId9"/>
+    <p:sldId id="259" r:id="rId10"/>
+    <p:sldId id="268" r:id="rId11"/>
+    <p:sldId id="273" r:id="rId12"/>
+    <p:sldId id="278" r:id="rId13"/>
+    <p:sldId id="274" r:id="rId14"/>
+    <p:sldId id="280" r:id="rId15"/>
+    <p:sldId id="260" r:id="rId16"/>
+    <p:sldId id="267" r:id="rId17"/>
+    <p:sldId id="276" r:id="rId18"/>
+    <p:sldId id="277" r:id="rId19"/>
+    <p:sldId id="279" r:id="rId20"/>
+    <p:sldId id="261" r:id="rId21"/>
+    <p:sldId id="269" r:id="rId22"/>
+    <p:sldId id="275" r:id="rId23"/>
+    <p:sldId id="264" r:id="rId24"/>
+    <p:sldId id="262" r:id="rId25"/>
+    <p:sldId id="263" r:id="rId26"/>
   </p:sldIdLst>
   <p:sldSz cx="12192000" cy="6858000"/>
   <p:notesSz cx="6858000" cy="9144000"/>
@@ -117,6 +128,11 @@
       </a:defRPr>
     </a:lvl9pPr>
   </p:defaultTextStyle>
+  <p:extLst>
+    <p:ext uri="{EFAFB233-063F-42B5-8137-9DF3F51BA10A}">
+      <p15:sldGuideLst xmlns:p15="http://schemas.microsoft.com/office/powerpoint/2012/main"/>
+    </p:ext>
+  </p:extLst>
 </p:presentation>
 </file>
 
@@ -267,9 +283,9 @@
           <a:p>
             <a:fld id="{122E457C-44E4-4138-A062-F5818B3711EE}" type="datetimeFigureOut">
               <a:rPr lang="en-US" smtClean="0"/>
-              <a:t>3/31/2024</a:t>
+              <a:t>4/1/24</a:t>
             </a:fld>
-            <a:endParaRPr lang="en-US"/>
+            <a:endParaRPr lang="en-US" dirty="0"/>
           </a:p>
         </p:txBody>
       </p:sp>
@@ -294,7 +310,7 @@
           <a:bodyPr/>
           <a:lstStyle/>
           <a:p>
-            <a:endParaRPr lang="en-US"/>
+            <a:endParaRPr lang="en-US" dirty="0"/>
           </a:p>
         </p:txBody>
       </p:sp>
@@ -323,7 +339,7 @@
               <a:rPr lang="en-US" smtClean="0"/>
               <a:t>‹#›</a:t>
             </a:fld>
-            <a:endParaRPr lang="en-US"/>
+            <a:endParaRPr lang="en-US" dirty="0"/>
           </a:p>
         </p:txBody>
       </p:sp>
@@ -465,9 +481,9 @@
           <a:p>
             <a:fld id="{122E457C-44E4-4138-A062-F5818B3711EE}" type="datetimeFigureOut">
               <a:rPr lang="en-US" smtClean="0"/>
-              <a:t>3/31/2024</a:t>
+              <a:t>4/1/24</a:t>
             </a:fld>
-            <a:endParaRPr lang="en-US"/>
+            <a:endParaRPr lang="en-US" dirty="0"/>
           </a:p>
         </p:txBody>
       </p:sp>
@@ -492,7 +508,7 @@
           <a:bodyPr/>
           <a:lstStyle/>
           <a:p>
-            <a:endParaRPr lang="en-US"/>
+            <a:endParaRPr lang="en-US" dirty="0"/>
           </a:p>
         </p:txBody>
       </p:sp>
@@ -521,7 +537,7 @@
               <a:rPr lang="en-US" smtClean="0"/>
               <a:t>‹#›</a:t>
             </a:fld>
-            <a:endParaRPr lang="en-US"/>
+            <a:endParaRPr lang="en-US" dirty="0"/>
           </a:p>
         </p:txBody>
       </p:sp>
@@ -673,9 +689,9 @@
           <a:p>
             <a:fld id="{122E457C-44E4-4138-A062-F5818B3711EE}" type="datetimeFigureOut">
               <a:rPr lang="en-US" smtClean="0"/>
-              <a:t>3/31/2024</a:t>
+              <a:t>4/1/24</a:t>
             </a:fld>
-            <a:endParaRPr lang="en-US"/>
+            <a:endParaRPr lang="en-US" dirty="0"/>
           </a:p>
         </p:txBody>
       </p:sp>
@@ -700,7 +716,7 @@
           <a:bodyPr/>
           <a:lstStyle/>
           <a:p>
-            <a:endParaRPr lang="en-US"/>
+            <a:endParaRPr lang="en-US" dirty="0"/>
           </a:p>
         </p:txBody>
       </p:sp>
@@ -729,7 +745,7 @@
               <a:rPr lang="en-US" smtClean="0"/>
               <a:t>‹#›</a:t>
             </a:fld>
-            <a:endParaRPr lang="en-US"/>
+            <a:endParaRPr lang="en-US" dirty="0"/>
           </a:p>
         </p:txBody>
       </p:sp>
@@ -871,9 +887,9 @@
           <a:p>
             <a:fld id="{122E457C-44E4-4138-A062-F5818B3711EE}" type="datetimeFigureOut">
               <a:rPr lang="en-US" smtClean="0"/>
-              <a:t>3/31/2024</a:t>
+              <a:t>4/1/24</a:t>
             </a:fld>
-            <a:endParaRPr lang="en-US"/>
+            <a:endParaRPr lang="en-US" dirty="0"/>
           </a:p>
         </p:txBody>
       </p:sp>
@@ -898,7 +914,7 @@
           <a:bodyPr/>
           <a:lstStyle/>
           <a:p>
-            <a:endParaRPr lang="en-US"/>
+            <a:endParaRPr lang="en-US" dirty="0"/>
           </a:p>
         </p:txBody>
       </p:sp>
@@ -927,7 +943,7 @@
               <a:rPr lang="en-US" smtClean="0"/>
               <a:t>‹#›</a:t>
             </a:fld>
-            <a:endParaRPr lang="en-US"/>
+            <a:endParaRPr lang="en-US" dirty="0"/>
           </a:p>
         </p:txBody>
       </p:sp>
@@ -1146,9 +1162,9 @@
           <a:p>
             <a:fld id="{122E457C-44E4-4138-A062-F5818B3711EE}" type="datetimeFigureOut">
               <a:rPr lang="en-US" smtClean="0"/>
-              <a:t>3/31/2024</a:t>
+              <a:t>4/1/24</a:t>
             </a:fld>
-            <a:endParaRPr lang="en-US"/>
+            <a:endParaRPr lang="en-US" dirty="0"/>
           </a:p>
         </p:txBody>
       </p:sp>
@@ -1173,7 +1189,7 @@
           <a:bodyPr/>
           <a:lstStyle/>
           <a:p>
-            <a:endParaRPr lang="en-US"/>
+            <a:endParaRPr lang="en-US" dirty="0"/>
           </a:p>
         </p:txBody>
       </p:sp>
@@ -1202,7 +1218,7 @@
               <a:rPr lang="en-US" smtClean="0"/>
               <a:t>‹#›</a:t>
             </a:fld>
-            <a:endParaRPr lang="en-US"/>
+            <a:endParaRPr lang="en-US" dirty="0"/>
           </a:p>
         </p:txBody>
       </p:sp>
@@ -1411,9 +1427,9 @@
           <a:p>
             <a:fld id="{122E457C-44E4-4138-A062-F5818B3711EE}" type="datetimeFigureOut">
               <a:rPr lang="en-US" smtClean="0"/>
-              <a:t>3/31/2024</a:t>
+              <a:t>4/1/24</a:t>
             </a:fld>
-            <a:endParaRPr lang="en-US"/>
+            <a:endParaRPr lang="en-US" dirty="0"/>
           </a:p>
         </p:txBody>
       </p:sp>
@@ -1438,7 +1454,7 @@
           <a:bodyPr/>
           <a:lstStyle/>
           <a:p>
-            <a:endParaRPr lang="en-US"/>
+            <a:endParaRPr lang="en-US" dirty="0"/>
           </a:p>
         </p:txBody>
       </p:sp>
@@ -1467,7 +1483,7 @@
               <a:rPr lang="en-US" smtClean="0"/>
               <a:t>‹#›</a:t>
             </a:fld>
-            <a:endParaRPr lang="en-US"/>
+            <a:endParaRPr lang="en-US" dirty="0"/>
           </a:p>
         </p:txBody>
       </p:sp>
@@ -1823,9 +1839,9 @@
           <a:p>
             <a:fld id="{122E457C-44E4-4138-A062-F5818B3711EE}" type="datetimeFigureOut">
               <a:rPr lang="en-US" smtClean="0"/>
-              <a:t>3/31/2024</a:t>
+              <a:t>4/1/24</a:t>
             </a:fld>
-            <a:endParaRPr lang="en-US"/>
+            <a:endParaRPr lang="en-US" dirty="0"/>
           </a:p>
         </p:txBody>
       </p:sp>
@@ -1850,7 +1866,7 @@
           <a:bodyPr/>
           <a:lstStyle/>
           <a:p>
-            <a:endParaRPr lang="en-US"/>
+            <a:endParaRPr lang="en-US" dirty="0"/>
           </a:p>
         </p:txBody>
       </p:sp>
@@ -1879,7 +1895,7 @@
               <a:rPr lang="en-US" smtClean="0"/>
               <a:t>‹#›</a:t>
             </a:fld>
-            <a:endParaRPr lang="en-US"/>
+            <a:endParaRPr lang="en-US" dirty="0"/>
           </a:p>
         </p:txBody>
       </p:sp>
@@ -1964,9 +1980,9 @@
           <a:p>
             <a:fld id="{122E457C-44E4-4138-A062-F5818B3711EE}" type="datetimeFigureOut">
               <a:rPr lang="en-US" smtClean="0"/>
-              <a:t>3/31/2024</a:t>
+              <a:t>4/1/24</a:t>
             </a:fld>
-            <a:endParaRPr lang="en-US"/>
+            <a:endParaRPr lang="en-US" dirty="0"/>
           </a:p>
         </p:txBody>
       </p:sp>
@@ -1991,7 +2007,7 @@
           <a:bodyPr/>
           <a:lstStyle/>
           <a:p>
-            <a:endParaRPr lang="en-US"/>
+            <a:endParaRPr lang="en-US" dirty="0"/>
           </a:p>
         </p:txBody>
       </p:sp>
@@ -2020,7 +2036,7 @@
               <a:rPr lang="en-US" smtClean="0"/>
               <a:t>‹#›</a:t>
             </a:fld>
-            <a:endParaRPr lang="en-US"/>
+            <a:endParaRPr lang="en-US" dirty="0"/>
           </a:p>
         </p:txBody>
       </p:sp>
@@ -2077,9 +2093,9 @@
           <a:p>
             <a:fld id="{122E457C-44E4-4138-A062-F5818B3711EE}" type="datetimeFigureOut">
               <a:rPr lang="en-US" smtClean="0"/>
-              <a:t>3/31/2024</a:t>
+              <a:t>4/1/24</a:t>
             </a:fld>
-            <a:endParaRPr lang="en-US"/>
+            <a:endParaRPr lang="en-US" dirty="0"/>
           </a:p>
         </p:txBody>
       </p:sp>
@@ -2104,7 +2120,7 @@
           <a:bodyPr/>
           <a:lstStyle/>
           <a:p>
-            <a:endParaRPr lang="en-US"/>
+            <a:endParaRPr lang="en-US" dirty="0"/>
           </a:p>
         </p:txBody>
       </p:sp>
@@ -2133,7 +2149,7 @@
               <a:rPr lang="en-US" smtClean="0"/>
               <a:t>‹#›</a:t>
             </a:fld>
-            <a:endParaRPr lang="en-US"/>
+            <a:endParaRPr lang="en-US" dirty="0"/>
           </a:p>
         </p:txBody>
       </p:sp>
@@ -2388,9 +2404,9 @@
           <a:p>
             <a:fld id="{122E457C-44E4-4138-A062-F5818B3711EE}" type="datetimeFigureOut">
               <a:rPr lang="en-US" smtClean="0"/>
-              <a:t>3/31/2024</a:t>
+              <a:t>4/1/24</a:t>
             </a:fld>
-            <a:endParaRPr lang="en-US"/>
+            <a:endParaRPr lang="en-US" dirty="0"/>
           </a:p>
         </p:txBody>
       </p:sp>
@@ -2415,7 +2431,7 @@
           <a:bodyPr/>
           <a:lstStyle/>
           <a:p>
-            <a:endParaRPr lang="en-US"/>
+            <a:endParaRPr lang="en-US" dirty="0"/>
           </a:p>
         </p:txBody>
       </p:sp>
@@ -2444,7 +2460,7 @@
               <a:rPr lang="en-US" smtClean="0"/>
               <a:t>‹#›</a:t>
             </a:fld>
-            <a:endParaRPr lang="en-US"/>
+            <a:endParaRPr lang="en-US" dirty="0"/>
           </a:p>
         </p:txBody>
       </p:sp>
@@ -2578,7 +2594,7 @@
             </a:lvl9pPr>
           </a:lstStyle>
           <a:p>
-            <a:endParaRPr lang="en-US"/>
+            <a:endParaRPr lang="en-US" dirty="0"/>
           </a:p>
         </p:txBody>
       </p:sp>
@@ -2676,9 +2692,9 @@
           <a:p>
             <a:fld id="{122E457C-44E4-4138-A062-F5818B3711EE}" type="datetimeFigureOut">
               <a:rPr lang="en-US" smtClean="0"/>
-              <a:t>3/31/2024</a:t>
+              <a:t>4/1/24</a:t>
             </a:fld>
-            <a:endParaRPr lang="en-US"/>
+            <a:endParaRPr lang="en-US" dirty="0"/>
           </a:p>
         </p:txBody>
       </p:sp>
@@ -2703,7 +2719,7 @@
           <a:bodyPr/>
           <a:lstStyle/>
           <a:p>
-            <a:endParaRPr lang="en-US"/>
+            <a:endParaRPr lang="en-US" dirty="0"/>
           </a:p>
         </p:txBody>
       </p:sp>
@@ -2732,7 +2748,7 @@
               <a:rPr lang="en-US" smtClean="0"/>
               <a:t>‹#›</a:t>
             </a:fld>
-            <a:endParaRPr lang="en-US"/>
+            <a:endParaRPr lang="en-US" dirty="0"/>
           </a:p>
         </p:txBody>
       </p:sp>
@@ -2917,9 +2933,9 @@
           <a:p>
             <a:fld id="{122E457C-44E4-4138-A062-F5818B3711EE}" type="datetimeFigureOut">
               <a:rPr lang="en-US" smtClean="0"/>
-              <a:t>3/31/2024</a:t>
+              <a:t>4/1/24</a:t>
             </a:fld>
-            <a:endParaRPr lang="en-US"/>
+            <a:endParaRPr lang="en-US" dirty="0"/>
           </a:p>
         </p:txBody>
       </p:sp>
@@ -2962,7 +2978,7 @@
             </a:lvl1pPr>
           </a:lstStyle>
           <a:p>
-            <a:endParaRPr lang="en-US"/>
+            <a:endParaRPr lang="en-US" dirty="0"/>
           </a:p>
         </p:txBody>
       </p:sp>
@@ -3009,7 +3025,7 @@
               <a:rPr lang="en-US" smtClean="0"/>
               <a:t>‹#›</a:t>
             </a:fld>
-            <a:endParaRPr lang="en-US"/>
+            <a:endParaRPr lang="en-US" dirty="0"/>
           </a:p>
         </p:txBody>
       </p:sp>
@@ -3425,58 +3441,79 @@
           <p:cNvPr id="2" name="Title 1">
             <a:extLst>
               <a:ext uri="{FF2B5EF4-FFF2-40B4-BE49-F238E27FC236}">
-                <a16:creationId xmlns:a16="http://schemas.microsoft.com/office/drawing/2014/main" id="{4F5BA3F4-BC09-898B-7D41-3727977DACC1}"/>
-              </a:ext>
-            </a:extLst>
-          </p:cNvPr>
-          <p:cNvSpPr>
-            <a:spLocks noGrp="1"/>
-          </p:cNvSpPr>
-          <p:nvPr>
-            <p:ph type="ctrTitle"/>
-          </p:nvPr>
-        </p:nvSpPr>
-        <p:spPr/>
-        <p:txBody>
-          <a:bodyPr/>
-          <a:lstStyle/>
-          <a:p>
-            <a:r>
-              <a:rPr lang="en-US" dirty="0"/>
-              <a:t>Speech-to-Text</a:t>
-            </a:r>
-          </a:p>
-        </p:txBody>
-      </p:sp>
-      <p:sp>
-        <p:nvSpPr>
-          <p:cNvPr id="4" name="Subtitle 3">
-            <a:extLst>
-              <a:ext uri="{FF2B5EF4-FFF2-40B4-BE49-F238E27FC236}">
-                <a16:creationId xmlns:a16="http://schemas.microsoft.com/office/drawing/2014/main" id="{BF181B83-7AE8-3878-28DE-F706F810D846}"/>
-              </a:ext>
-            </a:extLst>
-          </p:cNvPr>
-          <p:cNvSpPr>
-            <a:spLocks noGrp="1"/>
-          </p:cNvSpPr>
-          <p:nvPr>
-            <p:ph type="subTitle" idx="1"/>
-          </p:nvPr>
-        </p:nvSpPr>
-        <p:spPr/>
-        <p:txBody>
-          <a:bodyPr/>
-          <a:lstStyle/>
-          <a:p>
-            <a:endParaRPr lang="en-US"/>
+                <a16:creationId xmlns:a16="http://schemas.microsoft.com/office/drawing/2014/main" id="{7D5E28B8-3B03-70B1-0375-4539CCD6BA5A}"/>
+              </a:ext>
+            </a:extLst>
+          </p:cNvPr>
+          <p:cNvSpPr>
+            <a:spLocks noGrp="1"/>
+          </p:cNvSpPr>
+          <p:nvPr>
+            <p:ph type="title"/>
+          </p:nvPr>
+        </p:nvSpPr>
+        <p:spPr/>
+        <p:txBody>
+          <a:bodyPr/>
+          <a:lstStyle/>
+          <a:p>
+            <a:r>
+              <a:rPr lang="en-US" dirty="0"/>
+              <a:t>Introduction</a:t>
+            </a:r>
+          </a:p>
+        </p:txBody>
+      </p:sp>
+      <p:sp>
+        <p:nvSpPr>
+          <p:cNvPr id="3" name="Content Placeholder 2">
+            <a:extLst>
+              <a:ext uri="{FF2B5EF4-FFF2-40B4-BE49-F238E27FC236}">
+                <a16:creationId xmlns:a16="http://schemas.microsoft.com/office/drawing/2014/main" id="{6E20AC8C-F958-7225-16CC-69ECB0811BF7}"/>
+              </a:ext>
+            </a:extLst>
+          </p:cNvPr>
+          <p:cNvSpPr>
+            <a:spLocks noGrp="1"/>
+          </p:cNvSpPr>
+          <p:nvPr>
+            <p:ph idx="1"/>
+          </p:nvPr>
+        </p:nvSpPr>
+        <p:spPr/>
+        <p:txBody>
+          <a:bodyPr/>
+          <a:lstStyle/>
+          <a:p>
+            <a:r>
+              <a:rPr lang="en-US" dirty="0"/>
+              <a:t>Take an image as an input and answer questions about it </a:t>
+            </a:r>
+          </a:p>
+          <a:p>
+            <a:r>
+              <a:rPr lang="en-US" dirty="0"/>
+              <a:t>Available to all devs with GPT4 access through the Chat Completions API</a:t>
+            </a:r>
+          </a:p>
+          <a:p>
+            <a:r>
+              <a:rPr lang="en-US" dirty="0"/>
+              <a:t>Model: gpt-4-vision-preview</a:t>
+            </a:r>
+          </a:p>
+          <a:p>
+            <a:endParaRPr lang="en-US" dirty="0"/>
+          </a:p>
+          <a:p>
+            <a:endParaRPr lang="en-US" dirty="0"/>
           </a:p>
         </p:txBody>
       </p:sp>
     </p:spTree>
     <p:extLst>
       <p:ext uri="{BB962C8B-B14F-4D97-AF65-F5344CB8AC3E}">
-        <p14:creationId xmlns:p14="http://schemas.microsoft.com/office/powerpoint/2010/main" val="2936762017"/>
+        <p14:creationId xmlns:p14="http://schemas.microsoft.com/office/powerpoint/2010/main" val="1359915987"/>
       </p:ext>
     </p:extLst>
   </p:cSld>
@@ -3508,7 +3545,7 @@
           <p:cNvPr id="2" name="Title 1">
             <a:extLst>
               <a:ext uri="{FF2B5EF4-FFF2-40B4-BE49-F238E27FC236}">
-                <a16:creationId xmlns:a16="http://schemas.microsoft.com/office/drawing/2014/main" id="{AE0B234B-830E-1BCF-3B58-DD55E59B3414}"/>
+                <a16:creationId xmlns:a16="http://schemas.microsoft.com/office/drawing/2014/main" id="{34476D1E-C9B5-2B94-00C8-D44A009FB5CE}"/>
               </a:ext>
             </a:extLst>
           </p:cNvPr>
@@ -3526,7 +3563,7 @@
           <a:p>
             <a:r>
               <a:rPr lang="en-US" dirty="0"/>
-              <a:t>Introduction</a:t>
+              <a:t>Quick Start</a:t>
             </a:r>
           </a:p>
         </p:txBody>
@@ -3536,7 +3573,7 @@
           <p:cNvPr id="3" name="Content Placeholder 2">
             <a:extLst>
               <a:ext uri="{FF2B5EF4-FFF2-40B4-BE49-F238E27FC236}">
-                <a16:creationId xmlns:a16="http://schemas.microsoft.com/office/drawing/2014/main" id="{0ADF5410-0DB3-7906-CDBB-FAFF2FED1391}"/>
+                <a16:creationId xmlns:a16="http://schemas.microsoft.com/office/drawing/2014/main" id="{84A6B479-381F-7140-EE49-AEB3A2EB133F}"/>
               </a:ext>
             </a:extLst>
           </p:cNvPr>
@@ -3556,10 +3593,40 @@
           </a:p>
         </p:txBody>
       </p:sp>
+      <p:pic>
+        <p:nvPicPr>
+          <p:cNvPr id="4" name="Picture 3">
+            <a:extLst>
+              <a:ext uri="{FF2B5EF4-FFF2-40B4-BE49-F238E27FC236}">
+                <a16:creationId xmlns:a16="http://schemas.microsoft.com/office/drawing/2014/main" id="{FF346079-3391-D97F-33C1-9D8DAC01E7CF}"/>
+              </a:ext>
+            </a:extLst>
+          </p:cNvPr>
+          <p:cNvPicPr>
+            <a:picLocks noChangeAspect="1"/>
+          </p:cNvPicPr>
+          <p:nvPr/>
+        </p:nvPicPr>
+        <p:blipFill>
+          <a:blip r:embed="rId2"/>
+          <a:stretch>
+            <a:fillRect/>
+          </a:stretch>
+        </p:blipFill>
+        <p:spPr>
+          <a:xfrm>
+            <a:off x="5448024" y="228600"/>
+            <a:ext cx="6464300" cy="6400800"/>
+          </a:xfrm>
+          <a:prstGeom prst="rect">
+            <a:avLst/>
+          </a:prstGeom>
+        </p:spPr>
+      </p:pic>
     </p:spTree>
     <p:extLst>
       <p:ext uri="{BB962C8B-B14F-4D97-AF65-F5344CB8AC3E}">
-        <p14:creationId xmlns:p14="http://schemas.microsoft.com/office/powerpoint/2010/main" val="3103601494"/>
+        <p14:creationId xmlns:p14="http://schemas.microsoft.com/office/powerpoint/2010/main" val="1709528874"/>
       </p:ext>
     </p:extLst>
   </p:cSld>
@@ -3591,33 +3658,106 @@
           <p:cNvPr id="2" name="Title 1">
             <a:extLst>
               <a:ext uri="{FF2B5EF4-FFF2-40B4-BE49-F238E27FC236}">
-                <a16:creationId xmlns:a16="http://schemas.microsoft.com/office/drawing/2014/main" id="{98D52B2D-EB1E-E156-B908-074E70B2C52B}"/>
-              </a:ext>
-            </a:extLst>
-          </p:cNvPr>
-          <p:cNvSpPr>
-            <a:spLocks noGrp="1"/>
-          </p:cNvSpPr>
-          <p:nvPr>
-            <p:ph type="ctrTitle"/>
-          </p:nvPr>
-        </p:nvSpPr>
-        <p:spPr/>
-        <p:txBody>
-          <a:bodyPr/>
-          <a:lstStyle/>
-          <a:p>
-            <a:r>
-              <a:rPr lang="en-US" dirty="0"/>
-              <a:t>Moderation</a:t>
-            </a:r>
-          </a:p>
-        </p:txBody>
-      </p:sp>
+                <a16:creationId xmlns:a16="http://schemas.microsoft.com/office/drawing/2014/main" id="{B2FB21EF-8DB3-FC50-F229-4135A2BD1D24}"/>
+              </a:ext>
+            </a:extLst>
+          </p:cNvPr>
+          <p:cNvSpPr>
+            <a:spLocks noGrp="1"/>
+          </p:cNvSpPr>
+          <p:nvPr>
+            <p:ph type="title"/>
+          </p:nvPr>
+        </p:nvSpPr>
+        <p:spPr/>
+        <p:txBody>
+          <a:bodyPr/>
+          <a:lstStyle/>
+          <a:p>
+            <a:r>
+              <a:rPr lang="en-US" dirty="0"/>
+              <a:t>Image Input and Processing</a:t>
+            </a:r>
+          </a:p>
+        </p:txBody>
+      </p:sp>
+      <p:sp>
+        <p:nvSpPr>
+          <p:cNvPr id="3" name="Content Placeholder 2">
+            <a:extLst>
+              <a:ext uri="{FF2B5EF4-FFF2-40B4-BE49-F238E27FC236}">
+                <a16:creationId xmlns:a16="http://schemas.microsoft.com/office/drawing/2014/main" id="{2D06F539-6788-62F5-21E5-927B927FB44E}"/>
+              </a:ext>
+            </a:extLst>
+          </p:cNvPr>
+          <p:cNvSpPr>
+            <a:spLocks noGrp="1"/>
+          </p:cNvSpPr>
+          <p:nvPr>
+            <p:ph idx="1"/>
+          </p:nvPr>
+        </p:nvSpPr>
+        <p:spPr/>
+        <p:txBody>
+          <a:bodyPr/>
+          <a:lstStyle/>
+          <a:p>
+            <a:r>
+              <a:rPr lang="en-US" dirty="0"/>
+              <a:t>Base64 or URL input</a:t>
+            </a:r>
+          </a:p>
+          <a:p>
+            <a:r>
+              <a:rPr lang="en-US" dirty="0"/>
+              <a:t>Multiple image inputs</a:t>
+            </a:r>
+          </a:p>
+          <a:p>
+            <a:r>
+              <a:rPr lang="en-US" dirty="0"/>
+              <a:t>Image fidelity</a:t>
+            </a:r>
+          </a:p>
+          <a:p>
+            <a:endParaRPr lang="en-US" dirty="0"/>
+          </a:p>
+        </p:txBody>
+      </p:sp>
+      <p:pic>
+        <p:nvPicPr>
+          <p:cNvPr id="4" name="Picture 3">
+            <a:extLst>
+              <a:ext uri="{FF2B5EF4-FFF2-40B4-BE49-F238E27FC236}">
+                <a16:creationId xmlns:a16="http://schemas.microsoft.com/office/drawing/2014/main" id="{112E0CF5-DDD8-FB88-89BC-B0BF43245D87}"/>
+              </a:ext>
+            </a:extLst>
+          </p:cNvPr>
+          <p:cNvPicPr>
+            <a:picLocks noChangeAspect="1"/>
+          </p:cNvPicPr>
+          <p:nvPr/>
+        </p:nvPicPr>
+        <p:blipFill>
+          <a:blip r:embed="rId2"/>
+          <a:stretch>
+            <a:fillRect/>
+          </a:stretch>
+        </p:blipFill>
+        <p:spPr>
+          <a:xfrm>
+            <a:off x="4419600" y="3217634"/>
+            <a:ext cx="7772400" cy="3275241"/>
+          </a:xfrm>
+          <a:prstGeom prst="rect">
+            <a:avLst/>
+          </a:prstGeom>
+        </p:spPr>
+      </p:pic>
     </p:spTree>
     <p:extLst>
       <p:ext uri="{BB962C8B-B14F-4D97-AF65-F5344CB8AC3E}">
-        <p14:creationId xmlns:p14="http://schemas.microsoft.com/office/powerpoint/2010/main" val="3560599162"/>
+        <p14:creationId xmlns:p14="http://schemas.microsoft.com/office/powerpoint/2010/main" val="4234216007"/>
       </p:ext>
     </p:extLst>
   </p:cSld>
@@ -3649,6 +3789,1266 @@
           <p:cNvPr id="2" name="Title 1">
             <a:extLst>
               <a:ext uri="{FF2B5EF4-FFF2-40B4-BE49-F238E27FC236}">
+                <a16:creationId xmlns:a16="http://schemas.microsoft.com/office/drawing/2014/main" id="{64743929-8A4C-A241-3DB4-FE2ABA642AEA}"/>
+              </a:ext>
+            </a:extLst>
+          </p:cNvPr>
+          <p:cNvSpPr>
+            <a:spLocks noGrp="1"/>
+          </p:cNvSpPr>
+          <p:nvPr>
+            <p:ph type="title"/>
+          </p:nvPr>
+        </p:nvSpPr>
+        <p:spPr/>
+        <p:txBody>
+          <a:bodyPr/>
+          <a:lstStyle/>
+          <a:p>
+            <a:r>
+              <a:rPr lang="en-US" dirty="0"/>
+              <a:t>Limitations</a:t>
+            </a:r>
+          </a:p>
+        </p:txBody>
+      </p:sp>
+      <p:sp>
+        <p:nvSpPr>
+          <p:cNvPr id="3" name="Content Placeholder 2">
+            <a:extLst>
+              <a:ext uri="{FF2B5EF4-FFF2-40B4-BE49-F238E27FC236}">
+                <a16:creationId xmlns:a16="http://schemas.microsoft.com/office/drawing/2014/main" id="{6BDF8C00-1E2C-F6B9-45AC-DC86262B7F00}"/>
+              </a:ext>
+            </a:extLst>
+          </p:cNvPr>
+          <p:cNvSpPr>
+            <a:spLocks noGrp="1"/>
+          </p:cNvSpPr>
+          <p:nvPr>
+            <p:ph idx="1"/>
+          </p:nvPr>
+        </p:nvSpPr>
+        <p:spPr/>
+        <p:txBody>
+          <a:bodyPr>
+            <a:normAutofit fontScale="70000" lnSpcReduction="20000"/>
+          </a:bodyPr>
+          <a:lstStyle/>
+          <a:p>
+            <a:r>
+              <a:rPr lang="en-US" dirty="0"/>
+              <a:t>Model is best at answering general questions about the image, not for specific locations</a:t>
+            </a:r>
+          </a:p>
+          <a:p>
+            <a:r>
+              <a:rPr lang="en-US" dirty="0"/>
+              <a:t>Medical images</a:t>
+            </a:r>
+          </a:p>
+          <a:p>
+            <a:r>
+              <a:rPr lang="en-US" dirty="0"/>
+              <a:t>Non-English</a:t>
+            </a:r>
+          </a:p>
+          <a:p>
+            <a:r>
+              <a:rPr lang="en-US" dirty="0"/>
+              <a:t>Small text</a:t>
+            </a:r>
+          </a:p>
+          <a:p>
+            <a:r>
+              <a:rPr lang="en-US" dirty="0"/>
+              <a:t>Rotation</a:t>
+            </a:r>
+          </a:p>
+          <a:p>
+            <a:r>
+              <a:rPr lang="en-US" dirty="0" err="1"/>
+              <a:t>Visujal</a:t>
+            </a:r>
+            <a:r>
+              <a:rPr lang="en-US" dirty="0"/>
+              <a:t> Elements</a:t>
+            </a:r>
+          </a:p>
+          <a:p>
+            <a:r>
+              <a:rPr lang="en-US" dirty="0"/>
+              <a:t>Spatial </a:t>
+            </a:r>
+            <a:r>
+              <a:rPr lang="en-US" dirty="0" err="1"/>
+              <a:t>Resaoning</a:t>
+            </a:r>
+            <a:endParaRPr lang="en-US" dirty="0"/>
+          </a:p>
+          <a:p>
+            <a:r>
+              <a:rPr lang="en-US" dirty="0"/>
+              <a:t>Accuracy</a:t>
+            </a:r>
+          </a:p>
+          <a:p>
+            <a:r>
+              <a:rPr lang="en-US" dirty="0" err="1"/>
+              <a:t>Imageshape</a:t>
+            </a:r>
+            <a:endParaRPr lang="en-US" dirty="0"/>
+          </a:p>
+          <a:p>
+            <a:r>
+              <a:rPr lang="en-US" dirty="0"/>
+              <a:t>Metadata </a:t>
+            </a:r>
+            <a:r>
+              <a:rPr lang="en-US" dirty="0" err="1"/>
+              <a:t>nd</a:t>
+            </a:r>
+            <a:r>
+              <a:rPr lang="en-US" dirty="0"/>
+              <a:t> resizing</a:t>
+            </a:r>
+          </a:p>
+          <a:p>
+            <a:r>
+              <a:rPr lang="en-US" dirty="0"/>
+              <a:t>Counting</a:t>
+            </a:r>
+          </a:p>
+          <a:p>
+            <a:r>
+              <a:rPr lang="en-US" dirty="0"/>
+              <a:t>CAPTCHAs</a:t>
+            </a:r>
+          </a:p>
+        </p:txBody>
+      </p:sp>
+    </p:spTree>
+    <p:extLst>
+      <p:ext uri="{BB962C8B-B14F-4D97-AF65-F5344CB8AC3E}">
+        <p14:creationId xmlns:p14="http://schemas.microsoft.com/office/powerpoint/2010/main" val="3066537194"/>
+      </p:ext>
+    </p:extLst>
+  </p:cSld>
+  <p:clrMapOvr>
+    <a:masterClrMapping/>
+  </p:clrMapOvr>
+</p:sld>
+</file>
+
+<file path=ppt/slides/slide14.xml><?xml version="1.0" encoding="utf-8"?>
+<p:sld xmlns:a="http://schemas.openxmlformats.org/drawingml/2006/main" xmlns:r="http://schemas.openxmlformats.org/officeDocument/2006/relationships" xmlns:p="http://schemas.openxmlformats.org/presentationml/2006/main">
+  <p:cSld>
+    <p:spTree>
+      <p:nvGrpSpPr>
+        <p:cNvPr id="1" name=""/>
+        <p:cNvGrpSpPr/>
+        <p:nvPr/>
+      </p:nvGrpSpPr>
+      <p:grpSpPr>
+        <a:xfrm>
+          <a:off x="0" y="0"/>
+          <a:ext cx="0" cy="0"/>
+          <a:chOff x="0" y="0"/>
+          <a:chExt cx="0" cy="0"/>
+        </a:xfrm>
+      </p:grpSpPr>
+      <p:sp>
+        <p:nvSpPr>
+          <p:cNvPr id="2" name="Title 1">
+            <a:extLst>
+              <a:ext uri="{FF2B5EF4-FFF2-40B4-BE49-F238E27FC236}">
+                <a16:creationId xmlns:a16="http://schemas.microsoft.com/office/drawing/2014/main" id="{F81A679D-E83C-343A-7735-2D885B1E7A15}"/>
+              </a:ext>
+            </a:extLst>
+          </p:cNvPr>
+          <p:cNvSpPr>
+            <a:spLocks noGrp="1"/>
+          </p:cNvSpPr>
+          <p:nvPr>
+            <p:ph type="title"/>
+          </p:nvPr>
+        </p:nvSpPr>
+        <p:spPr/>
+        <p:txBody>
+          <a:bodyPr/>
+          <a:lstStyle/>
+          <a:p>
+            <a:r>
+              <a:rPr lang="en-US" dirty="0"/>
+              <a:t>Image Costs</a:t>
+            </a:r>
+          </a:p>
+        </p:txBody>
+      </p:sp>
+      <p:sp>
+        <p:nvSpPr>
+          <p:cNvPr id="3" name="Content Placeholder 2">
+            <a:extLst>
+              <a:ext uri="{FF2B5EF4-FFF2-40B4-BE49-F238E27FC236}">
+                <a16:creationId xmlns:a16="http://schemas.microsoft.com/office/drawing/2014/main" id="{965543DB-FC55-26BF-0C51-7952B6A6D181}"/>
+              </a:ext>
+            </a:extLst>
+          </p:cNvPr>
+          <p:cNvSpPr>
+            <a:spLocks noGrp="1"/>
+          </p:cNvSpPr>
+          <p:nvPr>
+            <p:ph idx="1"/>
+          </p:nvPr>
+        </p:nvSpPr>
+        <p:spPr/>
+        <p:txBody>
+          <a:bodyPr/>
+          <a:lstStyle/>
+          <a:p>
+            <a:endParaRPr lang="en-US"/>
+          </a:p>
+        </p:txBody>
+      </p:sp>
+    </p:spTree>
+    <p:extLst>
+      <p:ext uri="{BB962C8B-B14F-4D97-AF65-F5344CB8AC3E}">
+        <p14:creationId xmlns:p14="http://schemas.microsoft.com/office/powerpoint/2010/main" val="1866797766"/>
+      </p:ext>
+    </p:extLst>
+  </p:cSld>
+  <p:clrMapOvr>
+    <a:masterClrMapping/>
+  </p:clrMapOvr>
+</p:sld>
+</file>
+
+<file path=ppt/slides/slide15.xml><?xml version="1.0" encoding="utf-8"?>
+<p:sld xmlns:a="http://schemas.openxmlformats.org/drawingml/2006/main" xmlns:r="http://schemas.openxmlformats.org/officeDocument/2006/relationships" xmlns:p="http://schemas.openxmlformats.org/presentationml/2006/main">
+  <p:cSld>
+    <p:spTree>
+      <p:nvGrpSpPr>
+        <p:cNvPr id="1" name=""/>
+        <p:cNvGrpSpPr/>
+        <p:nvPr/>
+      </p:nvGrpSpPr>
+      <p:grpSpPr>
+        <a:xfrm>
+          <a:off x="0" y="0"/>
+          <a:ext cx="0" cy="0"/>
+          <a:chOff x="0" y="0"/>
+          <a:chExt cx="0" cy="0"/>
+        </a:xfrm>
+      </p:grpSpPr>
+      <p:sp>
+        <p:nvSpPr>
+          <p:cNvPr id="2" name="Title 1">
+            <a:extLst>
+              <a:ext uri="{FF2B5EF4-FFF2-40B4-BE49-F238E27FC236}">
+                <a16:creationId xmlns:a16="http://schemas.microsoft.com/office/drawing/2014/main" id="{B51E7674-909E-3AA4-871D-F4D2ADC294CD}"/>
+              </a:ext>
+            </a:extLst>
+          </p:cNvPr>
+          <p:cNvSpPr>
+            <a:spLocks noGrp="1"/>
+          </p:cNvSpPr>
+          <p:nvPr>
+            <p:ph type="ctrTitle"/>
+          </p:nvPr>
+        </p:nvSpPr>
+        <p:spPr/>
+        <p:txBody>
+          <a:bodyPr/>
+          <a:lstStyle/>
+          <a:p>
+            <a:r>
+              <a:rPr lang="en-US" dirty="0"/>
+              <a:t>Text-to-Speech</a:t>
+            </a:r>
+          </a:p>
+        </p:txBody>
+      </p:sp>
+      <p:sp>
+        <p:nvSpPr>
+          <p:cNvPr id="4" name="Subtitle 3">
+            <a:extLst>
+              <a:ext uri="{FF2B5EF4-FFF2-40B4-BE49-F238E27FC236}">
+                <a16:creationId xmlns:a16="http://schemas.microsoft.com/office/drawing/2014/main" id="{C3F8C0C9-AACF-2820-4485-7D45E1CE8A30}"/>
+              </a:ext>
+            </a:extLst>
+          </p:cNvPr>
+          <p:cNvSpPr>
+            <a:spLocks noGrp="1"/>
+          </p:cNvSpPr>
+          <p:nvPr>
+            <p:ph type="subTitle" idx="1"/>
+          </p:nvPr>
+        </p:nvSpPr>
+        <p:spPr/>
+        <p:txBody>
+          <a:bodyPr/>
+          <a:lstStyle/>
+          <a:p>
+            <a:endParaRPr lang="en-US" dirty="0"/>
+          </a:p>
+        </p:txBody>
+      </p:sp>
+    </p:spTree>
+    <p:extLst>
+      <p:ext uri="{BB962C8B-B14F-4D97-AF65-F5344CB8AC3E}">
+        <p14:creationId xmlns:p14="http://schemas.microsoft.com/office/powerpoint/2010/main" val="2520561673"/>
+      </p:ext>
+    </p:extLst>
+  </p:cSld>
+  <p:clrMapOvr>
+    <a:masterClrMapping/>
+  </p:clrMapOvr>
+</p:sld>
+</file>
+
+<file path=ppt/slides/slide16.xml><?xml version="1.0" encoding="utf-8"?>
+<p:sld xmlns:a="http://schemas.openxmlformats.org/drawingml/2006/main" xmlns:r="http://schemas.openxmlformats.org/officeDocument/2006/relationships" xmlns:p="http://schemas.openxmlformats.org/presentationml/2006/main">
+  <p:cSld>
+    <p:spTree>
+      <p:nvGrpSpPr>
+        <p:cNvPr id="1" name=""/>
+        <p:cNvGrpSpPr/>
+        <p:nvPr/>
+      </p:nvGrpSpPr>
+      <p:grpSpPr>
+        <a:xfrm>
+          <a:off x="0" y="0"/>
+          <a:ext cx="0" cy="0"/>
+          <a:chOff x="0" y="0"/>
+          <a:chExt cx="0" cy="0"/>
+        </a:xfrm>
+      </p:grpSpPr>
+      <p:sp>
+        <p:nvSpPr>
+          <p:cNvPr id="2" name="Title 1">
+            <a:extLst>
+              <a:ext uri="{FF2B5EF4-FFF2-40B4-BE49-F238E27FC236}">
+                <a16:creationId xmlns:a16="http://schemas.microsoft.com/office/drawing/2014/main" id="{D04BAFE7-7978-3621-C642-502D83473BB5}"/>
+              </a:ext>
+            </a:extLst>
+          </p:cNvPr>
+          <p:cNvSpPr>
+            <a:spLocks noGrp="1"/>
+          </p:cNvSpPr>
+          <p:nvPr>
+            <p:ph type="title"/>
+          </p:nvPr>
+        </p:nvSpPr>
+        <p:spPr/>
+        <p:txBody>
+          <a:bodyPr/>
+          <a:lstStyle/>
+          <a:p>
+            <a:r>
+              <a:rPr lang="en-US" dirty="0"/>
+              <a:t>Introduction	</a:t>
+            </a:r>
+          </a:p>
+        </p:txBody>
+      </p:sp>
+      <p:sp>
+        <p:nvSpPr>
+          <p:cNvPr id="3" name="Content Placeholder 2">
+            <a:extLst>
+              <a:ext uri="{FF2B5EF4-FFF2-40B4-BE49-F238E27FC236}">
+                <a16:creationId xmlns:a16="http://schemas.microsoft.com/office/drawing/2014/main" id="{368BF371-BEE9-2BAB-FC3B-C21DBB537AAC}"/>
+              </a:ext>
+            </a:extLst>
+          </p:cNvPr>
+          <p:cNvSpPr>
+            <a:spLocks noGrp="1"/>
+          </p:cNvSpPr>
+          <p:nvPr>
+            <p:ph idx="1"/>
+          </p:nvPr>
+        </p:nvSpPr>
+        <p:spPr/>
+        <p:txBody>
+          <a:bodyPr/>
+          <a:lstStyle/>
+          <a:p>
+            <a:r>
+              <a:rPr lang="en-US" dirty="0"/>
+              <a:t>Audio API speech endpoint: v1/audio/speech</a:t>
+            </a:r>
+          </a:p>
+          <a:p>
+            <a:r>
+              <a:rPr lang="en-US" dirty="0"/>
+              <a:t>Models: TTS-1, TTS-1-HD</a:t>
+            </a:r>
+          </a:p>
+          <a:p>
+            <a:r>
+              <a:rPr lang="en-US" dirty="0"/>
+              <a:t>Use cases: Narration, audio in multiple languages, streaming real-time audio output</a:t>
+            </a:r>
+          </a:p>
+          <a:p>
+            <a:r>
+              <a:rPr lang="en-US" dirty="0"/>
+              <a:t>Output files include: mp3, opus, aac, flac, pcm, wav</a:t>
+            </a:r>
+          </a:p>
+          <a:p>
+            <a:endParaRPr lang="en-US" dirty="0"/>
+          </a:p>
+        </p:txBody>
+      </p:sp>
+    </p:spTree>
+    <p:extLst>
+      <p:ext uri="{BB962C8B-B14F-4D97-AF65-F5344CB8AC3E}">
+        <p14:creationId xmlns:p14="http://schemas.microsoft.com/office/powerpoint/2010/main" val="1821555201"/>
+      </p:ext>
+    </p:extLst>
+  </p:cSld>
+  <p:clrMapOvr>
+    <a:masterClrMapping/>
+  </p:clrMapOvr>
+</p:sld>
+</file>
+
+<file path=ppt/slides/slide17.xml><?xml version="1.0" encoding="utf-8"?>
+<p:sld xmlns:a="http://schemas.openxmlformats.org/drawingml/2006/main" xmlns:r="http://schemas.openxmlformats.org/officeDocument/2006/relationships" xmlns:p="http://schemas.openxmlformats.org/presentationml/2006/main">
+  <p:cSld>
+    <p:spTree>
+      <p:nvGrpSpPr>
+        <p:cNvPr id="1" name=""/>
+        <p:cNvGrpSpPr/>
+        <p:nvPr/>
+      </p:nvGrpSpPr>
+      <p:grpSpPr>
+        <a:xfrm>
+          <a:off x="0" y="0"/>
+          <a:ext cx="0" cy="0"/>
+          <a:chOff x="0" y="0"/>
+          <a:chExt cx="0" cy="0"/>
+        </a:xfrm>
+      </p:grpSpPr>
+      <p:sp>
+        <p:nvSpPr>
+          <p:cNvPr id="2" name="Title 1">
+            <a:extLst>
+              <a:ext uri="{FF2B5EF4-FFF2-40B4-BE49-F238E27FC236}">
+                <a16:creationId xmlns:a16="http://schemas.microsoft.com/office/drawing/2014/main" id="{DCC40B1C-9288-A9A0-984D-A2D099ED4DD6}"/>
+              </a:ext>
+            </a:extLst>
+          </p:cNvPr>
+          <p:cNvSpPr>
+            <a:spLocks noGrp="1"/>
+          </p:cNvSpPr>
+          <p:nvPr>
+            <p:ph type="title"/>
+          </p:nvPr>
+        </p:nvSpPr>
+        <p:spPr/>
+        <p:txBody>
+          <a:bodyPr/>
+          <a:lstStyle/>
+          <a:p>
+            <a:r>
+              <a:rPr lang="en-US" dirty="0"/>
+              <a:t>Quick Start</a:t>
+            </a:r>
+          </a:p>
+        </p:txBody>
+      </p:sp>
+      <p:sp>
+        <p:nvSpPr>
+          <p:cNvPr id="3" name="Content Placeholder 2">
+            <a:extLst>
+              <a:ext uri="{FF2B5EF4-FFF2-40B4-BE49-F238E27FC236}">
+                <a16:creationId xmlns:a16="http://schemas.microsoft.com/office/drawing/2014/main" id="{E9DCA710-8E38-99DB-9510-9DF7DF308DEF}"/>
+              </a:ext>
+            </a:extLst>
+          </p:cNvPr>
+          <p:cNvSpPr>
+            <a:spLocks noGrp="1"/>
+          </p:cNvSpPr>
+          <p:nvPr>
+            <p:ph idx="1"/>
+          </p:nvPr>
+        </p:nvSpPr>
+        <p:spPr/>
+        <p:txBody>
+          <a:bodyPr/>
+          <a:lstStyle/>
+          <a:p>
+            <a:endParaRPr lang="en-US" dirty="0"/>
+          </a:p>
+        </p:txBody>
+      </p:sp>
+      <p:pic>
+        <p:nvPicPr>
+          <p:cNvPr id="4" name="Picture 3">
+            <a:extLst>
+              <a:ext uri="{FF2B5EF4-FFF2-40B4-BE49-F238E27FC236}">
+                <a16:creationId xmlns:a16="http://schemas.microsoft.com/office/drawing/2014/main" id="{F44D77E3-5F8F-8052-2619-4D6889250768}"/>
+              </a:ext>
+            </a:extLst>
+          </p:cNvPr>
+          <p:cNvPicPr>
+            <a:picLocks noChangeAspect="1"/>
+          </p:cNvPicPr>
+          <p:nvPr/>
+        </p:nvPicPr>
+        <p:blipFill>
+          <a:blip r:embed="rId2"/>
+          <a:stretch>
+            <a:fillRect/>
+          </a:stretch>
+        </p:blipFill>
+        <p:spPr>
+          <a:xfrm>
+            <a:off x="2209800" y="2079057"/>
+            <a:ext cx="7772400" cy="2699886"/>
+          </a:xfrm>
+          <a:prstGeom prst="rect">
+            <a:avLst/>
+          </a:prstGeom>
+        </p:spPr>
+      </p:pic>
+    </p:spTree>
+    <p:extLst>
+      <p:ext uri="{BB962C8B-B14F-4D97-AF65-F5344CB8AC3E}">
+        <p14:creationId xmlns:p14="http://schemas.microsoft.com/office/powerpoint/2010/main" val="684924689"/>
+      </p:ext>
+    </p:extLst>
+  </p:cSld>
+  <p:clrMapOvr>
+    <a:masterClrMapping/>
+  </p:clrMapOvr>
+</p:sld>
+</file>
+
+<file path=ppt/slides/slide18.xml><?xml version="1.0" encoding="utf-8"?>
+<p:sld xmlns:a="http://schemas.openxmlformats.org/drawingml/2006/main" xmlns:r="http://schemas.openxmlformats.org/officeDocument/2006/relationships" xmlns:p="http://schemas.openxmlformats.org/presentationml/2006/main">
+  <p:cSld>
+    <p:spTree>
+      <p:nvGrpSpPr>
+        <p:cNvPr id="1" name=""/>
+        <p:cNvGrpSpPr/>
+        <p:nvPr/>
+      </p:nvGrpSpPr>
+      <p:grpSpPr>
+        <a:xfrm>
+          <a:off x="0" y="0"/>
+          <a:ext cx="0" cy="0"/>
+          <a:chOff x="0" y="0"/>
+          <a:chExt cx="0" cy="0"/>
+        </a:xfrm>
+      </p:grpSpPr>
+      <p:sp>
+        <p:nvSpPr>
+          <p:cNvPr id="2" name="Title 1">
+            <a:extLst>
+              <a:ext uri="{FF2B5EF4-FFF2-40B4-BE49-F238E27FC236}">
+                <a16:creationId xmlns:a16="http://schemas.microsoft.com/office/drawing/2014/main" id="{648D2B4C-AF4A-029A-6A14-BB9464E67844}"/>
+              </a:ext>
+            </a:extLst>
+          </p:cNvPr>
+          <p:cNvSpPr>
+            <a:spLocks noGrp="1"/>
+          </p:cNvSpPr>
+          <p:nvPr>
+            <p:ph type="title"/>
+          </p:nvPr>
+        </p:nvSpPr>
+        <p:spPr/>
+        <p:txBody>
+          <a:bodyPr/>
+          <a:lstStyle/>
+          <a:p>
+            <a:r>
+              <a:rPr lang="en-US" dirty="0"/>
+              <a:t>Voice options</a:t>
+            </a:r>
+          </a:p>
+        </p:txBody>
+      </p:sp>
+      <p:sp>
+        <p:nvSpPr>
+          <p:cNvPr id="3" name="Content Placeholder 2">
+            <a:extLst>
+              <a:ext uri="{FF2B5EF4-FFF2-40B4-BE49-F238E27FC236}">
+                <a16:creationId xmlns:a16="http://schemas.microsoft.com/office/drawing/2014/main" id="{5B6D5EE9-ADC2-0A6F-193E-50F4B7A7D563}"/>
+              </a:ext>
+            </a:extLst>
+          </p:cNvPr>
+          <p:cNvSpPr>
+            <a:spLocks noGrp="1"/>
+          </p:cNvSpPr>
+          <p:nvPr>
+            <p:ph idx="1"/>
+          </p:nvPr>
+        </p:nvSpPr>
+        <p:spPr/>
+        <p:txBody>
+          <a:bodyPr/>
+          <a:lstStyle/>
+          <a:p>
+            <a:r>
+              <a:rPr lang="en-US" dirty="0">
+                <a:hlinkClick r:id="rId2"/>
+              </a:rPr>
+              <a:t>sss</a:t>
+            </a:r>
+            <a:endParaRPr lang="en-US"/>
+          </a:p>
+        </p:txBody>
+      </p:sp>
+    </p:spTree>
+    <p:extLst>
+      <p:ext uri="{BB962C8B-B14F-4D97-AF65-F5344CB8AC3E}">
+        <p14:creationId xmlns:p14="http://schemas.microsoft.com/office/powerpoint/2010/main" val="4034449979"/>
+      </p:ext>
+    </p:extLst>
+  </p:cSld>
+  <p:clrMapOvr>
+    <a:masterClrMapping/>
+  </p:clrMapOvr>
+</p:sld>
+</file>
+
+<file path=ppt/slides/slide19.xml><?xml version="1.0" encoding="utf-8"?>
+<p:sld xmlns:a="http://schemas.openxmlformats.org/drawingml/2006/main" xmlns:r="http://schemas.openxmlformats.org/officeDocument/2006/relationships" xmlns:p="http://schemas.openxmlformats.org/presentationml/2006/main">
+  <p:cSld>
+    <p:spTree>
+      <p:nvGrpSpPr>
+        <p:cNvPr id="1" name=""/>
+        <p:cNvGrpSpPr/>
+        <p:nvPr/>
+      </p:nvGrpSpPr>
+      <p:grpSpPr>
+        <a:xfrm>
+          <a:off x="0" y="0"/>
+          <a:ext cx="0" cy="0"/>
+          <a:chOff x="0" y="0"/>
+          <a:chExt cx="0" cy="0"/>
+        </a:xfrm>
+      </p:grpSpPr>
+      <p:sp>
+        <p:nvSpPr>
+          <p:cNvPr id="2" name="Title 1">
+            <a:extLst>
+              <a:ext uri="{FF2B5EF4-FFF2-40B4-BE49-F238E27FC236}">
+                <a16:creationId xmlns:a16="http://schemas.microsoft.com/office/drawing/2014/main" id="{DE9B42A9-C991-F063-E2E9-68FD469E6034}"/>
+              </a:ext>
+            </a:extLst>
+          </p:cNvPr>
+          <p:cNvSpPr>
+            <a:spLocks noGrp="1"/>
+          </p:cNvSpPr>
+          <p:nvPr>
+            <p:ph type="title"/>
+          </p:nvPr>
+        </p:nvSpPr>
+        <p:spPr/>
+        <p:txBody>
+          <a:bodyPr/>
+          <a:lstStyle/>
+          <a:p>
+            <a:r>
+              <a:rPr lang="en-US" dirty="0"/>
+              <a:t>Use Case: Real-Time Audio Streaming</a:t>
+            </a:r>
+          </a:p>
+        </p:txBody>
+      </p:sp>
+      <p:pic>
+        <p:nvPicPr>
+          <p:cNvPr id="4" name="Content Placeholder 3">
+            <a:extLst>
+              <a:ext uri="{FF2B5EF4-FFF2-40B4-BE49-F238E27FC236}">
+                <a16:creationId xmlns:a16="http://schemas.microsoft.com/office/drawing/2014/main" id="{D45FC245-4F10-5ACF-01E4-39AB1486E672}"/>
+              </a:ext>
+            </a:extLst>
+          </p:cNvPr>
+          <p:cNvPicPr>
+            <a:picLocks noGrp="1" noChangeAspect="1"/>
+          </p:cNvPicPr>
+          <p:nvPr>
+            <p:ph idx="1"/>
+          </p:nvPr>
+        </p:nvPicPr>
+        <p:blipFill>
+          <a:blip r:embed="rId2"/>
+          <a:stretch>
+            <a:fillRect/>
+          </a:stretch>
+        </p:blipFill>
+        <p:spPr>
+          <a:xfrm>
+            <a:off x="1270000" y="1690688"/>
+            <a:ext cx="9652000" cy="3657600"/>
+          </a:xfrm>
+          <a:prstGeom prst="rect">
+            <a:avLst/>
+          </a:prstGeom>
+        </p:spPr>
+      </p:pic>
+    </p:spTree>
+    <p:extLst>
+      <p:ext uri="{BB962C8B-B14F-4D97-AF65-F5344CB8AC3E}">
+        <p14:creationId xmlns:p14="http://schemas.microsoft.com/office/powerpoint/2010/main" val="3476292949"/>
+      </p:ext>
+    </p:extLst>
+  </p:cSld>
+  <p:clrMapOvr>
+    <a:masterClrMapping/>
+  </p:clrMapOvr>
+</p:sld>
+</file>
+
+<file path=ppt/slides/slide2.xml><?xml version="1.0" encoding="utf-8"?>
+<p:sld xmlns:a="http://schemas.openxmlformats.org/drawingml/2006/main" xmlns:r="http://schemas.openxmlformats.org/officeDocument/2006/relationships" xmlns:p="http://schemas.openxmlformats.org/presentationml/2006/main">
+  <p:cSld>
+    <p:spTree>
+      <p:nvGrpSpPr>
+        <p:cNvPr id="1" name=""/>
+        <p:cNvGrpSpPr/>
+        <p:nvPr/>
+      </p:nvGrpSpPr>
+      <p:grpSpPr>
+        <a:xfrm>
+          <a:off x="0" y="0"/>
+          <a:ext cx="0" cy="0"/>
+          <a:chOff x="0" y="0"/>
+          <a:chExt cx="0" cy="0"/>
+        </a:xfrm>
+      </p:grpSpPr>
+      <p:sp>
+        <p:nvSpPr>
+          <p:cNvPr id="2" name="Title 1">
+            <a:extLst>
+              <a:ext uri="{FF2B5EF4-FFF2-40B4-BE49-F238E27FC236}">
+                <a16:creationId xmlns:a16="http://schemas.microsoft.com/office/drawing/2014/main" id="{BF0E692A-BD11-AECA-A9A6-3A0A4C5AAE63}"/>
+              </a:ext>
+            </a:extLst>
+          </p:cNvPr>
+          <p:cNvSpPr>
+            <a:spLocks noGrp="1"/>
+          </p:cNvSpPr>
+          <p:nvPr>
+            <p:ph type="title"/>
+          </p:nvPr>
+        </p:nvSpPr>
+        <p:spPr/>
+        <p:txBody>
+          <a:bodyPr/>
+          <a:lstStyle/>
+          <a:p>
+            <a:r>
+              <a:rPr lang="en-US" dirty="0"/>
+              <a:t>Introduction</a:t>
+            </a:r>
+          </a:p>
+        </p:txBody>
+      </p:sp>
+      <p:sp>
+        <p:nvSpPr>
+          <p:cNvPr id="3" name="Content Placeholder 2">
+            <a:extLst>
+              <a:ext uri="{FF2B5EF4-FFF2-40B4-BE49-F238E27FC236}">
+                <a16:creationId xmlns:a16="http://schemas.microsoft.com/office/drawing/2014/main" id="{1F5971BD-838F-A9C6-6CAF-D81868A719CC}"/>
+              </a:ext>
+            </a:extLst>
+          </p:cNvPr>
+          <p:cNvSpPr>
+            <a:spLocks noGrp="1"/>
+          </p:cNvSpPr>
+          <p:nvPr>
+            <p:ph idx="1"/>
+          </p:nvPr>
+        </p:nvSpPr>
+        <p:spPr/>
+        <p:txBody>
+          <a:bodyPr/>
+          <a:lstStyle/>
+          <a:p>
+            <a:r>
+              <a:rPr lang="en-US" dirty="0"/>
+              <a:t>Image Generation</a:t>
+            </a:r>
+          </a:p>
+          <a:p>
+            <a:r>
+              <a:rPr lang="en-US" dirty="0"/>
+              <a:t>Vision</a:t>
+            </a:r>
+          </a:p>
+          <a:p>
+            <a:r>
+              <a:rPr lang="en-US" dirty="0"/>
+              <a:t>Text to Speech</a:t>
+            </a:r>
+          </a:p>
+          <a:p>
+            <a:r>
+              <a:rPr lang="en-US" dirty="0"/>
+              <a:t>Speech to Text</a:t>
+            </a:r>
+          </a:p>
+          <a:p>
+            <a:r>
+              <a:rPr lang="en-US" dirty="0"/>
+              <a:t>Moderation</a:t>
+            </a:r>
+          </a:p>
+          <a:p>
+            <a:endParaRPr lang="en-US" dirty="0"/>
+          </a:p>
+          <a:p>
+            <a:r>
+              <a:rPr lang="en-US" dirty="0"/>
+              <a:t>Base endpoint: https://api.openai.com/</a:t>
+            </a:r>
+          </a:p>
+        </p:txBody>
+      </p:sp>
+    </p:spTree>
+    <p:extLst>
+      <p:ext uri="{BB962C8B-B14F-4D97-AF65-F5344CB8AC3E}">
+        <p14:creationId xmlns:p14="http://schemas.microsoft.com/office/powerpoint/2010/main" val="2281618999"/>
+      </p:ext>
+    </p:extLst>
+  </p:cSld>
+  <p:clrMapOvr>
+    <a:masterClrMapping/>
+  </p:clrMapOvr>
+</p:sld>
+</file>
+
+<file path=ppt/slides/slide20.xml><?xml version="1.0" encoding="utf-8"?>
+<p:sld xmlns:a="http://schemas.openxmlformats.org/drawingml/2006/main" xmlns:r="http://schemas.openxmlformats.org/officeDocument/2006/relationships" xmlns:p="http://schemas.openxmlformats.org/presentationml/2006/main">
+  <p:cSld>
+    <p:spTree>
+      <p:nvGrpSpPr>
+        <p:cNvPr id="1" name=""/>
+        <p:cNvGrpSpPr/>
+        <p:nvPr/>
+      </p:nvGrpSpPr>
+      <p:grpSpPr>
+        <a:xfrm>
+          <a:off x="0" y="0"/>
+          <a:ext cx="0" cy="0"/>
+          <a:chOff x="0" y="0"/>
+          <a:chExt cx="0" cy="0"/>
+        </a:xfrm>
+      </p:grpSpPr>
+      <p:sp>
+        <p:nvSpPr>
+          <p:cNvPr id="2" name="Title 1">
+            <a:extLst>
+              <a:ext uri="{FF2B5EF4-FFF2-40B4-BE49-F238E27FC236}">
+                <a16:creationId xmlns:a16="http://schemas.microsoft.com/office/drawing/2014/main" id="{4F5BA3F4-BC09-898B-7D41-3727977DACC1}"/>
+              </a:ext>
+            </a:extLst>
+          </p:cNvPr>
+          <p:cNvSpPr>
+            <a:spLocks noGrp="1"/>
+          </p:cNvSpPr>
+          <p:nvPr>
+            <p:ph type="ctrTitle"/>
+          </p:nvPr>
+        </p:nvSpPr>
+        <p:spPr/>
+        <p:txBody>
+          <a:bodyPr/>
+          <a:lstStyle/>
+          <a:p>
+            <a:r>
+              <a:rPr lang="en-US" dirty="0"/>
+              <a:t>Speech-to-Text</a:t>
+            </a:r>
+          </a:p>
+        </p:txBody>
+      </p:sp>
+      <p:sp>
+        <p:nvSpPr>
+          <p:cNvPr id="4" name="Subtitle 3">
+            <a:extLst>
+              <a:ext uri="{FF2B5EF4-FFF2-40B4-BE49-F238E27FC236}">
+                <a16:creationId xmlns:a16="http://schemas.microsoft.com/office/drawing/2014/main" id="{BF181B83-7AE8-3878-28DE-F706F810D846}"/>
+              </a:ext>
+            </a:extLst>
+          </p:cNvPr>
+          <p:cNvSpPr>
+            <a:spLocks noGrp="1"/>
+          </p:cNvSpPr>
+          <p:nvPr>
+            <p:ph type="subTitle" idx="1"/>
+          </p:nvPr>
+        </p:nvSpPr>
+        <p:spPr/>
+        <p:txBody>
+          <a:bodyPr/>
+          <a:lstStyle/>
+          <a:p>
+            <a:endParaRPr lang="en-US" dirty="0"/>
+          </a:p>
+        </p:txBody>
+      </p:sp>
+    </p:spTree>
+    <p:extLst>
+      <p:ext uri="{BB962C8B-B14F-4D97-AF65-F5344CB8AC3E}">
+        <p14:creationId xmlns:p14="http://schemas.microsoft.com/office/powerpoint/2010/main" val="2936762017"/>
+      </p:ext>
+    </p:extLst>
+  </p:cSld>
+  <p:clrMapOvr>
+    <a:masterClrMapping/>
+  </p:clrMapOvr>
+</p:sld>
+</file>
+
+<file path=ppt/slides/slide21.xml><?xml version="1.0" encoding="utf-8"?>
+<p:sld xmlns:a="http://schemas.openxmlformats.org/drawingml/2006/main" xmlns:r="http://schemas.openxmlformats.org/officeDocument/2006/relationships" xmlns:p="http://schemas.openxmlformats.org/presentationml/2006/main">
+  <p:cSld>
+    <p:spTree>
+      <p:nvGrpSpPr>
+        <p:cNvPr id="1" name=""/>
+        <p:cNvGrpSpPr/>
+        <p:nvPr/>
+      </p:nvGrpSpPr>
+      <p:grpSpPr>
+        <a:xfrm>
+          <a:off x="0" y="0"/>
+          <a:ext cx="0" cy="0"/>
+          <a:chOff x="0" y="0"/>
+          <a:chExt cx="0" cy="0"/>
+        </a:xfrm>
+      </p:grpSpPr>
+      <p:sp>
+        <p:nvSpPr>
+          <p:cNvPr id="2" name="Title 1">
+            <a:extLst>
+              <a:ext uri="{FF2B5EF4-FFF2-40B4-BE49-F238E27FC236}">
+                <a16:creationId xmlns:a16="http://schemas.microsoft.com/office/drawing/2014/main" id="{AE0B234B-830E-1BCF-3B58-DD55E59B3414}"/>
+              </a:ext>
+            </a:extLst>
+          </p:cNvPr>
+          <p:cNvSpPr>
+            <a:spLocks noGrp="1"/>
+          </p:cNvSpPr>
+          <p:nvPr>
+            <p:ph type="title"/>
+          </p:nvPr>
+        </p:nvSpPr>
+        <p:spPr/>
+        <p:txBody>
+          <a:bodyPr/>
+          <a:lstStyle/>
+          <a:p>
+            <a:r>
+              <a:rPr lang="en-US" dirty="0"/>
+              <a:t>Introduction</a:t>
+            </a:r>
+          </a:p>
+        </p:txBody>
+      </p:sp>
+      <p:sp>
+        <p:nvSpPr>
+          <p:cNvPr id="3" name="Content Placeholder 2">
+            <a:extLst>
+              <a:ext uri="{FF2B5EF4-FFF2-40B4-BE49-F238E27FC236}">
+                <a16:creationId xmlns:a16="http://schemas.microsoft.com/office/drawing/2014/main" id="{0ADF5410-0DB3-7906-CDBB-FAFF2FED1391}"/>
+              </a:ext>
+            </a:extLst>
+          </p:cNvPr>
+          <p:cNvSpPr>
+            <a:spLocks noGrp="1"/>
+          </p:cNvSpPr>
+          <p:nvPr>
+            <p:ph idx="1"/>
+          </p:nvPr>
+        </p:nvSpPr>
+        <p:spPr/>
+        <p:txBody>
+          <a:bodyPr/>
+          <a:lstStyle/>
+          <a:p>
+            <a:r>
+              <a:rPr lang="en-US" dirty="0"/>
+              <a:t>Two endpoints</a:t>
+            </a:r>
+          </a:p>
+          <a:p>
+            <a:pPr lvl="1"/>
+            <a:r>
+              <a:rPr lang="en-US" dirty="0"/>
+              <a:t>Transcriptions: </a:t>
+            </a:r>
+          </a:p>
+          <a:p>
+            <a:pPr lvl="2"/>
+            <a:r>
+              <a:rPr lang="en-US" dirty="0"/>
+              <a:t>Transcribe audio in whatever language</a:t>
+            </a:r>
+          </a:p>
+          <a:p>
+            <a:pPr lvl="1"/>
+            <a:r>
+              <a:rPr lang="en-US" dirty="0"/>
+              <a:t>Translations: </a:t>
+            </a:r>
+          </a:p>
+          <a:p>
+            <a:pPr lvl="2"/>
+            <a:r>
+              <a:rPr lang="en-US" dirty="0"/>
+              <a:t>Translate and transcribe audio into English</a:t>
+            </a:r>
+          </a:p>
+          <a:p>
+            <a:r>
+              <a:rPr lang="en-US" dirty="0"/>
+              <a:t>Based on Whisper model</a:t>
+            </a:r>
+          </a:p>
+          <a:p>
+            <a:r>
+              <a:rPr lang="en-US" dirty="0"/>
+              <a:t>Constraints:</a:t>
+            </a:r>
+          </a:p>
+          <a:p>
+            <a:pPr lvl="1"/>
+            <a:r>
+              <a:rPr lang="en-US" dirty="0"/>
+              <a:t>File &lt; 25 MB</a:t>
+            </a:r>
+          </a:p>
+          <a:p>
+            <a:pPr lvl="1"/>
+            <a:r>
+              <a:rPr lang="en-US" dirty="0"/>
+              <a:t>File type is mp3, mp4, mpeg, mpga, m4a, wav, or webm</a:t>
+            </a:r>
+          </a:p>
+          <a:p>
+            <a:endParaRPr lang="en-US" dirty="0"/>
+          </a:p>
+        </p:txBody>
+      </p:sp>
+    </p:spTree>
+    <p:extLst>
+      <p:ext uri="{BB962C8B-B14F-4D97-AF65-F5344CB8AC3E}">
+        <p14:creationId xmlns:p14="http://schemas.microsoft.com/office/powerpoint/2010/main" val="3103601494"/>
+      </p:ext>
+    </p:extLst>
+  </p:cSld>
+  <p:clrMapOvr>
+    <a:masterClrMapping/>
+  </p:clrMapOvr>
+</p:sld>
+</file>
+
+<file path=ppt/slides/slide22.xml><?xml version="1.0" encoding="utf-8"?>
+<p:sld xmlns:a="http://schemas.openxmlformats.org/drawingml/2006/main" xmlns:r="http://schemas.openxmlformats.org/officeDocument/2006/relationships" xmlns:p="http://schemas.openxmlformats.org/presentationml/2006/main">
+  <p:cSld>
+    <p:spTree>
+      <p:nvGrpSpPr>
+        <p:cNvPr id="1" name=""/>
+        <p:cNvGrpSpPr/>
+        <p:nvPr/>
+      </p:nvGrpSpPr>
+      <p:grpSpPr>
+        <a:xfrm>
+          <a:off x="0" y="0"/>
+          <a:ext cx="0" cy="0"/>
+          <a:chOff x="0" y="0"/>
+          <a:chExt cx="0" cy="0"/>
+        </a:xfrm>
+      </p:grpSpPr>
+      <p:sp>
+        <p:nvSpPr>
+          <p:cNvPr id="2" name="Title 1">
+            <a:extLst>
+              <a:ext uri="{FF2B5EF4-FFF2-40B4-BE49-F238E27FC236}">
+                <a16:creationId xmlns:a16="http://schemas.microsoft.com/office/drawing/2014/main" id="{5C9F2A33-79D8-322E-7D61-A54404FABF2A}"/>
+              </a:ext>
+            </a:extLst>
+          </p:cNvPr>
+          <p:cNvSpPr>
+            <a:spLocks noGrp="1"/>
+          </p:cNvSpPr>
+          <p:nvPr>
+            <p:ph type="title"/>
+          </p:nvPr>
+        </p:nvSpPr>
+        <p:spPr/>
+        <p:txBody>
+          <a:bodyPr/>
+          <a:lstStyle/>
+          <a:p>
+            <a:r>
+              <a:rPr lang="en-US" dirty="0"/>
+              <a:t>Quick Start</a:t>
+            </a:r>
+          </a:p>
+        </p:txBody>
+      </p:sp>
+      <p:pic>
+        <p:nvPicPr>
+          <p:cNvPr id="5" name="Content Placeholder 4">
+            <a:extLst>
+              <a:ext uri="{FF2B5EF4-FFF2-40B4-BE49-F238E27FC236}">
+                <a16:creationId xmlns:a16="http://schemas.microsoft.com/office/drawing/2014/main" id="{456CDDE5-25B8-068D-9558-EF3F08934B7D}"/>
+              </a:ext>
+            </a:extLst>
+          </p:cNvPr>
+          <p:cNvPicPr>
+            <a:picLocks noGrp="1" noChangeAspect="1"/>
+          </p:cNvPicPr>
+          <p:nvPr>
+            <p:ph idx="1"/>
+          </p:nvPr>
+        </p:nvPicPr>
+        <p:blipFill>
+          <a:blip r:embed="rId2"/>
+          <a:stretch>
+            <a:fillRect/>
+          </a:stretch>
+        </p:blipFill>
+        <p:spPr>
+          <a:xfrm>
+            <a:off x="6451600" y="1690688"/>
+            <a:ext cx="5740400" cy="2590800"/>
+          </a:xfrm>
+          <a:prstGeom prst="rect">
+            <a:avLst/>
+          </a:prstGeom>
+        </p:spPr>
+      </p:pic>
+      <p:pic>
+        <p:nvPicPr>
+          <p:cNvPr id="4" name="Picture 3">
+            <a:extLst>
+              <a:ext uri="{FF2B5EF4-FFF2-40B4-BE49-F238E27FC236}">
+                <a16:creationId xmlns:a16="http://schemas.microsoft.com/office/drawing/2014/main" id="{CE0A9F62-31B2-2253-E849-661E8ACCC172}"/>
+              </a:ext>
+            </a:extLst>
+          </p:cNvPr>
+          <p:cNvPicPr>
+            <a:picLocks noChangeAspect="1"/>
+          </p:cNvPicPr>
+          <p:nvPr/>
+        </p:nvPicPr>
+        <p:blipFill>
+          <a:blip r:embed="rId3"/>
+          <a:stretch>
+            <a:fillRect/>
+          </a:stretch>
+        </p:blipFill>
+        <p:spPr>
+          <a:xfrm>
+            <a:off x="317500" y="1690688"/>
+            <a:ext cx="5778500" cy="2590800"/>
+          </a:xfrm>
+          <a:prstGeom prst="rect">
+            <a:avLst/>
+          </a:prstGeom>
+        </p:spPr>
+      </p:pic>
+    </p:spTree>
+    <p:extLst>
+      <p:ext uri="{BB962C8B-B14F-4D97-AF65-F5344CB8AC3E}">
+        <p14:creationId xmlns:p14="http://schemas.microsoft.com/office/powerpoint/2010/main" val="4157154965"/>
+      </p:ext>
+    </p:extLst>
+  </p:cSld>
+  <p:clrMapOvr>
+    <a:masterClrMapping/>
+  </p:clrMapOvr>
+</p:sld>
+</file>
+
+<file path=ppt/slides/slide23.xml><?xml version="1.0" encoding="utf-8"?>
+<p:sld xmlns:a="http://schemas.openxmlformats.org/drawingml/2006/main" xmlns:r="http://schemas.openxmlformats.org/officeDocument/2006/relationships" xmlns:p="http://schemas.openxmlformats.org/presentationml/2006/main">
+  <p:cSld>
+    <p:spTree>
+      <p:nvGrpSpPr>
+        <p:cNvPr id="1" name=""/>
+        <p:cNvGrpSpPr/>
+        <p:nvPr/>
+      </p:nvGrpSpPr>
+      <p:grpSpPr>
+        <a:xfrm>
+          <a:off x="0" y="0"/>
+          <a:ext cx="0" cy="0"/>
+          <a:chOff x="0" y="0"/>
+          <a:chExt cx="0" cy="0"/>
+        </a:xfrm>
+      </p:grpSpPr>
+      <p:sp>
+        <p:nvSpPr>
+          <p:cNvPr id="2" name="Title 1">
+            <a:extLst>
+              <a:ext uri="{FF2B5EF4-FFF2-40B4-BE49-F238E27FC236}">
+                <a16:creationId xmlns:a16="http://schemas.microsoft.com/office/drawing/2014/main" id="{98D52B2D-EB1E-E156-B908-074E70B2C52B}"/>
+              </a:ext>
+            </a:extLst>
+          </p:cNvPr>
+          <p:cNvSpPr>
+            <a:spLocks noGrp="1"/>
+          </p:cNvSpPr>
+          <p:nvPr>
+            <p:ph type="ctrTitle"/>
+          </p:nvPr>
+        </p:nvSpPr>
+        <p:spPr/>
+        <p:txBody>
+          <a:bodyPr/>
+          <a:lstStyle/>
+          <a:p>
+            <a:r>
+              <a:rPr lang="en-US" dirty="0"/>
+              <a:t>Moderation</a:t>
+            </a:r>
+          </a:p>
+        </p:txBody>
+      </p:sp>
+    </p:spTree>
+    <p:extLst>
+      <p:ext uri="{BB962C8B-B14F-4D97-AF65-F5344CB8AC3E}">
+        <p14:creationId xmlns:p14="http://schemas.microsoft.com/office/powerpoint/2010/main" val="3560599162"/>
+      </p:ext>
+    </p:extLst>
+  </p:cSld>
+  <p:clrMapOvr>
+    <a:masterClrMapping/>
+  </p:clrMapOvr>
+</p:sld>
+</file>
+
+<file path=ppt/slides/slide24.xml><?xml version="1.0" encoding="utf-8"?>
+<p:sld xmlns:a="http://schemas.openxmlformats.org/drawingml/2006/main" xmlns:r="http://schemas.openxmlformats.org/officeDocument/2006/relationships" xmlns:p="http://schemas.openxmlformats.org/presentationml/2006/main">
+  <p:cSld>
+    <p:spTree>
+      <p:nvGrpSpPr>
+        <p:cNvPr id="1" name=""/>
+        <p:cNvGrpSpPr/>
+        <p:nvPr/>
+      </p:nvGrpSpPr>
+      <p:grpSpPr>
+        <a:xfrm>
+          <a:off x="0" y="0"/>
+          <a:ext cx="0" cy="0"/>
+          <a:chOff x="0" y="0"/>
+          <a:chExt cx="0" cy="0"/>
+        </a:xfrm>
+      </p:grpSpPr>
+      <p:sp>
+        <p:nvSpPr>
+          <p:cNvPr id="2" name="Title 1">
+            <a:extLst>
+              <a:ext uri="{FF2B5EF4-FFF2-40B4-BE49-F238E27FC236}">
                 <a16:creationId xmlns:a16="http://schemas.microsoft.com/office/drawing/2014/main" id="{EAE8225F-8230-AC6D-A11C-1D6EF5A09125}"/>
               </a:ext>
             </a:extLst>
@@ -3691,7 +5091,7 @@
         <p:spPr>
           <a:xfrm>
             <a:off x="838200" y="1825625"/>
-            <a:ext cx="3120189" cy="4351338"/>
+            <a:ext cx="5019261" cy="4351338"/>
           </a:xfrm>
         </p:spPr>
         <p:txBody>
@@ -3735,14 +5135,14 @@
           <p:nvPr>
             <p:extLst>
               <p:ext uri="{D42A27DB-BD31-4B8C-83A1-F6EECF244321}">
-                <p14:modId xmlns:p14="http://schemas.microsoft.com/office/powerpoint/2010/main" val="4200537900"/>
+                <p14:modId xmlns:p14="http://schemas.microsoft.com/office/powerpoint/2010/main" val="212030998"/>
               </p:ext>
             </p:extLst>
           </p:nvPr>
         </p:nvGraphicFramePr>
         <p:xfrm>
-          <a:off x="4064000" y="1069340"/>
-          <a:ext cx="8128000" cy="4719320"/>
+          <a:off x="8128000" y="261620"/>
+          <a:ext cx="8128000" cy="6334760"/>
         </p:xfrm>
         <a:graphic>
           <a:graphicData uri="http://schemas.openxmlformats.org/drawingml/2006/table">
@@ -3818,7 +5218,10 @@
                     <a:bodyPr/>
                     <a:lstStyle/>
                     <a:p>
-                      <a:endParaRPr lang="en-US" dirty="0"/>
+                      <a:r>
+                        <a:rPr lang="en-US" dirty="0"/>
+                        <a:t>Hate that targets specific demographics</a:t>
+                      </a:r>
                     </a:p>
                   </a:txBody>
                   <a:tcPr/>
@@ -3883,7 +5286,7 @@
                     <a:p>
                       <a:r>
                         <a:rPr lang="en-US" dirty="0"/>
-                        <a:t>Content that </a:t>
+                        <a:t>Harassment that is directed towards anyone</a:t>
                       </a:r>
                     </a:p>
                   </a:txBody>
@@ -3916,7 +5319,7 @@
                     <a:p>
                       <a:r>
                         <a:rPr lang="en-US" dirty="0"/>
-                        <a:t>Harassment that includes violence</a:t>
+                        <a:t>Harassment that also includes violence</a:t>
                       </a:r>
                     </a:p>
                   </a:txBody>
@@ -3947,7 +5350,10 @@
                     <a:bodyPr/>
                     <a:lstStyle/>
                     <a:p>
-                      <a:endParaRPr lang="en-US" dirty="0"/>
+                      <a:r>
+                        <a:rPr lang="en-US" dirty="0"/>
+                        <a:t>Content that promotes self-harm like suicide, cutting, etc..</a:t>
+                      </a:r>
                     </a:p>
                   </a:txBody>
                   <a:tcPr/>
@@ -3977,7 +5383,10 @@
                     <a:bodyPr/>
                     <a:lstStyle/>
                     <a:p>
-                      <a:endParaRPr lang="en-US" dirty="0"/>
+                      <a:r>
+                        <a:rPr lang="en-US" dirty="0"/>
+                        <a:t>Self-harm content that also includes intent</a:t>
+                      </a:r>
                     </a:p>
                   </a:txBody>
                   <a:tcPr/>
@@ -4007,7 +5416,10 @@
                     <a:bodyPr/>
                     <a:lstStyle/>
                     <a:p>
-                      <a:endParaRPr lang="en-US" dirty="0"/>
+                      <a:r>
+                        <a:rPr lang="en-US" dirty="0"/>
+                        <a:t>Self-harm content that is encouraging and may include instructions</a:t>
+                      </a:r>
                     </a:p>
                   </a:txBody>
                   <a:tcPr/>
@@ -4155,7 +5567,7 @@
 </p:sld>
 </file>
 
-<file path=ppt/slides/slide14.xml><?xml version="1.0" encoding="utf-8"?>
+<file path=ppt/slides/slide25.xml><?xml version="1.0" encoding="utf-8"?>
 <p:sld xmlns:a="http://schemas.openxmlformats.org/drawingml/2006/main" xmlns:r="http://schemas.openxmlformats.org/officeDocument/2006/relationships" xmlns:p="http://schemas.openxmlformats.org/presentationml/2006/main">
   <p:cSld>
     <p:spTree>
@@ -4194,10 +5606,9 @@
           <a:lstStyle/>
           <a:p>
             <a:r>
-              <a:rPr lang="en-US" dirty="0" err="1"/>
-              <a:t>Quickstart</a:t>
-            </a:r>
-            <a:endParaRPr lang="en-US" dirty="0"/>
+              <a:rPr lang="en-US" dirty="0"/>
+              <a:t>Quick Start</a:t>
+            </a:r>
           </a:p>
         </p:txBody>
       </p:sp>
@@ -4275,7 +5686,7 @@
         <p:spPr>
           <a:xfrm>
             <a:off x="1191126" y="4162926"/>
-            <a:ext cx="3729790" cy="923330"/>
+            <a:ext cx="3729790" cy="2585323"/>
           </a:xfrm>
           <a:prstGeom prst="rect">
             <a:avLst/>
@@ -4290,21 +5701,20 @@
           <a:p>
             <a:r>
               <a:rPr lang="en-US" dirty="0"/>
-              <a:t>flagged</a:t>
-            </a:r>
-          </a:p>
-          <a:p>
-            <a:r>
-              <a:rPr lang="en-US" dirty="0"/>
-              <a:t>categories</a:t>
-            </a:r>
-          </a:p>
-          <a:p>
-            <a:r>
-              <a:rPr lang="en-US" dirty="0" err="1"/>
-              <a:t>category_scores</a:t>
-            </a:r>
-            <a:endParaRPr lang="en-US" dirty="0"/>
+              <a:t>flagged: does this content meet any of the criteria for moderation in categories?</a:t>
+            </a:r>
+          </a:p>
+          <a:p>
+            <a:r>
+              <a:rPr lang="en-US" dirty="0"/>
+              <a:t>categories: does this content fall into any of the aforementioned categories?</a:t>
+            </a:r>
+          </a:p>
+          <a:p>
+            <a:r>
+              <a:rPr lang="en-US" dirty="0"/>
+              <a:t>category_scores: category scores as predicted by the model (scaled 0-1)</a:t>
+            </a:r>
           </a:p>
         </p:txBody>
       </p:sp>
@@ -4312,89 +5722,6 @@
     <p:extLst>
       <p:ext uri="{BB962C8B-B14F-4D97-AF65-F5344CB8AC3E}">
         <p14:creationId xmlns:p14="http://schemas.microsoft.com/office/powerpoint/2010/main" val="1920651841"/>
-      </p:ext>
-    </p:extLst>
-  </p:cSld>
-  <p:clrMapOvr>
-    <a:masterClrMapping/>
-  </p:clrMapOvr>
-</p:sld>
-</file>
-
-<file path=ppt/slides/slide2.xml><?xml version="1.0" encoding="utf-8"?>
-<p:sld xmlns:a="http://schemas.openxmlformats.org/drawingml/2006/main" xmlns:r="http://schemas.openxmlformats.org/officeDocument/2006/relationships" xmlns:p="http://schemas.openxmlformats.org/presentationml/2006/main">
-  <p:cSld>
-    <p:spTree>
-      <p:nvGrpSpPr>
-        <p:cNvPr id="1" name=""/>
-        <p:cNvGrpSpPr/>
-        <p:nvPr/>
-      </p:nvGrpSpPr>
-      <p:grpSpPr>
-        <a:xfrm>
-          <a:off x="0" y="0"/>
-          <a:ext cx="0" cy="0"/>
-          <a:chOff x="0" y="0"/>
-          <a:chExt cx="0" cy="0"/>
-        </a:xfrm>
-      </p:grpSpPr>
-      <p:sp>
-        <p:nvSpPr>
-          <p:cNvPr id="2" name="Title 1">
-            <a:extLst>
-              <a:ext uri="{FF2B5EF4-FFF2-40B4-BE49-F238E27FC236}">
-                <a16:creationId xmlns:a16="http://schemas.microsoft.com/office/drawing/2014/main" id="{BF0E692A-BD11-AECA-A9A6-3A0A4C5AAE63}"/>
-              </a:ext>
-            </a:extLst>
-          </p:cNvPr>
-          <p:cNvSpPr>
-            <a:spLocks noGrp="1"/>
-          </p:cNvSpPr>
-          <p:nvPr>
-            <p:ph type="title"/>
-          </p:nvPr>
-        </p:nvSpPr>
-        <p:spPr/>
-        <p:txBody>
-          <a:bodyPr/>
-          <a:lstStyle/>
-          <a:p>
-            <a:r>
-              <a:rPr lang="en-US" dirty="0"/>
-              <a:t>Introduction</a:t>
-            </a:r>
-          </a:p>
-        </p:txBody>
-      </p:sp>
-      <p:sp>
-        <p:nvSpPr>
-          <p:cNvPr id="3" name="Content Placeholder 2">
-            <a:extLst>
-              <a:ext uri="{FF2B5EF4-FFF2-40B4-BE49-F238E27FC236}">
-                <a16:creationId xmlns:a16="http://schemas.microsoft.com/office/drawing/2014/main" id="{1F5971BD-838F-A9C6-6CAF-D81868A719CC}"/>
-              </a:ext>
-            </a:extLst>
-          </p:cNvPr>
-          <p:cNvSpPr>
-            <a:spLocks noGrp="1"/>
-          </p:cNvSpPr>
-          <p:nvPr>
-            <p:ph idx="1"/>
-          </p:nvPr>
-        </p:nvSpPr>
-        <p:spPr/>
-        <p:txBody>
-          <a:bodyPr/>
-          <a:lstStyle/>
-          <a:p>
-            <a:endParaRPr lang="en-US"/>
-          </a:p>
-        </p:txBody>
-      </p:sp>
-    </p:spTree>
-    <p:extLst>
-      <p:ext uri="{BB962C8B-B14F-4D97-AF65-F5344CB8AC3E}">
-        <p14:creationId xmlns:p14="http://schemas.microsoft.com/office/powerpoint/2010/main" val="2281618999"/>
       </p:ext>
     </p:extLst>
   </p:cSld>
@@ -4558,6 +5885,12 @@
           <a:p>
             <a:r>
               <a:rPr lang="en-US" dirty="0"/>
+              <a:t>Model: DALLE 3 / DALLE 2</a:t>
+            </a:r>
+          </a:p>
+          <a:p>
+            <a:r>
+              <a:rPr lang="en-US" dirty="0"/>
               <a:t>3 basic use cases</a:t>
             </a:r>
           </a:p>
@@ -4565,27 +5898,21 @@
             <a:pPr lvl="1"/>
             <a:r>
               <a:rPr lang="en-US" dirty="0"/>
-              <a:t>Creating images from text</a:t>
+              <a:t>Creating images from text (both models)</a:t>
             </a:r>
           </a:p>
           <a:p>
             <a:pPr lvl="1"/>
             <a:r>
               <a:rPr lang="en-US" dirty="0"/>
-              <a:t>Editing existing images from text</a:t>
+              <a:t>Editing existing images from text (DALLE 2)</a:t>
             </a:r>
           </a:p>
           <a:p>
             <a:pPr lvl="1"/>
             <a:r>
               <a:rPr lang="en-US" dirty="0"/>
-              <a:t>Varying existing image</a:t>
-            </a:r>
-          </a:p>
-          <a:p>
-            <a:r>
-              <a:rPr lang="en-US" dirty="0"/>
-              <a:t>DALLE 3 / DALLE 2</a:t>
+              <a:t>Varying existing image (DALLE 2)</a:t>
             </a:r>
           </a:p>
         </p:txBody>
@@ -4664,14 +5991,53 @@
             <p:ph idx="1"/>
           </p:nvPr>
         </p:nvSpPr>
-        <p:spPr/>
-        <p:txBody>
-          <a:bodyPr/>
-          <a:lstStyle/>
-          <a:p>
-            <a:r>
-              <a:rPr lang="en-US" dirty="0"/>
-              <a:t>Image generation</a:t>
+        <p:spPr>
+          <a:xfrm>
+            <a:off x="838201" y="1825625"/>
+            <a:ext cx="5508868" cy="4351338"/>
+          </a:xfrm>
+        </p:spPr>
+        <p:txBody>
+          <a:bodyPr>
+            <a:normAutofit fontScale="92500" lnSpcReduction="20000"/>
+          </a:bodyPr>
+          <a:lstStyle/>
+          <a:p>
+            <a:r>
+              <a:rPr lang="en-US" dirty="0"/>
+              <a:t>Endpoint: v1/images/generations</a:t>
+            </a:r>
+          </a:p>
+          <a:p>
+            <a:r>
+              <a:rPr lang="en-US" dirty="0"/>
+              <a:t>1024x1024, 1024x1792 or 1792x1024 pixels</a:t>
+            </a:r>
+          </a:p>
+          <a:p>
+            <a:r>
+              <a:rPr lang="en-US" dirty="0"/>
+              <a:t>Quality: “standard” or “hd”</a:t>
+            </a:r>
+          </a:p>
+          <a:p>
+            <a:r>
+              <a:rPr lang="en-US" dirty="0"/>
+              <a:t>Internal detail: prompts are automatically and unavoidably rewritten with DALLE3</a:t>
+            </a:r>
+          </a:p>
+          <a:p>
+            <a:pPr lvl="1"/>
+            <a:r>
+              <a:rPr lang="en-US" dirty="0"/>
+              <a:t>Possible workaround includes I NEED to test how the tool works with extremely simple prompts. DO NOT add any detail, just use it AS-IS:</a:t>
+            </a:r>
+          </a:p>
+          <a:p>
+            <a:pPr lvl="1"/>
+            <a:r>
+              <a:rPr lang="en-US" dirty="0"/>
+              <a:t>Rewritten prompt available in revised_prompt</a:t>
             </a:r>
           </a:p>
         </p:txBody>
@@ -4698,8 +6064,68 @@
         </p:blipFill>
         <p:spPr>
           <a:xfrm>
-            <a:off x="8662524" y="1610185"/>
-            <a:ext cx="3048425" cy="2391109"/>
+            <a:off x="6578278" y="4085928"/>
+            <a:ext cx="2806861" cy="2546000"/>
+          </a:xfrm>
+          <a:prstGeom prst="rect">
+            <a:avLst/>
+          </a:prstGeom>
+        </p:spPr>
+      </p:pic>
+      <p:pic>
+        <p:nvPicPr>
+          <p:cNvPr id="4" name="Picture 3">
+            <a:extLst>
+              <a:ext uri="{FF2B5EF4-FFF2-40B4-BE49-F238E27FC236}">
+                <a16:creationId xmlns:a16="http://schemas.microsoft.com/office/drawing/2014/main" id="{0B04556F-7EE5-1C23-C003-AC1661901675}"/>
+              </a:ext>
+            </a:extLst>
+          </p:cNvPr>
+          <p:cNvPicPr>
+            <a:picLocks noChangeAspect="1"/>
+          </p:cNvPicPr>
+          <p:nvPr/>
+        </p:nvPicPr>
+        <p:blipFill>
+          <a:blip r:embed="rId3"/>
+          <a:stretch>
+            <a:fillRect/>
+          </a:stretch>
+        </p:blipFill>
+        <p:spPr>
+          <a:xfrm>
+            <a:off x="9385139" y="4085927"/>
+            <a:ext cx="2806861" cy="2546000"/>
+          </a:xfrm>
+          <a:prstGeom prst="rect">
+            <a:avLst/>
+          </a:prstGeom>
+        </p:spPr>
+      </p:pic>
+      <p:pic>
+        <p:nvPicPr>
+          <p:cNvPr id="9" name="Picture 8">
+            <a:extLst>
+              <a:ext uri="{FF2B5EF4-FFF2-40B4-BE49-F238E27FC236}">
+                <a16:creationId xmlns:a16="http://schemas.microsoft.com/office/drawing/2014/main" id="{B3A2BD11-D5A9-DAA9-0EB8-C77B4D18D77F}"/>
+              </a:ext>
+            </a:extLst>
+          </p:cNvPr>
+          <p:cNvPicPr>
+            <a:picLocks noChangeAspect="1"/>
+          </p:cNvPicPr>
+          <p:nvPr/>
+        </p:nvPicPr>
+        <p:blipFill>
+          <a:blip r:embed="rId4"/>
+          <a:stretch>
+            <a:fillRect/>
+          </a:stretch>
+        </p:blipFill>
+        <p:spPr>
+          <a:xfrm>
+            <a:off x="7803216" y="365125"/>
+            <a:ext cx="3163846" cy="3163846"/>
           </a:xfrm>
           <a:prstGeom prst="rect">
             <a:avLst/>
@@ -4741,58 +6167,295 @@
           <p:cNvPr id="2" name="Title 1">
             <a:extLst>
               <a:ext uri="{FF2B5EF4-FFF2-40B4-BE49-F238E27FC236}">
-                <a16:creationId xmlns:a16="http://schemas.microsoft.com/office/drawing/2014/main" id="{76DAC7C7-A64D-7AE3-E2A3-C5E9F65DD62E}"/>
-              </a:ext>
-            </a:extLst>
-          </p:cNvPr>
-          <p:cNvSpPr>
-            <a:spLocks noGrp="1"/>
-          </p:cNvSpPr>
-          <p:nvPr>
-            <p:ph type="ctrTitle"/>
-          </p:nvPr>
-        </p:nvSpPr>
-        <p:spPr/>
-        <p:txBody>
-          <a:bodyPr/>
-          <a:lstStyle/>
-          <a:p>
-            <a:r>
-              <a:rPr lang="en-US" dirty="0"/>
-              <a:t>Vision</a:t>
-            </a:r>
-          </a:p>
-        </p:txBody>
-      </p:sp>
-      <p:sp>
-        <p:nvSpPr>
-          <p:cNvPr id="4" name="Subtitle 3">
-            <a:extLst>
-              <a:ext uri="{FF2B5EF4-FFF2-40B4-BE49-F238E27FC236}">
-                <a16:creationId xmlns:a16="http://schemas.microsoft.com/office/drawing/2014/main" id="{0084DCB3-D0F8-E5CC-F84C-0643E76549B9}"/>
-              </a:ext>
-            </a:extLst>
-          </p:cNvPr>
-          <p:cNvSpPr>
-            <a:spLocks noGrp="1"/>
-          </p:cNvSpPr>
-          <p:nvPr>
-            <p:ph type="subTitle" idx="1"/>
-          </p:nvPr>
-        </p:nvSpPr>
-        <p:spPr/>
-        <p:txBody>
-          <a:bodyPr/>
-          <a:lstStyle/>
-          <a:p>
-            <a:endParaRPr lang="en-US"/>
+                <a16:creationId xmlns:a16="http://schemas.microsoft.com/office/drawing/2014/main" id="{C091FA11-8418-495C-10EA-55518C3F8FF3}"/>
+              </a:ext>
+            </a:extLst>
+          </p:cNvPr>
+          <p:cNvSpPr>
+            <a:spLocks noGrp="1"/>
+          </p:cNvSpPr>
+          <p:nvPr>
+            <p:ph type="title"/>
+          </p:nvPr>
+        </p:nvSpPr>
+        <p:spPr/>
+        <p:txBody>
+          <a:bodyPr/>
+          <a:lstStyle/>
+          <a:p>
+            <a:r>
+              <a:rPr lang="en-US" dirty="0"/>
+              <a:t>Image Editing (“Inpainting”)</a:t>
+            </a:r>
+          </a:p>
+        </p:txBody>
+      </p:sp>
+      <p:sp>
+        <p:nvSpPr>
+          <p:cNvPr id="3" name="Content Placeholder 2">
+            <a:extLst>
+              <a:ext uri="{FF2B5EF4-FFF2-40B4-BE49-F238E27FC236}">
+                <a16:creationId xmlns:a16="http://schemas.microsoft.com/office/drawing/2014/main" id="{5D9E2B12-6EE5-B15F-DA67-0709E139DA6B}"/>
+              </a:ext>
+            </a:extLst>
+          </p:cNvPr>
+          <p:cNvSpPr>
+            <a:spLocks noGrp="1"/>
+          </p:cNvSpPr>
+          <p:nvPr>
+            <p:ph idx="1"/>
+          </p:nvPr>
+        </p:nvSpPr>
+        <p:spPr/>
+        <p:txBody>
+          <a:bodyPr/>
+          <a:lstStyle/>
+          <a:p>
+            <a:r>
+              <a:rPr lang="en-US" dirty="0"/>
+              <a:t>Endpoint: v1/images/edits</a:t>
+            </a:r>
+          </a:p>
+          <a:p>
+            <a:r>
+              <a:rPr lang="en-US" dirty="0"/>
+              <a:t>Constraints</a:t>
+            </a:r>
+          </a:p>
+          <a:p>
+            <a:pPr lvl="1"/>
+            <a:r>
+              <a:rPr lang="en-US" dirty="0"/>
+              <a:t>Image &amp;&amp; mask &lt; 4MB</a:t>
+            </a:r>
+          </a:p>
+          <a:p>
+            <a:pPr lvl="1"/>
+            <a:r>
+              <a:rPr lang="en-US" dirty="0"/>
+              <a:t>Image &amp;&amp; mask need same dimensions</a:t>
+            </a:r>
+          </a:p>
+          <a:p>
+            <a:endParaRPr lang="en-US" dirty="0"/>
+          </a:p>
+          <a:p>
+            <a:endParaRPr lang="en-US" dirty="0"/>
+          </a:p>
+        </p:txBody>
+      </p:sp>
+      <p:pic>
+        <p:nvPicPr>
+          <p:cNvPr id="4" name="Picture 3">
+            <a:extLst>
+              <a:ext uri="{FF2B5EF4-FFF2-40B4-BE49-F238E27FC236}">
+                <a16:creationId xmlns:a16="http://schemas.microsoft.com/office/drawing/2014/main" id="{A24DBBDD-B5CA-A9C1-8737-1354FB628015}"/>
+              </a:ext>
+            </a:extLst>
+          </p:cNvPr>
+          <p:cNvPicPr>
+            <a:picLocks noChangeAspect="1"/>
+          </p:cNvPicPr>
+          <p:nvPr/>
+        </p:nvPicPr>
+        <p:blipFill rotWithShape="1">
+          <a:blip r:embed="rId2"/>
+          <a:srcRect r="17462"/>
+          <a:stretch/>
+        </p:blipFill>
+        <p:spPr>
+          <a:xfrm>
+            <a:off x="1178339" y="4001294"/>
+            <a:ext cx="6415157" cy="2699886"/>
+          </a:xfrm>
+          <a:prstGeom prst="rect">
+            <a:avLst/>
+          </a:prstGeom>
+        </p:spPr>
+      </p:pic>
+      <p:pic>
+        <p:nvPicPr>
+          <p:cNvPr id="6" name="Picture 5">
+            <a:extLst>
+              <a:ext uri="{FF2B5EF4-FFF2-40B4-BE49-F238E27FC236}">
+                <a16:creationId xmlns:a16="http://schemas.microsoft.com/office/drawing/2014/main" id="{FDE34C3F-D605-4D3C-4183-1EED140E7B34}"/>
+              </a:ext>
+            </a:extLst>
+          </p:cNvPr>
+          <p:cNvPicPr>
+            <a:picLocks noChangeAspect="1"/>
+          </p:cNvPicPr>
+          <p:nvPr/>
+        </p:nvPicPr>
+        <p:blipFill>
+          <a:blip r:embed="rId3"/>
+          <a:stretch>
+            <a:fillRect/>
+          </a:stretch>
+        </p:blipFill>
+        <p:spPr>
+          <a:xfrm>
+            <a:off x="9870931" y="0"/>
+            <a:ext cx="2262257" cy="2262257"/>
+          </a:xfrm>
+          <a:prstGeom prst="rect">
+            <a:avLst/>
+          </a:prstGeom>
+        </p:spPr>
+      </p:pic>
+      <p:pic>
+        <p:nvPicPr>
+          <p:cNvPr id="7" name="Picture 6">
+            <a:extLst>
+              <a:ext uri="{FF2B5EF4-FFF2-40B4-BE49-F238E27FC236}">
+                <a16:creationId xmlns:a16="http://schemas.microsoft.com/office/drawing/2014/main" id="{10E266C0-E7BB-0FC8-2C36-BEDC78610719}"/>
+              </a:ext>
+            </a:extLst>
+          </p:cNvPr>
+          <p:cNvPicPr>
+            <a:picLocks noChangeAspect="1"/>
+          </p:cNvPicPr>
+          <p:nvPr/>
+        </p:nvPicPr>
+        <p:blipFill>
+          <a:blip r:embed="rId4"/>
+          <a:stretch>
+            <a:fillRect/>
+          </a:stretch>
+        </p:blipFill>
+        <p:spPr>
+          <a:xfrm>
+            <a:off x="9870931" y="2300839"/>
+            <a:ext cx="2262257" cy="2262257"/>
+          </a:xfrm>
+          <a:prstGeom prst="rect">
+            <a:avLst/>
+          </a:prstGeom>
+        </p:spPr>
+      </p:pic>
+      <p:pic>
+        <p:nvPicPr>
+          <p:cNvPr id="8" name="Picture 7">
+            <a:extLst>
+              <a:ext uri="{FF2B5EF4-FFF2-40B4-BE49-F238E27FC236}">
+                <a16:creationId xmlns:a16="http://schemas.microsoft.com/office/drawing/2014/main" id="{23DCC37C-ED4B-5F5D-9CC3-B58623380C1D}"/>
+              </a:ext>
+            </a:extLst>
+          </p:cNvPr>
+          <p:cNvPicPr>
+            <a:picLocks noChangeAspect="1"/>
+          </p:cNvPicPr>
+          <p:nvPr/>
+        </p:nvPicPr>
+        <p:blipFill>
+          <a:blip r:embed="rId5"/>
+          <a:stretch>
+            <a:fillRect/>
+          </a:stretch>
+        </p:blipFill>
+        <p:spPr>
+          <a:xfrm>
+            <a:off x="9876180" y="4601679"/>
+            <a:ext cx="2262257" cy="2262257"/>
+          </a:xfrm>
+          <a:prstGeom prst="rect">
+            <a:avLst/>
+          </a:prstGeom>
+        </p:spPr>
+      </p:pic>
+      <p:sp>
+        <p:nvSpPr>
+          <p:cNvPr id="9" name="TextBox 8">
+            <a:extLst>
+              <a:ext uri="{FF2B5EF4-FFF2-40B4-BE49-F238E27FC236}">
+                <a16:creationId xmlns:a16="http://schemas.microsoft.com/office/drawing/2014/main" id="{9692BBDD-5AC0-A306-5160-C92A7953A96D}"/>
+              </a:ext>
+            </a:extLst>
+          </p:cNvPr>
+          <p:cNvSpPr txBox="1"/>
+          <p:nvPr/>
+        </p:nvSpPr>
+        <p:spPr>
+          <a:xfrm>
+            <a:off x="8744778" y="1027906"/>
+            <a:ext cx="1219200" cy="4801314"/>
+          </a:xfrm>
+          <a:prstGeom prst="rect">
+            <a:avLst/>
+          </a:prstGeom>
+          <a:noFill/>
+        </p:spPr>
+        <p:txBody>
+          <a:bodyPr wrap="square" rtlCol="0">
+            <a:spAutoFit/>
+          </a:bodyPr>
+          <a:lstStyle/>
+          <a:p>
+            <a:r>
+              <a:rPr lang="en-US" dirty="0"/>
+              <a:t>Image</a:t>
+            </a:r>
+          </a:p>
+          <a:p>
+            <a:endParaRPr lang="en-US" dirty="0"/>
+          </a:p>
+          <a:p>
+            <a:endParaRPr lang="en-US" dirty="0"/>
+          </a:p>
+          <a:p>
+            <a:endParaRPr lang="en-US" dirty="0"/>
+          </a:p>
+          <a:p>
+            <a:endParaRPr lang="en-US" dirty="0"/>
+          </a:p>
+          <a:p>
+            <a:endParaRPr lang="en-US" dirty="0"/>
+          </a:p>
+          <a:p>
+            <a:endParaRPr lang="en-US" dirty="0"/>
+          </a:p>
+          <a:p>
+            <a:endParaRPr lang="en-US" dirty="0"/>
+          </a:p>
+          <a:p>
+            <a:r>
+              <a:rPr lang="en-US" dirty="0"/>
+              <a:t>Mask</a:t>
+            </a:r>
+          </a:p>
+          <a:p>
+            <a:endParaRPr lang="en-US" dirty="0"/>
+          </a:p>
+          <a:p>
+            <a:endParaRPr lang="en-US" dirty="0"/>
+          </a:p>
+          <a:p>
+            <a:endParaRPr lang="en-US" dirty="0"/>
+          </a:p>
+          <a:p>
+            <a:endParaRPr lang="en-US" dirty="0"/>
+          </a:p>
+          <a:p>
+            <a:endParaRPr lang="en-US" dirty="0"/>
+          </a:p>
+          <a:p>
+            <a:endParaRPr lang="en-US" dirty="0"/>
+          </a:p>
+          <a:p>
+            <a:endParaRPr lang="en-US" dirty="0"/>
+          </a:p>
+          <a:p>
+            <a:r>
+              <a:rPr lang="en-US" dirty="0"/>
+              <a:t>Output</a:t>
+            </a:r>
           </a:p>
         </p:txBody>
       </p:sp>
     </p:spTree>
     <p:extLst>
       <p:ext uri="{BB962C8B-B14F-4D97-AF65-F5344CB8AC3E}">
-        <p14:creationId xmlns:p14="http://schemas.microsoft.com/office/powerpoint/2010/main" val="498299651"/>
+        <p14:creationId xmlns:p14="http://schemas.microsoft.com/office/powerpoint/2010/main" val="3774405665"/>
       </p:ext>
     </p:extLst>
   </p:cSld>
@@ -4824,7 +6487,7 @@
           <p:cNvPr id="2" name="Title 1">
             <a:extLst>
               <a:ext uri="{FF2B5EF4-FFF2-40B4-BE49-F238E27FC236}">
-                <a16:creationId xmlns:a16="http://schemas.microsoft.com/office/drawing/2014/main" id="{7D5E28B8-3B03-70B1-0375-4539CCD6BA5A}"/>
+                <a16:creationId xmlns:a16="http://schemas.microsoft.com/office/drawing/2014/main" id="{A5788BD2-1228-F65F-A107-36A6999DC569}"/>
               </a:ext>
             </a:extLst>
           </p:cNvPr>
@@ -4842,40 +6505,156 @@
           <a:p>
             <a:r>
               <a:rPr lang="en-US" dirty="0"/>
-              <a:t>Introduction</a:t>
-            </a:r>
-          </a:p>
-        </p:txBody>
-      </p:sp>
-      <p:sp>
-        <p:nvSpPr>
-          <p:cNvPr id="3" name="Content Placeholder 2">
-            <a:extLst>
-              <a:ext uri="{FF2B5EF4-FFF2-40B4-BE49-F238E27FC236}">
-                <a16:creationId xmlns:a16="http://schemas.microsoft.com/office/drawing/2014/main" id="{6E20AC8C-F958-7225-16CC-69ECB0811BF7}"/>
-              </a:ext>
-            </a:extLst>
-          </p:cNvPr>
-          <p:cNvSpPr>
-            <a:spLocks noGrp="1"/>
-          </p:cNvSpPr>
+              <a:t>Image Variations</a:t>
+            </a:r>
+          </a:p>
+        </p:txBody>
+      </p:sp>
+      <p:pic>
+        <p:nvPicPr>
+          <p:cNvPr id="4" name="Content Placeholder 3">
+            <a:extLst>
+              <a:ext uri="{FF2B5EF4-FFF2-40B4-BE49-F238E27FC236}">
+                <a16:creationId xmlns:a16="http://schemas.microsoft.com/office/drawing/2014/main" id="{4664AB48-EA2E-CE1A-CCBF-E9714D8112BE}"/>
+              </a:ext>
+            </a:extLst>
+          </p:cNvPr>
+          <p:cNvPicPr>
+            <a:picLocks noGrp="1" noChangeAspect="1"/>
+          </p:cNvPicPr>
           <p:nvPr>
             <p:ph idx="1"/>
           </p:nvPr>
-        </p:nvSpPr>
-        <p:spPr/>
-        <p:txBody>
-          <a:bodyPr/>
-          <a:lstStyle/>
-          <a:p>
-            <a:endParaRPr lang="en-US" dirty="0"/>
+        </p:nvPicPr>
+        <p:blipFill>
+          <a:blip r:embed="rId2"/>
+          <a:stretch>
+            <a:fillRect/>
+          </a:stretch>
+        </p:blipFill>
+        <p:spPr>
+          <a:xfrm>
+            <a:off x="838200" y="3379509"/>
+            <a:ext cx="5207000" cy="2844800"/>
+          </a:xfrm>
+          <a:prstGeom prst="rect">
+            <a:avLst/>
+          </a:prstGeom>
+        </p:spPr>
+      </p:pic>
+      <p:pic>
+        <p:nvPicPr>
+          <p:cNvPr id="5" name="Picture 4">
+            <a:extLst>
+              <a:ext uri="{FF2B5EF4-FFF2-40B4-BE49-F238E27FC236}">
+                <a16:creationId xmlns:a16="http://schemas.microsoft.com/office/drawing/2014/main" id="{6B3C87C1-ECB9-FDEF-2954-7A1B2C392E24}"/>
+              </a:ext>
+            </a:extLst>
+          </p:cNvPr>
+          <p:cNvPicPr>
+            <a:picLocks noChangeAspect="1"/>
+          </p:cNvPicPr>
+          <p:nvPr/>
+        </p:nvPicPr>
+        <p:blipFill>
+          <a:blip r:embed="rId3"/>
+          <a:stretch>
+            <a:fillRect/>
+          </a:stretch>
+        </p:blipFill>
+        <p:spPr>
+          <a:xfrm>
+            <a:off x="6447074" y="2119600"/>
+            <a:ext cx="2540000" cy="2540000"/>
+          </a:xfrm>
+          <a:prstGeom prst="rect">
+            <a:avLst/>
+          </a:prstGeom>
+        </p:spPr>
+      </p:pic>
+      <p:pic>
+        <p:nvPicPr>
+          <p:cNvPr id="6" name="Picture 5">
+            <a:extLst>
+              <a:ext uri="{FF2B5EF4-FFF2-40B4-BE49-F238E27FC236}">
+                <a16:creationId xmlns:a16="http://schemas.microsoft.com/office/drawing/2014/main" id="{ED815A75-E4BC-277E-701F-D714A0687684}"/>
+              </a:ext>
+            </a:extLst>
+          </p:cNvPr>
+          <p:cNvPicPr>
+            <a:picLocks noChangeAspect="1"/>
+          </p:cNvPicPr>
+          <p:nvPr/>
+        </p:nvPicPr>
+        <p:blipFill>
+          <a:blip r:embed="rId4"/>
+          <a:stretch>
+            <a:fillRect/>
+          </a:stretch>
+        </p:blipFill>
+        <p:spPr>
+          <a:xfrm>
+            <a:off x="9343778" y="2083157"/>
+            <a:ext cx="2540000" cy="2540000"/>
+          </a:xfrm>
+          <a:prstGeom prst="rect">
+            <a:avLst/>
+          </a:prstGeom>
+        </p:spPr>
+      </p:pic>
+      <p:sp>
+        <p:nvSpPr>
+          <p:cNvPr id="7" name="TextBox 6">
+            <a:extLst>
+              <a:ext uri="{FF2B5EF4-FFF2-40B4-BE49-F238E27FC236}">
+                <a16:creationId xmlns:a16="http://schemas.microsoft.com/office/drawing/2014/main" id="{D196A99E-911A-97C3-BB03-374F5723E570}"/>
+              </a:ext>
+            </a:extLst>
+          </p:cNvPr>
+          <p:cNvSpPr txBox="1"/>
+          <p:nvPr/>
+        </p:nvSpPr>
+        <p:spPr>
+          <a:xfrm>
+            <a:off x="838200" y="2119600"/>
+            <a:ext cx="4906728" cy="830997"/>
+          </a:xfrm>
+          <a:prstGeom prst="rect">
+            <a:avLst/>
+          </a:prstGeom>
+          <a:noFill/>
+        </p:spPr>
+        <p:txBody>
+          <a:bodyPr wrap="none" rtlCol="0">
+            <a:spAutoFit/>
+          </a:bodyPr>
+          <a:lstStyle/>
+          <a:p>
+            <a:pPr marL="285750" indent="-285750">
+              <a:buFont typeface="Arial" panose="020B0604020202020204" pitchFamily="34" charset="0"/>
+              <a:buChar char="•"/>
+            </a:pPr>
+            <a:r>
+              <a:rPr lang="en-US" sz="2400" dirty="0"/>
+              <a:t>DALLE2 only</a:t>
+            </a:r>
+          </a:p>
+          <a:p>
+            <a:pPr marL="285750" indent="-285750">
+              <a:buFont typeface="Arial" panose="020B0604020202020204" pitchFamily="34" charset="0"/>
+              <a:buChar char="•"/>
+            </a:pPr>
+            <a:r>
+              <a:rPr lang="en-US" sz="2400" dirty="0"/>
+              <a:t>Same constrains as image editing</a:t>
+            </a:r>
           </a:p>
         </p:txBody>
       </p:sp>
     </p:spTree>
     <p:extLst>
       <p:ext uri="{BB962C8B-B14F-4D97-AF65-F5344CB8AC3E}">
-        <p14:creationId xmlns:p14="http://schemas.microsoft.com/office/powerpoint/2010/main" val="1359915987"/>
+        <p14:creationId xmlns:p14="http://schemas.microsoft.com/office/powerpoint/2010/main" val="268943969"/>
       </p:ext>
     </p:extLst>
   </p:cSld>
@@ -4907,58 +6686,209 @@
           <p:cNvPr id="2" name="Title 1">
             <a:extLst>
               <a:ext uri="{FF2B5EF4-FFF2-40B4-BE49-F238E27FC236}">
-                <a16:creationId xmlns:a16="http://schemas.microsoft.com/office/drawing/2014/main" id="{B51E7674-909E-3AA4-871D-F4D2ADC294CD}"/>
-              </a:ext>
-            </a:extLst>
-          </p:cNvPr>
-          <p:cNvSpPr>
-            <a:spLocks noGrp="1"/>
-          </p:cNvSpPr>
-          <p:nvPr>
-            <p:ph type="ctrTitle"/>
-          </p:nvPr>
-        </p:nvSpPr>
-        <p:spPr/>
-        <p:txBody>
-          <a:bodyPr/>
-          <a:lstStyle/>
-          <a:p>
-            <a:r>
-              <a:rPr lang="en-US" dirty="0"/>
-              <a:t>Text-to-Speech</a:t>
-            </a:r>
-          </a:p>
-        </p:txBody>
-      </p:sp>
-      <p:sp>
-        <p:nvSpPr>
-          <p:cNvPr id="4" name="Subtitle 3">
-            <a:extLst>
-              <a:ext uri="{FF2B5EF4-FFF2-40B4-BE49-F238E27FC236}">
-                <a16:creationId xmlns:a16="http://schemas.microsoft.com/office/drawing/2014/main" id="{C3F8C0C9-AACF-2820-4485-7D45E1CE8A30}"/>
-              </a:ext>
-            </a:extLst>
-          </p:cNvPr>
-          <p:cNvSpPr>
-            <a:spLocks noGrp="1"/>
-          </p:cNvSpPr>
-          <p:nvPr>
-            <p:ph type="subTitle" idx="1"/>
-          </p:nvPr>
-        </p:nvSpPr>
-        <p:spPr/>
-        <p:txBody>
-          <a:bodyPr/>
-          <a:lstStyle/>
-          <a:p>
-            <a:endParaRPr lang="en-US"/>
+                <a16:creationId xmlns:a16="http://schemas.microsoft.com/office/drawing/2014/main" id="{024772DB-3625-153E-1D80-6EFC4F8CA7B9}"/>
+              </a:ext>
+            </a:extLst>
+          </p:cNvPr>
+          <p:cNvSpPr>
+            <a:spLocks noGrp="1"/>
+          </p:cNvSpPr>
+          <p:nvPr>
+            <p:ph type="title"/>
+          </p:nvPr>
+        </p:nvSpPr>
+        <p:spPr/>
+        <p:txBody>
+          <a:bodyPr/>
+          <a:lstStyle/>
+          <a:p>
+            <a:r>
+              <a:rPr lang="en-US" dirty="0"/>
+              <a:t>Further Tips</a:t>
+            </a:r>
+          </a:p>
+        </p:txBody>
+      </p:sp>
+      <p:sp>
+        <p:nvSpPr>
+          <p:cNvPr id="3" name="Content Placeholder 2">
+            <a:extLst>
+              <a:ext uri="{FF2B5EF4-FFF2-40B4-BE49-F238E27FC236}">
+                <a16:creationId xmlns:a16="http://schemas.microsoft.com/office/drawing/2014/main" id="{64CD483B-1392-38B4-E3D0-E96F13A574CD}"/>
+              </a:ext>
+            </a:extLst>
+          </p:cNvPr>
+          <p:cNvSpPr>
+            <a:spLocks noGrp="1"/>
+          </p:cNvSpPr>
+          <p:nvPr>
+            <p:ph idx="1"/>
+          </p:nvPr>
+        </p:nvSpPr>
+        <p:spPr>
+          <a:xfrm>
+            <a:off x="1115634" y="1588457"/>
+            <a:ext cx="3315159" cy="750410"/>
+          </a:xfrm>
+        </p:spPr>
+        <p:txBody>
+          <a:bodyPr>
+            <a:normAutofit fontScale="92500" lnSpcReduction="10000"/>
+          </a:bodyPr>
+          <a:lstStyle/>
+          <a:p>
+            <a:r>
+              <a:rPr lang="en-US" dirty="0"/>
+              <a:t>In-memory image data</a:t>
+            </a:r>
+          </a:p>
+          <a:p>
+            <a:endParaRPr lang="en-US" dirty="0"/>
+          </a:p>
+        </p:txBody>
+      </p:sp>
+      <p:pic>
+        <p:nvPicPr>
+          <p:cNvPr id="4" name="Picture 3">
+            <a:extLst>
+              <a:ext uri="{FF2B5EF4-FFF2-40B4-BE49-F238E27FC236}">
+                <a16:creationId xmlns:a16="http://schemas.microsoft.com/office/drawing/2014/main" id="{BE75954D-4437-5374-00F7-59DC72C762FA}"/>
+              </a:ext>
+            </a:extLst>
+          </p:cNvPr>
+          <p:cNvPicPr>
+            <a:picLocks noChangeAspect="1"/>
+          </p:cNvPicPr>
+          <p:nvPr/>
+        </p:nvPicPr>
+        <p:blipFill>
+          <a:blip r:embed="rId2"/>
+          <a:stretch>
+            <a:fillRect/>
+          </a:stretch>
+        </p:blipFill>
+        <p:spPr>
+          <a:xfrm>
+            <a:off x="254965" y="2469198"/>
+            <a:ext cx="4557311" cy="2644657"/>
+          </a:xfrm>
+          <a:prstGeom prst="rect">
+            <a:avLst/>
+          </a:prstGeom>
+        </p:spPr>
+      </p:pic>
+      <p:pic>
+        <p:nvPicPr>
+          <p:cNvPr id="5" name="Picture 4">
+            <a:extLst>
+              <a:ext uri="{FF2B5EF4-FFF2-40B4-BE49-F238E27FC236}">
+                <a16:creationId xmlns:a16="http://schemas.microsoft.com/office/drawing/2014/main" id="{2033C8C3-6766-60C1-19EB-36A90597EA09}"/>
+              </a:ext>
+            </a:extLst>
+          </p:cNvPr>
+          <p:cNvPicPr>
+            <a:picLocks noChangeAspect="1"/>
+          </p:cNvPicPr>
+          <p:nvPr/>
+        </p:nvPicPr>
+        <p:blipFill>
+          <a:blip r:embed="rId3"/>
+          <a:stretch>
+            <a:fillRect/>
+          </a:stretch>
+        </p:blipFill>
+        <p:spPr>
+          <a:xfrm>
+            <a:off x="5321843" y="1795557"/>
+            <a:ext cx="3152023" cy="3641725"/>
+          </a:xfrm>
+          <a:prstGeom prst="rect">
+            <a:avLst/>
+          </a:prstGeom>
+        </p:spPr>
+      </p:pic>
+      <p:sp>
+        <p:nvSpPr>
+          <p:cNvPr id="7" name="TextBox 6">
+            <a:extLst>
+              <a:ext uri="{FF2B5EF4-FFF2-40B4-BE49-F238E27FC236}">
+                <a16:creationId xmlns:a16="http://schemas.microsoft.com/office/drawing/2014/main" id="{5D752E1B-DC02-230B-6AC0-3A1DD93250AE}"/>
+              </a:ext>
+            </a:extLst>
+          </p:cNvPr>
+          <p:cNvSpPr txBox="1"/>
+          <p:nvPr/>
+        </p:nvSpPr>
+        <p:spPr>
+          <a:xfrm>
+            <a:off x="5089710" y="1152095"/>
+            <a:ext cx="3616287" cy="492443"/>
+          </a:xfrm>
+          <a:prstGeom prst="rect">
+            <a:avLst/>
+          </a:prstGeom>
+          <a:noFill/>
+        </p:spPr>
+        <p:txBody>
+          <a:bodyPr wrap="square">
+            <a:spAutoFit/>
+          </a:bodyPr>
+          <a:lstStyle/>
+          <a:p>
+            <a:pPr marL="285750" indent="-285750">
+              <a:buFont typeface="Arial" panose="020B0604020202020204" pitchFamily="34" charset="0"/>
+              <a:buChar char="•"/>
+            </a:pPr>
+            <a:r>
+              <a:rPr lang="en-US" sz="2600" dirty="0"/>
+              <a:t>Image preprocessing</a:t>
+            </a:r>
+          </a:p>
+        </p:txBody>
+      </p:sp>
+      <p:sp>
+        <p:nvSpPr>
+          <p:cNvPr id="9" name="TextBox 8">
+            <a:extLst>
+              <a:ext uri="{FF2B5EF4-FFF2-40B4-BE49-F238E27FC236}">
+                <a16:creationId xmlns:a16="http://schemas.microsoft.com/office/drawing/2014/main" id="{D9D38DBE-77BB-6121-7282-64B38318033D}"/>
+              </a:ext>
+            </a:extLst>
+          </p:cNvPr>
+          <p:cNvSpPr txBox="1"/>
+          <p:nvPr/>
+        </p:nvSpPr>
+        <p:spPr>
+          <a:xfrm>
+            <a:off x="3048918" y="3247088"/>
+            <a:ext cx="6097836" cy="369332"/>
+          </a:xfrm>
+          <a:prstGeom prst="rect">
+            <a:avLst/>
+          </a:prstGeom>
+          <a:noFill/>
+        </p:spPr>
+        <p:txBody>
+          <a:bodyPr wrap="square">
+            <a:spAutoFit/>
+          </a:bodyPr>
+          <a:lstStyle/>
+          <a:p>
+            <a:pPr marL="285750" indent="-285750">
+              <a:buFont typeface="Arial" panose="020B0604020202020204" pitchFamily="34" charset="0"/>
+              <a:buChar char="•"/>
+            </a:pPr>
+            <a:r>
+              <a:rPr lang="en-US" dirty="0"/>
+              <a:t>Error handling</a:t>
+            </a:r>
           </a:p>
         </p:txBody>
       </p:sp>
     </p:spTree>
     <p:extLst>
       <p:ext uri="{BB962C8B-B14F-4D97-AF65-F5344CB8AC3E}">
-        <p14:creationId xmlns:p14="http://schemas.microsoft.com/office/powerpoint/2010/main" val="2520561673"/>
+        <p14:creationId xmlns:p14="http://schemas.microsoft.com/office/powerpoint/2010/main" val="2790485783"/>
       </p:ext>
     </p:extLst>
   </p:cSld>
@@ -4990,97 +6920,49 @@
           <p:cNvPr id="2" name="Title 1">
             <a:extLst>
               <a:ext uri="{FF2B5EF4-FFF2-40B4-BE49-F238E27FC236}">
-                <a16:creationId xmlns:a16="http://schemas.microsoft.com/office/drawing/2014/main" id="{D04BAFE7-7978-3621-C642-502D83473BB5}"/>
-              </a:ext>
-            </a:extLst>
-          </p:cNvPr>
-          <p:cNvSpPr>
-            <a:spLocks noGrp="1"/>
-          </p:cNvSpPr>
-          <p:nvPr>
-            <p:ph type="title"/>
-          </p:nvPr>
-        </p:nvSpPr>
-        <p:spPr/>
-        <p:txBody>
-          <a:bodyPr/>
-          <a:lstStyle/>
-          <a:p>
-            <a:r>
-              <a:rPr lang="en-US" dirty="0"/>
-              <a:t>Introduction	</a:t>
-            </a:r>
-          </a:p>
-        </p:txBody>
-      </p:sp>
-      <p:sp>
-        <p:nvSpPr>
-          <p:cNvPr id="3" name="Content Placeholder 2">
-            <a:extLst>
-              <a:ext uri="{FF2B5EF4-FFF2-40B4-BE49-F238E27FC236}">
-                <a16:creationId xmlns:a16="http://schemas.microsoft.com/office/drawing/2014/main" id="{368BF371-BEE9-2BAB-FC3B-C21DBB537AAC}"/>
-              </a:ext>
-            </a:extLst>
-          </p:cNvPr>
-          <p:cNvSpPr>
-            <a:spLocks noGrp="1"/>
-          </p:cNvSpPr>
-          <p:nvPr>
-            <p:ph idx="1"/>
-          </p:nvPr>
-        </p:nvSpPr>
-        <p:spPr/>
-        <p:txBody>
-          <a:bodyPr/>
-          <a:lstStyle/>
-          <a:p>
-            <a:r>
-              <a:rPr lang="en-US" dirty="0"/>
-              <a:t>Audio API</a:t>
-            </a:r>
-          </a:p>
-          <a:p>
-            <a:r>
-              <a:rPr lang="en-US" dirty="0"/>
-              <a:t>TTS</a:t>
-            </a:r>
-          </a:p>
-          <a:p>
-            <a:r>
-              <a:rPr lang="en-US" dirty="0"/>
-              <a:t>6 voices</a:t>
-            </a:r>
-          </a:p>
-          <a:p>
-            <a:r>
-              <a:rPr lang="en-US" dirty="0"/>
-              <a:t>Output files include: mp3, opus, </a:t>
-            </a:r>
-            <a:r>
-              <a:rPr lang="en-US" dirty="0" err="1"/>
-              <a:t>aac</a:t>
-            </a:r>
-            <a:r>
-              <a:rPr lang="en-US" dirty="0"/>
-              <a:t>, </a:t>
-            </a:r>
-            <a:r>
-              <a:rPr lang="en-US" dirty="0" err="1"/>
-              <a:t>flac</a:t>
-            </a:r>
-            <a:r>
-              <a:rPr lang="en-US" dirty="0"/>
-              <a:t>, </a:t>
-            </a:r>
-            <a:r>
-              <a:rPr lang="en-US" dirty="0" err="1"/>
-              <a:t>pcm</a:t>
-            </a:r>
-            <a:r>
-              <a:rPr lang="en-US" dirty="0"/>
-              <a:t>, wav</a:t>
-            </a:r>
-          </a:p>
+                <a16:creationId xmlns:a16="http://schemas.microsoft.com/office/drawing/2014/main" id="{76DAC7C7-A64D-7AE3-E2A3-C5E9F65DD62E}"/>
+              </a:ext>
+            </a:extLst>
+          </p:cNvPr>
+          <p:cNvSpPr>
+            <a:spLocks noGrp="1"/>
+          </p:cNvSpPr>
+          <p:nvPr>
+            <p:ph type="ctrTitle"/>
+          </p:nvPr>
+        </p:nvSpPr>
+        <p:spPr/>
+        <p:txBody>
+          <a:bodyPr/>
+          <a:lstStyle/>
+          <a:p>
+            <a:r>
+              <a:rPr lang="en-US" dirty="0"/>
+              <a:t>Vision</a:t>
+            </a:r>
+          </a:p>
+        </p:txBody>
+      </p:sp>
+      <p:sp>
+        <p:nvSpPr>
+          <p:cNvPr id="4" name="Subtitle 3">
+            <a:extLst>
+              <a:ext uri="{FF2B5EF4-FFF2-40B4-BE49-F238E27FC236}">
+                <a16:creationId xmlns:a16="http://schemas.microsoft.com/office/drawing/2014/main" id="{0084DCB3-D0F8-E5CC-F84C-0643E76549B9}"/>
+              </a:ext>
+            </a:extLst>
+          </p:cNvPr>
+          <p:cNvSpPr>
+            <a:spLocks noGrp="1"/>
+          </p:cNvSpPr>
+          <p:nvPr>
+            <p:ph type="subTitle" idx="1"/>
+          </p:nvPr>
+        </p:nvSpPr>
+        <p:spPr/>
+        <p:txBody>
+          <a:bodyPr/>
+          <a:lstStyle/>
           <a:p>
             <a:endParaRPr lang="en-US" dirty="0"/>
           </a:p>
@@ -5089,7 +6971,7 @@
     </p:spTree>
     <p:extLst>
       <p:ext uri="{BB962C8B-B14F-4D97-AF65-F5344CB8AC3E}">
-        <p14:creationId xmlns:p14="http://schemas.microsoft.com/office/powerpoint/2010/main" val="1821555201"/>
+        <p14:creationId xmlns:p14="http://schemas.microsoft.com/office/powerpoint/2010/main" val="498299651"/>
       </p:ext>
     </p:extLst>
   </p:cSld>

--- a/cs584present.pptx
+++ b/cs584present.pptx
@@ -2,7 +2,7 @@
 <file path=ppt/presentation.xml><?xml version="1.0" encoding="utf-8"?>
 <p:presentation xmlns:a="http://schemas.openxmlformats.org/drawingml/2006/main" xmlns:r="http://schemas.openxmlformats.org/officeDocument/2006/relationships" xmlns:p="http://schemas.openxmlformats.org/presentationml/2006/main" saveSubsetFonts="1">
   <p:sldMasterIdLst>
-    <p:sldMasterId id="2147483648" r:id="rId1"/>
+    <p:sldMasterId id="2147483660" r:id="rId1"/>
   </p:sldMasterIdLst>
   <p:sldIdLst>
     <p:sldId id="256" r:id="rId2"/>
@@ -15,21 +15,22 @@
     <p:sldId id="272" r:id="rId9"/>
     <p:sldId id="259" r:id="rId10"/>
     <p:sldId id="268" r:id="rId11"/>
-    <p:sldId id="273" r:id="rId12"/>
-    <p:sldId id="278" r:id="rId13"/>
+    <p:sldId id="281" r:id="rId12"/>
+    <p:sldId id="280" r:id="rId13"/>
     <p:sldId id="274" r:id="rId14"/>
-    <p:sldId id="280" r:id="rId15"/>
-    <p:sldId id="260" r:id="rId16"/>
-    <p:sldId id="267" r:id="rId17"/>
-    <p:sldId id="276" r:id="rId18"/>
-    <p:sldId id="277" r:id="rId19"/>
-    <p:sldId id="279" r:id="rId20"/>
-    <p:sldId id="261" r:id="rId21"/>
-    <p:sldId id="269" r:id="rId22"/>
-    <p:sldId id="275" r:id="rId23"/>
-    <p:sldId id="264" r:id="rId24"/>
-    <p:sldId id="262" r:id="rId25"/>
-    <p:sldId id="263" r:id="rId26"/>
+    <p:sldId id="260" r:id="rId15"/>
+    <p:sldId id="267" r:id="rId16"/>
+    <p:sldId id="276" r:id="rId17"/>
+    <p:sldId id="277" r:id="rId18"/>
+    <p:sldId id="279" r:id="rId19"/>
+    <p:sldId id="261" r:id="rId20"/>
+    <p:sldId id="269" r:id="rId21"/>
+    <p:sldId id="275" r:id="rId22"/>
+    <p:sldId id="282" r:id="rId23"/>
+    <p:sldId id="283" r:id="rId24"/>
+    <p:sldId id="264" r:id="rId25"/>
+    <p:sldId id="262" r:id="rId26"/>
+    <p:sldId id="263" r:id="rId27"/>
   </p:sldIdLst>
   <p:sldSz cx="12192000" cy="6858000"/>
   <p:notesSz cx="6858000" cy="9144000"/>
@@ -37,7 +38,7 @@
     <a:defPPr>
       <a:defRPr lang="en-US"/>
     </a:defPPr>
-    <a:lvl1pPr marL="0" algn="l" defTabSz="914400" rtl="0" eaLnBrk="1" latinLnBrk="0" hangingPunct="1">
+    <a:lvl1pPr marL="0" algn="l" defTabSz="457200" rtl="0" eaLnBrk="1" latinLnBrk="0" hangingPunct="1">
       <a:defRPr sz="1800" kern="1200">
         <a:solidFill>
           <a:schemeClr val="tx1"/>
@@ -47,7 +48,7 @@
         <a:cs typeface="+mn-cs"/>
       </a:defRPr>
     </a:lvl1pPr>
-    <a:lvl2pPr marL="457200" algn="l" defTabSz="914400" rtl="0" eaLnBrk="1" latinLnBrk="0" hangingPunct="1">
+    <a:lvl2pPr marL="457200" algn="l" defTabSz="457200" rtl="0" eaLnBrk="1" latinLnBrk="0" hangingPunct="1">
       <a:defRPr sz="1800" kern="1200">
         <a:solidFill>
           <a:schemeClr val="tx1"/>
@@ -57,7 +58,7 @@
         <a:cs typeface="+mn-cs"/>
       </a:defRPr>
     </a:lvl2pPr>
-    <a:lvl3pPr marL="914400" algn="l" defTabSz="914400" rtl="0" eaLnBrk="1" latinLnBrk="0" hangingPunct="1">
+    <a:lvl3pPr marL="914400" algn="l" defTabSz="457200" rtl="0" eaLnBrk="1" latinLnBrk="0" hangingPunct="1">
       <a:defRPr sz="1800" kern="1200">
         <a:solidFill>
           <a:schemeClr val="tx1"/>
@@ -67,7 +68,7 @@
         <a:cs typeface="+mn-cs"/>
       </a:defRPr>
     </a:lvl3pPr>
-    <a:lvl4pPr marL="1371600" algn="l" defTabSz="914400" rtl="0" eaLnBrk="1" latinLnBrk="0" hangingPunct="1">
+    <a:lvl4pPr marL="1371600" algn="l" defTabSz="457200" rtl="0" eaLnBrk="1" latinLnBrk="0" hangingPunct="1">
       <a:defRPr sz="1800" kern="1200">
         <a:solidFill>
           <a:schemeClr val="tx1"/>
@@ -77,7 +78,7 @@
         <a:cs typeface="+mn-cs"/>
       </a:defRPr>
     </a:lvl4pPr>
-    <a:lvl5pPr marL="1828800" algn="l" defTabSz="914400" rtl="0" eaLnBrk="1" latinLnBrk="0" hangingPunct="1">
+    <a:lvl5pPr marL="1828800" algn="l" defTabSz="457200" rtl="0" eaLnBrk="1" latinLnBrk="0" hangingPunct="1">
       <a:defRPr sz="1800" kern="1200">
         <a:solidFill>
           <a:schemeClr val="tx1"/>
@@ -87,7 +88,7 @@
         <a:cs typeface="+mn-cs"/>
       </a:defRPr>
     </a:lvl5pPr>
-    <a:lvl6pPr marL="2286000" algn="l" defTabSz="914400" rtl="0" eaLnBrk="1" latinLnBrk="0" hangingPunct="1">
+    <a:lvl6pPr marL="2286000" algn="l" defTabSz="457200" rtl="0" eaLnBrk="1" latinLnBrk="0" hangingPunct="1">
       <a:defRPr sz="1800" kern="1200">
         <a:solidFill>
           <a:schemeClr val="tx1"/>
@@ -97,7 +98,7 @@
         <a:cs typeface="+mn-cs"/>
       </a:defRPr>
     </a:lvl6pPr>
-    <a:lvl7pPr marL="2743200" algn="l" defTabSz="914400" rtl="0" eaLnBrk="1" latinLnBrk="0" hangingPunct="1">
+    <a:lvl7pPr marL="2743200" algn="l" defTabSz="457200" rtl="0" eaLnBrk="1" latinLnBrk="0" hangingPunct="1">
       <a:defRPr sz="1800" kern="1200">
         <a:solidFill>
           <a:schemeClr val="tx1"/>
@@ -107,7 +108,7 @@
         <a:cs typeface="+mn-cs"/>
       </a:defRPr>
     </a:lvl7pPr>
-    <a:lvl8pPr marL="3200400" algn="l" defTabSz="914400" rtl="0" eaLnBrk="1" latinLnBrk="0" hangingPunct="1">
+    <a:lvl8pPr marL="3200400" algn="l" defTabSz="457200" rtl="0" eaLnBrk="1" latinLnBrk="0" hangingPunct="1">
       <a:defRPr sz="1800" kern="1200">
         <a:solidFill>
           <a:schemeClr val="tx1"/>
@@ -117,7 +118,7 @@
         <a:cs typeface="+mn-cs"/>
       </a:defRPr>
     </a:lvl8pPr>
-    <a:lvl9pPr marL="3657600" algn="l" defTabSz="914400" rtl="0" eaLnBrk="1" latinLnBrk="0" hangingPunct="1">
+    <a:lvl9pPr marL="3657600" algn="l" defTabSz="457200" rtl="0" eaLnBrk="1" latinLnBrk="0" hangingPunct="1">
       <a:defRPr sz="1800" kern="1200">
         <a:solidFill>
           <a:schemeClr val="tx1"/>
@@ -155,13 +156,7 @@
       </p:grpSpPr>
       <p:sp>
         <p:nvSpPr>
-          <p:cNvPr id="2" name="Title 1">
-            <a:extLst>
-              <a:ext uri="{FF2B5EF4-FFF2-40B4-BE49-F238E27FC236}">
-                <a16:creationId xmlns:a16="http://schemas.microsoft.com/office/drawing/2014/main" id="{55409D64-FBF0-45E9-7C11-FDB7339697C7}"/>
-              </a:ext>
-            </a:extLst>
-          </p:cNvPr>
+          <p:cNvPr id="2" name="Title 1"/>
           <p:cNvSpPr>
             <a:spLocks noGrp="1"/>
           </p:cNvSpPr>
@@ -187,18 +182,13 @@
               <a:rPr lang="en-US"/>
               <a:t>Click to edit Master title style</a:t>
             </a:r>
-          </a:p>
-        </p:txBody>
-      </p:sp>
-      <p:sp>
-        <p:nvSpPr>
-          <p:cNvPr id="3" name="Subtitle 2">
-            <a:extLst>
-              <a:ext uri="{FF2B5EF4-FFF2-40B4-BE49-F238E27FC236}">
-                <a16:creationId xmlns:a16="http://schemas.microsoft.com/office/drawing/2014/main" id="{81846FA1-AEC9-F018-27B0-D49532F6332A}"/>
-              </a:ext>
-            </a:extLst>
-          </p:cNvPr>
+            <a:endParaRPr lang="en-US" dirty="0"/>
+          </a:p>
+        </p:txBody>
+      </p:sp>
+      <p:sp>
+        <p:nvSpPr>
+          <p:cNvPr id="3" name="Subtitle 2"/>
           <p:cNvSpPr>
             <a:spLocks noGrp="1"/>
           </p:cNvSpPr>
@@ -257,18 +247,13 @@
               <a:rPr lang="en-US"/>
               <a:t>Click to edit Master subtitle style</a:t>
             </a:r>
-          </a:p>
-        </p:txBody>
-      </p:sp>
-      <p:sp>
-        <p:nvSpPr>
-          <p:cNvPr id="4" name="Date Placeholder 3">
-            <a:extLst>
-              <a:ext uri="{FF2B5EF4-FFF2-40B4-BE49-F238E27FC236}">
-                <a16:creationId xmlns:a16="http://schemas.microsoft.com/office/drawing/2014/main" id="{6D0B1E6C-FDCB-E708-19D5-4761C88B32AE}"/>
-              </a:ext>
-            </a:extLst>
-          </p:cNvPr>
+            <a:endParaRPr lang="en-US" dirty="0"/>
+          </a:p>
+        </p:txBody>
+      </p:sp>
+      <p:sp>
+        <p:nvSpPr>
+          <p:cNvPr id="4" name="Date Placeholder 3"/>
           <p:cNvSpPr>
             <a:spLocks noGrp="1"/>
           </p:cNvSpPr>
@@ -283,7 +268,7 @@
           <a:p>
             <a:fld id="{122E457C-44E4-4138-A062-F5818B3711EE}" type="datetimeFigureOut">
               <a:rPr lang="en-US" smtClean="0"/>
-              <a:t>4/1/24</a:t>
+              <a:t>4/1/2024</a:t>
             </a:fld>
             <a:endParaRPr lang="en-US" dirty="0"/>
           </a:p>
@@ -291,13 +276,7 @@
       </p:sp>
       <p:sp>
         <p:nvSpPr>
-          <p:cNvPr id="5" name="Footer Placeholder 4">
-            <a:extLst>
-              <a:ext uri="{FF2B5EF4-FFF2-40B4-BE49-F238E27FC236}">
-                <a16:creationId xmlns:a16="http://schemas.microsoft.com/office/drawing/2014/main" id="{52943078-F776-F880-2411-5B87F2F5F668}"/>
-              </a:ext>
-            </a:extLst>
-          </p:cNvPr>
+          <p:cNvPr id="5" name="Footer Placeholder 4"/>
           <p:cNvSpPr>
             <a:spLocks noGrp="1"/>
           </p:cNvSpPr>
@@ -316,13 +295,7 @@
       </p:sp>
       <p:sp>
         <p:nvSpPr>
-          <p:cNvPr id="6" name="Slide Number Placeholder 5">
-            <a:extLst>
-              <a:ext uri="{FF2B5EF4-FFF2-40B4-BE49-F238E27FC236}">
-                <a16:creationId xmlns:a16="http://schemas.microsoft.com/office/drawing/2014/main" id="{EBA6093F-D9EF-2094-A979-55BE95448C54}"/>
-              </a:ext>
-            </a:extLst>
-          </p:cNvPr>
+          <p:cNvPr id="6" name="Slide Number Placeholder 5"/>
           <p:cNvSpPr>
             <a:spLocks noGrp="1"/>
           </p:cNvSpPr>
@@ -346,7 +319,7 @@
     </p:spTree>
     <p:extLst>
       <p:ext uri="{BB962C8B-B14F-4D97-AF65-F5344CB8AC3E}">
-        <p14:creationId xmlns:p14="http://schemas.microsoft.com/office/powerpoint/2010/main" val="2634073064"/>
+        <p14:creationId xmlns:p14="http://schemas.microsoft.com/office/powerpoint/2010/main" val="177396233"/>
       </p:ext>
     </p:extLst>
   </p:cSld>
@@ -375,13 +348,7 @@
       </p:grpSpPr>
       <p:sp>
         <p:nvSpPr>
-          <p:cNvPr id="2" name="Title 1">
-            <a:extLst>
-              <a:ext uri="{FF2B5EF4-FFF2-40B4-BE49-F238E27FC236}">
-                <a16:creationId xmlns:a16="http://schemas.microsoft.com/office/drawing/2014/main" id="{B44BAFD3-B5A9-831F-2812-F66024BF2EB1}"/>
-              </a:ext>
-            </a:extLst>
-          </p:cNvPr>
+          <p:cNvPr id="2" name="Title 1"/>
           <p:cNvSpPr>
             <a:spLocks noGrp="1"/>
           </p:cNvSpPr>
@@ -398,18 +365,13 @@
               <a:rPr lang="en-US"/>
               <a:t>Click to edit Master title style</a:t>
             </a:r>
-          </a:p>
-        </p:txBody>
-      </p:sp>
-      <p:sp>
-        <p:nvSpPr>
-          <p:cNvPr id="3" name="Vertical Text Placeholder 2">
-            <a:extLst>
-              <a:ext uri="{FF2B5EF4-FFF2-40B4-BE49-F238E27FC236}">
-                <a16:creationId xmlns:a16="http://schemas.microsoft.com/office/drawing/2014/main" id="{76574C5C-7DE1-01BA-CE71-0A4D618D1A6E}"/>
-              </a:ext>
-            </a:extLst>
-          </p:cNvPr>
+            <a:endParaRPr lang="en-US" dirty="0"/>
+          </a:p>
+        </p:txBody>
+      </p:sp>
+      <p:sp>
+        <p:nvSpPr>
+          <p:cNvPr id="3" name="Vertical Text Placeholder 2"/>
           <p:cNvSpPr>
             <a:spLocks noGrp="1"/>
           </p:cNvSpPr>
@@ -455,18 +417,13 @@
               <a:rPr lang="en-US"/>
               <a:t>Fifth level</a:t>
             </a:r>
-          </a:p>
-        </p:txBody>
-      </p:sp>
-      <p:sp>
-        <p:nvSpPr>
-          <p:cNvPr id="4" name="Date Placeholder 3">
-            <a:extLst>
-              <a:ext uri="{FF2B5EF4-FFF2-40B4-BE49-F238E27FC236}">
-                <a16:creationId xmlns:a16="http://schemas.microsoft.com/office/drawing/2014/main" id="{057507B7-4F5F-218F-5B90-CCF5A628D0B6}"/>
-              </a:ext>
-            </a:extLst>
-          </p:cNvPr>
+            <a:endParaRPr lang="en-US" dirty="0"/>
+          </a:p>
+        </p:txBody>
+      </p:sp>
+      <p:sp>
+        <p:nvSpPr>
+          <p:cNvPr id="4" name="Date Placeholder 3"/>
           <p:cNvSpPr>
             <a:spLocks noGrp="1"/>
           </p:cNvSpPr>
@@ -481,7 +438,7 @@
           <a:p>
             <a:fld id="{122E457C-44E4-4138-A062-F5818B3711EE}" type="datetimeFigureOut">
               <a:rPr lang="en-US" smtClean="0"/>
-              <a:t>4/1/24</a:t>
+              <a:t>4/1/2024</a:t>
             </a:fld>
             <a:endParaRPr lang="en-US" dirty="0"/>
           </a:p>
@@ -489,13 +446,7 @@
       </p:sp>
       <p:sp>
         <p:nvSpPr>
-          <p:cNvPr id="5" name="Footer Placeholder 4">
-            <a:extLst>
-              <a:ext uri="{FF2B5EF4-FFF2-40B4-BE49-F238E27FC236}">
-                <a16:creationId xmlns:a16="http://schemas.microsoft.com/office/drawing/2014/main" id="{77B4EC97-C0B6-4699-6C47-BEB084753475}"/>
-              </a:ext>
-            </a:extLst>
-          </p:cNvPr>
+          <p:cNvPr id="5" name="Footer Placeholder 4"/>
           <p:cNvSpPr>
             <a:spLocks noGrp="1"/>
           </p:cNvSpPr>
@@ -514,13 +465,7 @@
       </p:sp>
       <p:sp>
         <p:nvSpPr>
-          <p:cNvPr id="6" name="Slide Number Placeholder 5">
-            <a:extLst>
-              <a:ext uri="{FF2B5EF4-FFF2-40B4-BE49-F238E27FC236}">
-                <a16:creationId xmlns:a16="http://schemas.microsoft.com/office/drawing/2014/main" id="{C64916FB-D90A-B7E8-603C-F49E5C1F93DE}"/>
-              </a:ext>
-            </a:extLst>
-          </p:cNvPr>
+          <p:cNvPr id="6" name="Slide Number Placeholder 5"/>
           <p:cNvSpPr>
             <a:spLocks noGrp="1"/>
           </p:cNvSpPr>
@@ -544,7 +489,7 @@
     </p:spTree>
     <p:extLst>
       <p:ext uri="{BB962C8B-B14F-4D97-AF65-F5344CB8AC3E}">
-        <p14:creationId xmlns:p14="http://schemas.microsoft.com/office/powerpoint/2010/main" val="2698598555"/>
+        <p14:creationId xmlns:p14="http://schemas.microsoft.com/office/powerpoint/2010/main" val="3527433238"/>
       </p:ext>
     </p:extLst>
   </p:cSld>
@@ -573,13 +518,7 @@
       </p:grpSpPr>
       <p:sp>
         <p:nvSpPr>
-          <p:cNvPr id="2" name="Vertical Title 1">
-            <a:extLst>
-              <a:ext uri="{FF2B5EF4-FFF2-40B4-BE49-F238E27FC236}">
-                <a16:creationId xmlns:a16="http://schemas.microsoft.com/office/drawing/2014/main" id="{BB96355A-BD14-B172-55E2-DB23914507F4}"/>
-              </a:ext>
-            </a:extLst>
-          </p:cNvPr>
+          <p:cNvPr id="2" name="Vertical Title 1"/>
           <p:cNvSpPr>
             <a:spLocks noGrp="1"/>
           </p:cNvSpPr>
@@ -601,18 +540,13 @@
               <a:rPr lang="en-US"/>
               <a:t>Click to edit Master title style</a:t>
             </a:r>
-          </a:p>
-        </p:txBody>
-      </p:sp>
-      <p:sp>
-        <p:nvSpPr>
-          <p:cNvPr id="3" name="Vertical Text Placeholder 2">
-            <a:extLst>
-              <a:ext uri="{FF2B5EF4-FFF2-40B4-BE49-F238E27FC236}">
-                <a16:creationId xmlns:a16="http://schemas.microsoft.com/office/drawing/2014/main" id="{09AAE683-6517-01B1-DA22-4A322B5D4E72}"/>
-              </a:ext>
-            </a:extLst>
-          </p:cNvPr>
+            <a:endParaRPr lang="en-US" dirty="0"/>
+          </a:p>
+        </p:txBody>
+      </p:sp>
+      <p:sp>
+        <p:nvSpPr>
+          <p:cNvPr id="3" name="Vertical Text Placeholder 2"/>
           <p:cNvSpPr>
             <a:spLocks noGrp="1"/>
           </p:cNvSpPr>
@@ -663,18 +597,13 @@
               <a:rPr lang="en-US"/>
               <a:t>Fifth level</a:t>
             </a:r>
-          </a:p>
-        </p:txBody>
-      </p:sp>
-      <p:sp>
-        <p:nvSpPr>
-          <p:cNvPr id="4" name="Date Placeholder 3">
-            <a:extLst>
-              <a:ext uri="{FF2B5EF4-FFF2-40B4-BE49-F238E27FC236}">
-                <a16:creationId xmlns:a16="http://schemas.microsoft.com/office/drawing/2014/main" id="{1E7EB40E-FF69-D3DF-0B85-D5A3A3D05D31}"/>
-              </a:ext>
-            </a:extLst>
-          </p:cNvPr>
+            <a:endParaRPr lang="en-US" dirty="0"/>
+          </a:p>
+        </p:txBody>
+      </p:sp>
+      <p:sp>
+        <p:nvSpPr>
+          <p:cNvPr id="4" name="Date Placeholder 3"/>
           <p:cNvSpPr>
             <a:spLocks noGrp="1"/>
           </p:cNvSpPr>
@@ -689,7 +618,7 @@
           <a:p>
             <a:fld id="{122E457C-44E4-4138-A062-F5818B3711EE}" type="datetimeFigureOut">
               <a:rPr lang="en-US" smtClean="0"/>
-              <a:t>4/1/24</a:t>
+              <a:t>4/1/2024</a:t>
             </a:fld>
             <a:endParaRPr lang="en-US" dirty="0"/>
           </a:p>
@@ -697,13 +626,7 @@
       </p:sp>
       <p:sp>
         <p:nvSpPr>
-          <p:cNvPr id="5" name="Footer Placeholder 4">
-            <a:extLst>
-              <a:ext uri="{FF2B5EF4-FFF2-40B4-BE49-F238E27FC236}">
-                <a16:creationId xmlns:a16="http://schemas.microsoft.com/office/drawing/2014/main" id="{44EF2080-3E2C-11A5-A825-F92F3E20D8AA}"/>
-              </a:ext>
-            </a:extLst>
-          </p:cNvPr>
+          <p:cNvPr id="5" name="Footer Placeholder 4"/>
           <p:cNvSpPr>
             <a:spLocks noGrp="1"/>
           </p:cNvSpPr>
@@ -722,13 +645,7 @@
       </p:sp>
       <p:sp>
         <p:nvSpPr>
-          <p:cNvPr id="6" name="Slide Number Placeholder 5">
-            <a:extLst>
-              <a:ext uri="{FF2B5EF4-FFF2-40B4-BE49-F238E27FC236}">
-                <a16:creationId xmlns:a16="http://schemas.microsoft.com/office/drawing/2014/main" id="{366C3A44-46E8-86B9-7F6F-2934E9EB0062}"/>
-              </a:ext>
-            </a:extLst>
-          </p:cNvPr>
+          <p:cNvPr id="6" name="Slide Number Placeholder 5"/>
           <p:cNvSpPr>
             <a:spLocks noGrp="1"/>
           </p:cNvSpPr>
@@ -752,7 +669,7 @@
     </p:spTree>
     <p:extLst>
       <p:ext uri="{BB962C8B-B14F-4D97-AF65-F5344CB8AC3E}">
-        <p14:creationId xmlns:p14="http://schemas.microsoft.com/office/powerpoint/2010/main" val="1058279559"/>
+        <p14:creationId xmlns:p14="http://schemas.microsoft.com/office/powerpoint/2010/main" val="3634087291"/>
       </p:ext>
     </p:extLst>
   </p:cSld>
@@ -781,13 +698,7 @@
       </p:grpSpPr>
       <p:sp>
         <p:nvSpPr>
-          <p:cNvPr id="2" name="Title 1">
-            <a:extLst>
-              <a:ext uri="{FF2B5EF4-FFF2-40B4-BE49-F238E27FC236}">
-                <a16:creationId xmlns:a16="http://schemas.microsoft.com/office/drawing/2014/main" id="{C8C58A7F-CAB1-EBDA-0B18-5716CAEA60F0}"/>
-              </a:ext>
-            </a:extLst>
-          </p:cNvPr>
+          <p:cNvPr id="2" name="Title 1"/>
           <p:cNvSpPr>
             <a:spLocks noGrp="1"/>
           </p:cNvSpPr>
@@ -804,18 +715,13 @@
               <a:rPr lang="en-US"/>
               <a:t>Click to edit Master title style</a:t>
             </a:r>
-          </a:p>
-        </p:txBody>
-      </p:sp>
-      <p:sp>
-        <p:nvSpPr>
-          <p:cNvPr id="3" name="Content Placeholder 2">
-            <a:extLst>
-              <a:ext uri="{FF2B5EF4-FFF2-40B4-BE49-F238E27FC236}">
-                <a16:creationId xmlns:a16="http://schemas.microsoft.com/office/drawing/2014/main" id="{F83E8ED9-DAA7-0CA3-6CF1-FCA376B21058}"/>
-              </a:ext>
-            </a:extLst>
-          </p:cNvPr>
+            <a:endParaRPr lang="en-US" dirty="0"/>
+          </a:p>
+        </p:txBody>
+      </p:sp>
+      <p:sp>
+        <p:nvSpPr>
+          <p:cNvPr id="3" name="Content Placeholder 2"/>
           <p:cNvSpPr>
             <a:spLocks noGrp="1"/>
           </p:cNvSpPr>
@@ -861,18 +767,13 @@
               <a:rPr lang="en-US"/>
               <a:t>Fifth level</a:t>
             </a:r>
-          </a:p>
-        </p:txBody>
-      </p:sp>
-      <p:sp>
-        <p:nvSpPr>
-          <p:cNvPr id="4" name="Date Placeholder 3">
-            <a:extLst>
-              <a:ext uri="{FF2B5EF4-FFF2-40B4-BE49-F238E27FC236}">
-                <a16:creationId xmlns:a16="http://schemas.microsoft.com/office/drawing/2014/main" id="{D22FC00F-FC62-5131-3007-035CE4A8501E}"/>
-              </a:ext>
-            </a:extLst>
-          </p:cNvPr>
+            <a:endParaRPr lang="en-US" dirty="0"/>
+          </a:p>
+        </p:txBody>
+      </p:sp>
+      <p:sp>
+        <p:nvSpPr>
+          <p:cNvPr id="4" name="Date Placeholder 3"/>
           <p:cNvSpPr>
             <a:spLocks noGrp="1"/>
           </p:cNvSpPr>
@@ -887,7 +788,7 @@
           <a:p>
             <a:fld id="{122E457C-44E4-4138-A062-F5818B3711EE}" type="datetimeFigureOut">
               <a:rPr lang="en-US" smtClean="0"/>
-              <a:t>4/1/24</a:t>
+              <a:t>4/1/2024</a:t>
             </a:fld>
             <a:endParaRPr lang="en-US" dirty="0"/>
           </a:p>
@@ -895,13 +796,7 @@
       </p:sp>
       <p:sp>
         <p:nvSpPr>
-          <p:cNvPr id="5" name="Footer Placeholder 4">
-            <a:extLst>
-              <a:ext uri="{FF2B5EF4-FFF2-40B4-BE49-F238E27FC236}">
-                <a16:creationId xmlns:a16="http://schemas.microsoft.com/office/drawing/2014/main" id="{E99DA5AD-0856-6A14-05AE-2839DFCA3825}"/>
-              </a:ext>
-            </a:extLst>
-          </p:cNvPr>
+          <p:cNvPr id="5" name="Footer Placeholder 4"/>
           <p:cNvSpPr>
             <a:spLocks noGrp="1"/>
           </p:cNvSpPr>
@@ -920,13 +815,7 @@
       </p:sp>
       <p:sp>
         <p:nvSpPr>
-          <p:cNvPr id="6" name="Slide Number Placeholder 5">
-            <a:extLst>
-              <a:ext uri="{FF2B5EF4-FFF2-40B4-BE49-F238E27FC236}">
-                <a16:creationId xmlns:a16="http://schemas.microsoft.com/office/drawing/2014/main" id="{F8A2B05E-2A87-5E63-8C8B-E3DC6B88050D}"/>
-              </a:ext>
-            </a:extLst>
-          </p:cNvPr>
+          <p:cNvPr id="6" name="Slide Number Placeholder 5"/>
           <p:cNvSpPr>
             <a:spLocks noGrp="1"/>
           </p:cNvSpPr>
@@ -950,7 +839,7 @@
     </p:spTree>
     <p:extLst>
       <p:ext uri="{BB962C8B-B14F-4D97-AF65-F5344CB8AC3E}">
-        <p14:creationId xmlns:p14="http://schemas.microsoft.com/office/powerpoint/2010/main" val="6096824"/>
+        <p14:creationId xmlns:p14="http://schemas.microsoft.com/office/powerpoint/2010/main" val="3322464468"/>
       </p:ext>
     </p:extLst>
   </p:cSld>
@@ -979,13 +868,7 @@
       </p:grpSpPr>
       <p:sp>
         <p:nvSpPr>
-          <p:cNvPr id="2" name="Title 1">
-            <a:extLst>
-              <a:ext uri="{FF2B5EF4-FFF2-40B4-BE49-F238E27FC236}">
-                <a16:creationId xmlns:a16="http://schemas.microsoft.com/office/drawing/2014/main" id="{D070A017-069F-6B81-2E87-64D4FDFC4C2D}"/>
-              </a:ext>
-            </a:extLst>
-          </p:cNvPr>
+          <p:cNvPr id="2" name="Title 1"/>
           <p:cNvSpPr>
             <a:spLocks noGrp="1"/>
           </p:cNvSpPr>
@@ -1011,18 +894,13 @@
               <a:rPr lang="en-US"/>
               <a:t>Click to edit Master title style</a:t>
             </a:r>
-          </a:p>
-        </p:txBody>
-      </p:sp>
-      <p:sp>
-        <p:nvSpPr>
-          <p:cNvPr id="3" name="Text Placeholder 2">
-            <a:extLst>
-              <a:ext uri="{FF2B5EF4-FFF2-40B4-BE49-F238E27FC236}">
-                <a16:creationId xmlns:a16="http://schemas.microsoft.com/office/drawing/2014/main" id="{1BEF9281-F531-7D1D-8A0B-F91BED40BA30}"/>
-              </a:ext>
-            </a:extLst>
-          </p:cNvPr>
+            <a:endParaRPr lang="en-US" dirty="0"/>
+          </a:p>
+        </p:txBody>
+      </p:sp>
+      <p:sp>
+        <p:nvSpPr>
+          <p:cNvPr id="3" name="Text Placeholder 2"/>
           <p:cNvSpPr>
             <a:spLocks noGrp="1"/>
           </p:cNvSpPr>
@@ -1044,7 +922,7 @@
               <a:defRPr sz="2400">
                 <a:solidFill>
                   <a:schemeClr val="tx1">
-                    <a:tint val="82000"/>
+                    <a:shade val="82000"/>
                   </a:schemeClr>
                 </a:solidFill>
               </a:defRPr>
@@ -1054,7 +932,7 @@
               <a:defRPr sz="2000">
                 <a:solidFill>
                   <a:schemeClr val="tx1">
-                    <a:tint val="82000"/>
+                    <a:shade val="82000"/>
                   </a:schemeClr>
                 </a:solidFill>
               </a:defRPr>
@@ -1064,7 +942,7 @@
               <a:defRPr sz="1800">
                 <a:solidFill>
                   <a:schemeClr val="tx1">
-                    <a:tint val="82000"/>
+                    <a:shade val="82000"/>
                   </a:schemeClr>
                 </a:solidFill>
               </a:defRPr>
@@ -1074,7 +952,7 @@
               <a:defRPr sz="1600">
                 <a:solidFill>
                   <a:schemeClr val="tx1">
-                    <a:tint val="82000"/>
+                    <a:shade val="82000"/>
                   </a:schemeClr>
                 </a:solidFill>
               </a:defRPr>
@@ -1084,7 +962,7 @@
               <a:defRPr sz="1600">
                 <a:solidFill>
                   <a:schemeClr val="tx1">
-                    <a:tint val="82000"/>
+                    <a:shade val="82000"/>
                   </a:schemeClr>
                 </a:solidFill>
               </a:defRPr>
@@ -1094,7 +972,7 @@
               <a:defRPr sz="1600">
                 <a:solidFill>
                   <a:schemeClr val="tx1">
-                    <a:tint val="82000"/>
+                    <a:shade val="82000"/>
                   </a:schemeClr>
                 </a:solidFill>
               </a:defRPr>
@@ -1104,7 +982,7 @@
               <a:defRPr sz="1600">
                 <a:solidFill>
                   <a:schemeClr val="tx1">
-                    <a:tint val="82000"/>
+                    <a:shade val="82000"/>
                   </a:schemeClr>
                 </a:solidFill>
               </a:defRPr>
@@ -1114,7 +992,7 @@
               <a:defRPr sz="1600">
                 <a:solidFill>
                   <a:schemeClr val="tx1">
-                    <a:tint val="82000"/>
+                    <a:shade val="82000"/>
                   </a:schemeClr>
                 </a:solidFill>
               </a:defRPr>
@@ -1124,7 +1002,7 @@
               <a:defRPr sz="1600">
                 <a:solidFill>
                   <a:schemeClr val="tx1">
-                    <a:tint val="82000"/>
+                    <a:shade val="82000"/>
                   </a:schemeClr>
                 </a:solidFill>
               </a:defRPr>
@@ -1141,13 +1019,7 @@
       </p:sp>
       <p:sp>
         <p:nvSpPr>
-          <p:cNvPr id="4" name="Date Placeholder 3">
-            <a:extLst>
-              <a:ext uri="{FF2B5EF4-FFF2-40B4-BE49-F238E27FC236}">
-                <a16:creationId xmlns:a16="http://schemas.microsoft.com/office/drawing/2014/main" id="{46F829DC-C683-3EEC-6ACD-BE8AF6FE27DC}"/>
-              </a:ext>
-            </a:extLst>
-          </p:cNvPr>
+          <p:cNvPr id="4" name="Date Placeholder 3"/>
           <p:cNvSpPr>
             <a:spLocks noGrp="1"/>
           </p:cNvSpPr>
@@ -1162,7 +1034,7 @@
           <a:p>
             <a:fld id="{122E457C-44E4-4138-A062-F5818B3711EE}" type="datetimeFigureOut">
               <a:rPr lang="en-US" smtClean="0"/>
-              <a:t>4/1/24</a:t>
+              <a:t>4/1/2024</a:t>
             </a:fld>
             <a:endParaRPr lang="en-US" dirty="0"/>
           </a:p>
@@ -1170,13 +1042,7 @@
       </p:sp>
       <p:sp>
         <p:nvSpPr>
-          <p:cNvPr id="5" name="Footer Placeholder 4">
-            <a:extLst>
-              <a:ext uri="{FF2B5EF4-FFF2-40B4-BE49-F238E27FC236}">
-                <a16:creationId xmlns:a16="http://schemas.microsoft.com/office/drawing/2014/main" id="{0B91224F-2A27-9114-7321-A7DA722C5F40}"/>
-              </a:ext>
-            </a:extLst>
-          </p:cNvPr>
+          <p:cNvPr id="5" name="Footer Placeholder 4"/>
           <p:cNvSpPr>
             <a:spLocks noGrp="1"/>
           </p:cNvSpPr>
@@ -1195,13 +1061,7 @@
       </p:sp>
       <p:sp>
         <p:nvSpPr>
-          <p:cNvPr id="6" name="Slide Number Placeholder 5">
-            <a:extLst>
-              <a:ext uri="{FF2B5EF4-FFF2-40B4-BE49-F238E27FC236}">
-                <a16:creationId xmlns:a16="http://schemas.microsoft.com/office/drawing/2014/main" id="{A9735EA2-5B4D-C1C7-3717-035AA0EC7B9F}"/>
-              </a:ext>
-            </a:extLst>
-          </p:cNvPr>
+          <p:cNvPr id="6" name="Slide Number Placeholder 5"/>
           <p:cNvSpPr>
             <a:spLocks noGrp="1"/>
           </p:cNvSpPr>
@@ -1225,7 +1085,7 @@
     </p:spTree>
     <p:extLst>
       <p:ext uri="{BB962C8B-B14F-4D97-AF65-F5344CB8AC3E}">
-        <p14:creationId xmlns:p14="http://schemas.microsoft.com/office/powerpoint/2010/main" val="3984023505"/>
+        <p14:creationId xmlns:p14="http://schemas.microsoft.com/office/powerpoint/2010/main" val="914223818"/>
       </p:ext>
     </p:extLst>
   </p:cSld>
@@ -1254,13 +1114,7 @@
       </p:grpSpPr>
       <p:sp>
         <p:nvSpPr>
-          <p:cNvPr id="2" name="Title 1">
-            <a:extLst>
-              <a:ext uri="{FF2B5EF4-FFF2-40B4-BE49-F238E27FC236}">
-                <a16:creationId xmlns:a16="http://schemas.microsoft.com/office/drawing/2014/main" id="{E8BB53CF-31B4-3732-3AF0-F0F05FE48BD7}"/>
-              </a:ext>
-            </a:extLst>
-          </p:cNvPr>
+          <p:cNvPr id="2" name="Title 1"/>
           <p:cNvSpPr>
             <a:spLocks noGrp="1"/>
           </p:cNvSpPr>
@@ -1277,18 +1131,13 @@
               <a:rPr lang="en-US"/>
               <a:t>Click to edit Master title style</a:t>
             </a:r>
-          </a:p>
-        </p:txBody>
-      </p:sp>
-      <p:sp>
-        <p:nvSpPr>
-          <p:cNvPr id="3" name="Content Placeholder 2">
-            <a:extLst>
-              <a:ext uri="{FF2B5EF4-FFF2-40B4-BE49-F238E27FC236}">
-                <a16:creationId xmlns:a16="http://schemas.microsoft.com/office/drawing/2014/main" id="{36DB872F-CF6E-92EB-9CFA-FDFEBC4A5CF3}"/>
-              </a:ext>
-            </a:extLst>
-          </p:cNvPr>
+            <a:endParaRPr lang="en-US" dirty="0"/>
+          </a:p>
+        </p:txBody>
+      </p:sp>
+      <p:sp>
+        <p:nvSpPr>
+          <p:cNvPr id="3" name="Content Placeholder 2"/>
           <p:cNvSpPr>
             <a:spLocks noGrp="1"/>
           </p:cNvSpPr>
@@ -1339,18 +1188,13 @@
               <a:rPr lang="en-US"/>
               <a:t>Fifth level</a:t>
             </a:r>
-          </a:p>
-        </p:txBody>
-      </p:sp>
-      <p:sp>
-        <p:nvSpPr>
-          <p:cNvPr id="4" name="Content Placeholder 3">
-            <a:extLst>
-              <a:ext uri="{FF2B5EF4-FFF2-40B4-BE49-F238E27FC236}">
-                <a16:creationId xmlns:a16="http://schemas.microsoft.com/office/drawing/2014/main" id="{60D6E97E-670A-51B3-B8B6-E37904F1D18C}"/>
-              </a:ext>
-            </a:extLst>
-          </p:cNvPr>
+            <a:endParaRPr lang="en-US" dirty="0"/>
+          </a:p>
+        </p:txBody>
+      </p:sp>
+      <p:sp>
+        <p:nvSpPr>
+          <p:cNvPr id="4" name="Content Placeholder 3"/>
           <p:cNvSpPr>
             <a:spLocks noGrp="1"/>
           </p:cNvSpPr>
@@ -1401,18 +1245,13 @@
               <a:rPr lang="en-US"/>
               <a:t>Fifth level</a:t>
             </a:r>
-          </a:p>
-        </p:txBody>
-      </p:sp>
-      <p:sp>
-        <p:nvSpPr>
-          <p:cNvPr id="5" name="Date Placeholder 4">
-            <a:extLst>
-              <a:ext uri="{FF2B5EF4-FFF2-40B4-BE49-F238E27FC236}">
-                <a16:creationId xmlns:a16="http://schemas.microsoft.com/office/drawing/2014/main" id="{B60CA975-0709-EABF-2D75-111DE91F3915}"/>
-              </a:ext>
-            </a:extLst>
-          </p:cNvPr>
+            <a:endParaRPr lang="en-US" dirty="0"/>
+          </a:p>
+        </p:txBody>
+      </p:sp>
+      <p:sp>
+        <p:nvSpPr>
+          <p:cNvPr id="5" name="Date Placeholder 4"/>
           <p:cNvSpPr>
             <a:spLocks noGrp="1"/>
           </p:cNvSpPr>
@@ -1427,7 +1266,7 @@
           <a:p>
             <a:fld id="{122E457C-44E4-4138-A062-F5818B3711EE}" type="datetimeFigureOut">
               <a:rPr lang="en-US" smtClean="0"/>
-              <a:t>4/1/24</a:t>
+              <a:t>4/1/2024</a:t>
             </a:fld>
             <a:endParaRPr lang="en-US" dirty="0"/>
           </a:p>
@@ -1435,13 +1274,7 @@
       </p:sp>
       <p:sp>
         <p:nvSpPr>
-          <p:cNvPr id="6" name="Footer Placeholder 5">
-            <a:extLst>
-              <a:ext uri="{FF2B5EF4-FFF2-40B4-BE49-F238E27FC236}">
-                <a16:creationId xmlns:a16="http://schemas.microsoft.com/office/drawing/2014/main" id="{CEB5AF0D-78A1-8FFE-3043-62892B829674}"/>
-              </a:ext>
-            </a:extLst>
-          </p:cNvPr>
+          <p:cNvPr id="6" name="Footer Placeholder 5"/>
           <p:cNvSpPr>
             <a:spLocks noGrp="1"/>
           </p:cNvSpPr>
@@ -1460,13 +1293,7 @@
       </p:sp>
       <p:sp>
         <p:nvSpPr>
-          <p:cNvPr id="7" name="Slide Number Placeholder 6">
-            <a:extLst>
-              <a:ext uri="{FF2B5EF4-FFF2-40B4-BE49-F238E27FC236}">
-                <a16:creationId xmlns:a16="http://schemas.microsoft.com/office/drawing/2014/main" id="{51A08C5C-F26D-84C5-DBCC-5142AE2408BF}"/>
-              </a:ext>
-            </a:extLst>
-          </p:cNvPr>
+          <p:cNvPr id="7" name="Slide Number Placeholder 6"/>
           <p:cNvSpPr>
             <a:spLocks noGrp="1"/>
           </p:cNvSpPr>
@@ -1490,7 +1317,7 @@
     </p:spTree>
     <p:extLst>
       <p:ext uri="{BB962C8B-B14F-4D97-AF65-F5344CB8AC3E}">
-        <p14:creationId xmlns:p14="http://schemas.microsoft.com/office/powerpoint/2010/main" val="2215203735"/>
+        <p14:creationId xmlns:p14="http://schemas.microsoft.com/office/powerpoint/2010/main" val="3994827638"/>
       </p:ext>
     </p:extLst>
   </p:cSld>
@@ -1519,13 +1346,7 @@
       </p:grpSpPr>
       <p:sp>
         <p:nvSpPr>
-          <p:cNvPr id="2" name="Title 1">
-            <a:extLst>
-              <a:ext uri="{FF2B5EF4-FFF2-40B4-BE49-F238E27FC236}">
-                <a16:creationId xmlns:a16="http://schemas.microsoft.com/office/drawing/2014/main" id="{A8940274-BB04-7E62-0584-8CD41565CEDE}"/>
-              </a:ext>
-            </a:extLst>
-          </p:cNvPr>
+          <p:cNvPr id="2" name="Title 1"/>
           <p:cNvSpPr>
             <a:spLocks noGrp="1"/>
           </p:cNvSpPr>
@@ -1547,18 +1368,13 @@
               <a:rPr lang="en-US"/>
               <a:t>Click to edit Master title style</a:t>
             </a:r>
-          </a:p>
-        </p:txBody>
-      </p:sp>
-      <p:sp>
-        <p:nvSpPr>
-          <p:cNvPr id="3" name="Text Placeholder 2">
-            <a:extLst>
-              <a:ext uri="{FF2B5EF4-FFF2-40B4-BE49-F238E27FC236}">
-                <a16:creationId xmlns:a16="http://schemas.microsoft.com/office/drawing/2014/main" id="{5D03E1DA-4EBC-2272-32B1-2376872F4D52}"/>
-              </a:ext>
-            </a:extLst>
-          </p:cNvPr>
+            <a:endParaRPr lang="en-US" dirty="0"/>
+          </a:p>
+        </p:txBody>
+      </p:sp>
+      <p:sp>
+        <p:nvSpPr>
+          <p:cNvPr id="3" name="Text Placeholder 2"/>
           <p:cNvSpPr>
             <a:spLocks noGrp="1"/>
           </p:cNvSpPr>
@@ -1623,13 +1439,7 @@
       </p:sp>
       <p:sp>
         <p:nvSpPr>
-          <p:cNvPr id="4" name="Content Placeholder 3">
-            <a:extLst>
-              <a:ext uri="{FF2B5EF4-FFF2-40B4-BE49-F238E27FC236}">
-                <a16:creationId xmlns:a16="http://schemas.microsoft.com/office/drawing/2014/main" id="{4B67D2F8-2B6D-565D-023F-76B3F4539F77}"/>
-              </a:ext>
-            </a:extLst>
-          </p:cNvPr>
+          <p:cNvPr id="4" name="Content Placeholder 3"/>
           <p:cNvSpPr>
             <a:spLocks noGrp="1"/>
           </p:cNvSpPr>
@@ -1680,18 +1490,13 @@
               <a:rPr lang="en-US"/>
               <a:t>Fifth level</a:t>
             </a:r>
-          </a:p>
-        </p:txBody>
-      </p:sp>
-      <p:sp>
-        <p:nvSpPr>
-          <p:cNvPr id="5" name="Text Placeholder 4">
-            <a:extLst>
-              <a:ext uri="{FF2B5EF4-FFF2-40B4-BE49-F238E27FC236}">
-                <a16:creationId xmlns:a16="http://schemas.microsoft.com/office/drawing/2014/main" id="{5263CB8D-DE40-3CAD-3EA8-C49ECC72D656}"/>
-              </a:ext>
-            </a:extLst>
-          </p:cNvPr>
+            <a:endParaRPr lang="en-US" dirty="0"/>
+          </a:p>
+        </p:txBody>
+      </p:sp>
+      <p:sp>
+        <p:nvSpPr>
+          <p:cNvPr id="5" name="Text Placeholder 4"/>
           <p:cNvSpPr>
             <a:spLocks noGrp="1"/>
           </p:cNvSpPr>
@@ -1756,13 +1561,7 @@
       </p:sp>
       <p:sp>
         <p:nvSpPr>
-          <p:cNvPr id="6" name="Content Placeholder 5">
-            <a:extLst>
-              <a:ext uri="{FF2B5EF4-FFF2-40B4-BE49-F238E27FC236}">
-                <a16:creationId xmlns:a16="http://schemas.microsoft.com/office/drawing/2014/main" id="{42CC4880-0D61-210F-BC77-06AC43D8E49E}"/>
-              </a:ext>
-            </a:extLst>
-          </p:cNvPr>
+          <p:cNvPr id="6" name="Content Placeholder 5"/>
           <p:cNvSpPr>
             <a:spLocks noGrp="1"/>
           </p:cNvSpPr>
@@ -1813,18 +1612,13 @@
               <a:rPr lang="en-US"/>
               <a:t>Fifth level</a:t>
             </a:r>
-          </a:p>
-        </p:txBody>
-      </p:sp>
-      <p:sp>
-        <p:nvSpPr>
-          <p:cNvPr id="7" name="Date Placeholder 6">
-            <a:extLst>
-              <a:ext uri="{FF2B5EF4-FFF2-40B4-BE49-F238E27FC236}">
-                <a16:creationId xmlns:a16="http://schemas.microsoft.com/office/drawing/2014/main" id="{7636DFA8-D53D-254F-84A0-0FB91F905AC4}"/>
-              </a:ext>
-            </a:extLst>
-          </p:cNvPr>
+            <a:endParaRPr lang="en-US" dirty="0"/>
+          </a:p>
+        </p:txBody>
+      </p:sp>
+      <p:sp>
+        <p:nvSpPr>
+          <p:cNvPr id="7" name="Date Placeholder 6"/>
           <p:cNvSpPr>
             <a:spLocks noGrp="1"/>
           </p:cNvSpPr>
@@ -1839,7 +1633,7 @@
           <a:p>
             <a:fld id="{122E457C-44E4-4138-A062-F5818B3711EE}" type="datetimeFigureOut">
               <a:rPr lang="en-US" smtClean="0"/>
-              <a:t>4/1/24</a:t>
+              <a:t>4/1/2024</a:t>
             </a:fld>
             <a:endParaRPr lang="en-US" dirty="0"/>
           </a:p>
@@ -1847,13 +1641,7 @@
       </p:sp>
       <p:sp>
         <p:nvSpPr>
-          <p:cNvPr id="8" name="Footer Placeholder 7">
-            <a:extLst>
-              <a:ext uri="{FF2B5EF4-FFF2-40B4-BE49-F238E27FC236}">
-                <a16:creationId xmlns:a16="http://schemas.microsoft.com/office/drawing/2014/main" id="{7788919D-96B8-1D10-136B-5DFA0BC12AB3}"/>
-              </a:ext>
-            </a:extLst>
-          </p:cNvPr>
+          <p:cNvPr id="8" name="Footer Placeholder 7"/>
           <p:cNvSpPr>
             <a:spLocks noGrp="1"/>
           </p:cNvSpPr>
@@ -1872,13 +1660,7 @@
       </p:sp>
       <p:sp>
         <p:nvSpPr>
-          <p:cNvPr id="9" name="Slide Number Placeholder 8">
-            <a:extLst>
-              <a:ext uri="{FF2B5EF4-FFF2-40B4-BE49-F238E27FC236}">
-                <a16:creationId xmlns:a16="http://schemas.microsoft.com/office/drawing/2014/main" id="{DBF09D79-315F-0F17-43D0-86DBA29F471E}"/>
-              </a:ext>
-            </a:extLst>
-          </p:cNvPr>
+          <p:cNvPr id="9" name="Slide Number Placeholder 8"/>
           <p:cNvSpPr>
             <a:spLocks noGrp="1"/>
           </p:cNvSpPr>
@@ -1902,7 +1684,7 @@
     </p:spTree>
     <p:extLst>
       <p:ext uri="{BB962C8B-B14F-4D97-AF65-F5344CB8AC3E}">
-        <p14:creationId xmlns:p14="http://schemas.microsoft.com/office/powerpoint/2010/main" val="3798813950"/>
+        <p14:creationId xmlns:p14="http://schemas.microsoft.com/office/powerpoint/2010/main" val="2977541764"/>
       </p:ext>
     </p:extLst>
   </p:cSld>
@@ -1931,13 +1713,7 @@
       </p:grpSpPr>
       <p:sp>
         <p:nvSpPr>
-          <p:cNvPr id="2" name="Title 1">
-            <a:extLst>
-              <a:ext uri="{FF2B5EF4-FFF2-40B4-BE49-F238E27FC236}">
-                <a16:creationId xmlns:a16="http://schemas.microsoft.com/office/drawing/2014/main" id="{81A2F98E-FB18-F35E-E2C3-0CC228E1FA30}"/>
-              </a:ext>
-            </a:extLst>
-          </p:cNvPr>
+          <p:cNvPr id="2" name="Title 1"/>
           <p:cNvSpPr>
             <a:spLocks noGrp="1"/>
           </p:cNvSpPr>
@@ -1954,18 +1730,13 @@
               <a:rPr lang="en-US"/>
               <a:t>Click to edit Master title style</a:t>
             </a:r>
-          </a:p>
-        </p:txBody>
-      </p:sp>
-      <p:sp>
-        <p:nvSpPr>
-          <p:cNvPr id="3" name="Date Placeholder 2">
-            <a:extLst>
-              <a:ext uri="{FF2B5EF4-FFF2-40B4-BE49-F238E27FC236}">
-                <a16:creationId xmlns:a16="http://schemas.microsoft.com/office/drawing/2014/main" id="{113E8176-0F6D-3C90-41B9-6EE9126ABA8F}"/>
-              </a:ext>
-            </a:extLst>
-          </p:cNvPr>
+            <a:endParaRPr lang="en-US" dirty="0"/>
+          </a:p>
+        </p:txBody>
+      </p:sp>
+      <p:sp>
+        <p:nvSpPr>
+          <p:cNvPr id="3" name="Date Placeholder 2"/>
           <p:cNvSpPr>
             <a:spLocks noGrp="1"/>
           </p:cNvSpPr>
@@ -1980,7 +1751,7 @@
           <a:p>
             <a:fld id="{122E457C-44E4-4138-A062-F5818B3711EE}" type="datetimeFigureOut">
               <a:rPr lang="en-US" smtClean="0"/>
-              <a:t>4/1/24</a:t>
+              <a:t>4/1/2024</a:t>
             </a:fld>
             <a:endParaRPr lang="en-US" dirty="0"/>
           </a:p>
@@ -1988,13 +1759,7 @@
       </p:sp>
       <p:sp>
         <p:nvSpPr>
-          <p:cNvPr id="4" name="Footer Placeholder 3">
-            <a:extLst>
-              <a:ext uri="{FF2B5EF4-FFF2-40B4-BE49-F238E27FC236}">
-                <a16:creationId xmlns:a16="http://schemas.microsoft.com/office/drawing/2014/main" id="{7701CACA-25E0-F711-FFC8-19B2D9A91D0A}"/>
-              </a:ext>
-            </a:extLst>
-          </p:cNvPr>
+          <p:cNvPr id="4" name="Footer Placeholder 3"/>
           <p:cNvSpPr>
             <a:spLocks noGrp="1"/>
           </p:cNvSpPr>
@@ -2013,13 +1778,7 @@
       </p:sp>
       <p:sp>
         <p:nvSpPr>
-          <p:cNvPr id="5" name="Slide Number Placeholder 4">
-            <a:extLst>
-              <a:ext uri="{FF2B5EF4-FFF2-40B4-BE49-F238E27FC236}">
-                <a16:creationId xmlns:a16="http://schemas.microsoft.com/office/drawing/2014/main" id="{B163929D-70A1-30C0-B462-CB047E6FAEC1}"/>
-              </a:ext>
-            </a:extLst>
-          </p:cNvPr>
+          <p:cNvPr id="5" name="Slide Number Placeholder 4"/>
           <p:cNvSpPr>
             <a:spLocks noGrp="1"/>
           </p:cNvSpPr>
@@ -2043,7 +1802,7 @@
     </p:spTree>
     <p:extLst>
       <p:ext uri="{BB962C8B-B14F-4D97-AF65-F5344CB8AC3E}">
-        <p14:creationId xmlns:p14="http://schemas.microsoft.com/office/powerpoint/2010/main" val="3456656389"/>
+        <p14:creationId xmlns:p14="http://schemas.microsoft.com/office/powerpoint/2010/main" val="4085190274"/>
       </p:ext>
     </p:extLst>
   </p:cSld>
@@ -2072,13 +1831,7 @@
       </p:grpSpPr>
       <p:sp>
         <p:nvSpPr>
-          <p:cNvPr id="2" name="Date Placeholder 1">
-            <a:extLst>
-              <a:ext uri="{FF2B5EF4-FFF2-40B4-BE49-F238E27FC236}">
-                <a16:creationId xmlns:a16="http://schemas.microsoft.com/office/drawing/2014/main" id="{78705DB1-F0CA-83D1-D99E-3986F3FE2CFE}"/>
-              </a:ext>
-            </a:extLst>
-          </p:cNvPr>
+          <p:cNvPr id="2" name="Date Placeholder 1"/>
           <p:cNvSpPr>
             <a:spLocks noGrp="1"/>
           </p:cNvSpPr>
@@ -2093,7 +1846,7 @@
           <a:p>
             <a:fld id="{122E457C-44E4-4138-A062-F5818B3711EE}" type="datetimeFigureOut">
               <a:rPr lang="en-US" smtClean="0"/>
-              <a:t>4/1/24</a:t>
+              <a:t>4/1/2024</a:t>
             </a:fld>
             <a:endParaRPr lang="en-US" dirty="0"/>
           </a:p>
@@ -2101,13 +1854,7 @@
       </p:sp>
       <p:sp>
         <p:nvSpPr>
-          <p:cNvPr id="3" name="Footer Placeholder 2">
-            <a:extLst>
-              <a:ext uri="{FF2B5EF4-FFF2-40B4-BE49-F238E27FC236}">
-                <a16:creationId xmlns:a16="http://schemas.microsoft.com/office/drawing/2014/main" id="{92CD4EBE-CF7D-0758-E4E7-39FA9B55306E}"/>
-              </a:ext>
-            </a:extLst>
-          </p:cNvPr>
+          <p:cNvPr id="3" name="Footer Placeholder 2"/>
           <p:cNvSpPr>
             <a:spLocks noGrp="1"/>
           </p:cNvSpPr>
@@ -2126,13 +1873,7 @@
       </p:sp>
       <p:sp>
         <p:nvSpPr>
-          <p:cNvPr id="4" name="Slide Number Placeholder 3">
-            <a:extLst>
-              <a:ext uri="{FF2B5EF4-FFF2-40B4-BE49-F238E27FC236}">
-                <a16:creationId xmlns:a16="http://schemas.microsoft.com/office/drawing/2014/main" id="{EE8EE303-63E4-BBC9-C06A-40041ECF830C}"/>
-              </a:ext>
-            </a:extLst>
-          </p:cNvPr>
+          <p:cNvPr id="4" name="Slide Number Placeholder 3"/>
           <p:cNvSpPr>
             <a:spLocks noGrp="1"/>
           </p:cNvSpPr>
@@ -2156,7 +1897,7 @@
     </p:spTree>
     <p:extLst>
       <p:ext uri="{BB962C8B-B14F-4D97-AF65-F5344CB8AC3E}">
-        <p14:creationId xmlns:p14="http://schemas.microsoft.com/office/powerpoint/2010/main" val="619005399"/>
+        <p14:creationId xmlns:p14="http://schemas.microsoft.com/office/powerpoint/2010/main" val="3765038239"/>
       </p:ext>
     </p:extLst>
   </p:cSld>
@@ -2185,13 +1926,7 @@
       </p:grpSpPr>
       <p:sp>
         <p:nvSpPr>
-          <p:cNvPr id="2" name="Title 1">
-            <a:extLst>
-              <a:ext uri="{FF2B5EF4-FFF2-40B4-BE49-F238E27FC236}">
-                <a16:creationId xmlns:a16="http://schemas.microsoft.com/office/drawing/2014/main" id="{B5E87275-8677-2D85-2EF1-7A8BCA6B4AE4}"/>
-              </a:ext>
-            </a:extLst>
-          </p:cNvPr>
+          <p:cNvPr id="2" name="Title 1"/>
           <p:cNvSpPr>
             <a:spLocks noGrp="1"/>
           </p:cNvSpPr>
@@ -2217,18 +1952,13 @@
               <a:rPr lang="en-US"/>
               <a:t>Click to edit Master title style</a:t>
             </a:r>
-          </a:p>
-        </p:txBody>
-      </p:sp>
-      <p:sp>
-        <p:nvSpPr>
-          <p:cNvPr id="3" name="Content Placeholder 2">
-            <a:extLst>
-              <a:ext uri="{FF2B5EF4-FFF2-40B4-BE49-F238E27FC236}">
-                <a16:creationId xmlns:a16="http://schemas.microsoft.com/office/drawing/2014/main" id="{5407EF82-30FA-00A0-8B59-95AEE98FB576}"/>
-              </a:ext>
-            </a:extLst>
-          </p:cNvPr>
+            <a:endParaRPr lang="en-US" dirty="0"/>
+          </a:p>
+        </p:txBody>
+      </p:sp>
+      <p:sp>
+        <p:nvSpPr>
+          <p:cNvPr id="3" name="Content Placeholder 2"/>
           <p:cNvSpPr>
             <a:spLocks noGrp="1"/>
           </p:cNvSpPr>
@@ -2307,18 +2037,13 @@
               <a:rPr lang="en-US"/>
               <a:t>Fifth level</a:t>
             </a:r>
-          </a:p>
-        </p:txBody>
-      </p:sp>
-      <p:sp>
-        <p:nvSpPr>
-          <p:cNvPr id="4" name="Text Placeholder 3">
-            <a:extLst>
-              <a:ext uri="{FF2B5EF4-FFF2-40B4-BE49-F238E27FC236}">
-                <a16:creationId xmlns:a16="http://schemas.microsoft.com/office/drawing/2014/main" id="{473917DE-D53C-BBDF-DEEE-72D20E0DC8CF}"/>
-              </a:ext>
-            </a:extLst>
-          </p:cNvPr>
+            <a:endParaRPr lang="en-US" dirty="0"/>
+          </a:p>
+        </p:txBody>
+      </p:sp>
+      <p:sp>
+        <p:nvSpPr>
+          <p:cNvPr id="4" name="Text Placeholder 3"/>
           <p:cNvSpPr>
             <a:spLocks noGrp="1"/>
           </p:cNvSpPr>
@@ -2383,13 +2108,7 @@
       </p:sp>
       <p:sp>
         <p:nvSpPr>
-          <p:cNvPr id="5" name="Date Placeholder 4">
-            <a:extLst>
-              <a:ext uri="{FF2B5EF4-FFF2-40B4-BE49-F238E27FC236}">
-                <a16:creationId xmlns:a16="http://schemas.microsoft.com/office/drawing/2014/main" id="{1718ECC6-4FD6-5DA7-0733-D76FB6E88241}"/>
-              </a:ext>
-            </a:extLst>
-          </p:cNvPr>
+          <p:cNvPr id="5" name="Date Placeholder 4"/>
           <p:cNvSpPr>
             <a:spLocks noGrp="1"/>
           </p:cNvSpPr>
@@ -2404,7 +2123,7 @@
           <a:p>
             <a:fld id="{122E457C-44E4-4138-A062-F5818B3711EE}" type="datetimeFigureOut">
               <a:rPr lang="en-US" smtClean="0"/>
-              <a:t>4/1/24</a:t>
+              <a:t>4/1/2024</a:t>
             </a:fld>
             <a:endParaRPr lang="en-US" dirty="0"/>
           </a:p>
@@ -2412,13 +2131,7 @@
       </p:sp>
       <p:sp>
         <p:nvSpPr>
-          <p:cNvPr id="6" name="Footer Placeholder 5">
-            <a:extLst>
-              <a:ext uri="{FF2B5EF4-FFF2-40B4-BE49-F238E27FC236}">
-                <a16:creationId xmlns:a16="http://schemas.microsoft.com/office/drawing/2014/main" id="{C5C89241-6BE5-8C13-3CB6-DDCB5F51DBBB}"/>
-              </a:ext>
-            </a:extLst>
-          </p:cNvPr>
+          <p:cNvPr id="6" name="Footer Placeholder 5"/>
           <p:cNvSpPr>
             <a:spLocks noGrp="1"/>
           </p:cNvSpPr>
@@ -2437,13 +2150,7 @@
       </p:sp>
       <p:sp>
         <p:nvSpPr>
-          <p:cNvPr id="7" name="Slide Number Placeholder 6">
-            <a:extLst>
-              <a:ext uri="{FF2B5EF4-FFF2-40B4-BE49-F238E27FC236}">
-                <a16:creationId xmlns:a16="http://schemas.microsoft.com/office/drawing/2014/main" id="{7CBE1BBD-AFF2-0C2B-CED6-DBED3FA6E9B6}"/>
-              </a:ext>
-            </a:extLst>
-          </p:cNvPr>
+          <p:cNvPr id="7" name="Slide Number Placeholder 6"/>
           <p:cNvSpPr>
             <a:spLocks noGrp="1"/>
           </p:cNvSpPr>
@@ -2467,7 +2174,7 @@
     </p:spTree>
     <p:extLst>
       <p:ext uri="{BB962C8B-B14F-4D97-AF65-F5344CB8AC3E}">
-        <p14:creationId xmlns:p14="http://schemas.microsoft.com/office/powerpoint/2010/main" val="1280316872"/>
+        <p14:creationId xmlns:p14="http://schemas.microsoft.com/office/powerpoint/2010/main" val="562162529"/>
       </p:ext>
     </p:extLst>
   </p:cSld>
@@ -2496,13 +2203,7 @@
       </p:grpSpPr>
       <p:sp>
         <p:nvSpPr>
-          <p:cNvPr id="2" name="Title 1">
-            <a:extLst>
-              <a:ext uri="{FF2B5EF4-FFF2-40B4-BE49-F238E27FC236}">
-                <a16:creationId xmlns:a16="http://schemas.microsoft.com/office/drawing/2014/main" id="{F7E6952D-77BB-34D3-2FEE-D4AC8266C9E9}"/>
-              </a:ext>
-            </a:extLst>
-          </p:cNvPr>
+          <p:cNvPr id="2" name="Title 1"/>
           <p:cNvSpPr>
             <a:spLocks noGrp="1"/>
           </p:cNvSpPr>
@@ -2528,20 +2229,15 @@
               <a:rPr lang="en-US"/>
               <a:t>Click to edit Master title style</a:t>
             </a:r>
-          </a:p>
-        </p:txBody>
-      </p:sp>
-      <p:sp>
-        <p:nvSpPr>
-          <p:cNvPr id="3" name="Picture Placeholder 2">
-            <a:extLst>
-              <a:ext uri="{FF2B5EF4-FFF2-40B4-BE49-F238E27FC236}">
-                <a16:creationId xmlns:a16="http://schemas.microsoft.com/office/drawing/2014/main" id="{1243E372-7BFD-33EA-544B-40877AE1D746}"/>
-              </a:ext>
-            </a:extLst>
-          </p:cNvPr>
-          <p:cNvSpPr>
-            <a:spLocks noGrp="1"/>
+            <a:endParaRPr lang="en-US" dirty="0"/>
+          </a:p>
+        </p:txBody>
+      </p:sp>
+      <p:sp>
+        <p:nvSpPr>
+          <p:cNvPr id="3" name="Picture Placeholder 2"/>
+          <p:cNvSpPr>
+            <a:spLocks noGrp="1" noChangeAspect="1"/>
           </p:cNvSpPr>
           <p:nvPr>
             <p:ph type="pic" idx="1"/>
@@ -2554,7 +2250,7 @@
           </a:xfrm>
         </p:spPr>
         <p:txBody>
-          <a:bodyPr/>
+          <a:bodyPr anchor="t"/>
           <a:lstStyle>
             <a:lvl1pPr marL="0" indent="0">
               <a:buNone/>
@@ -2594,19 +2290,17 @@
             </a:lvl9pPr>
           </a:lstStyle>
           <a:p>
-            <a:endParaRPr lang="en-US" dirty="0"/>
-          </a:p>
-        </p:txBody>
-      </p:sp>
-      <p:sp>
-        <p:nvSpPr>
-          <p:cNvPr id="4" name="Text Placeholder 3">
-            <a:extLst>
-              <a:ext uri="{FF2B5EF4-FFF2-40B4-BE49-F238E27FC236}">
-                <a16:creationId xmlns:a16="http://schemas.microsoft.com/office/drawing/2014/main" id="{2906CF44-67FE-A8A0-90E6-1ABE1CA6D2F5}"/>
-              </a:ext>
-            </a:extLst>
-          </p:cNvPr>
+            <a:r>
+              <a:rPr lang="en-US"/>
+              <a:t>Click icon to add picture</a:t>
+            </a:r>
+            <a:endParaRPr lang="en-US" dirty="0"/>
+          </a:p>
+        </p:txBody>
+      </p:sp>
+      <p:sp>
+        <p:nvSpPr>
+          <p:cNvPr id="4" name="Text Placeholder 3"/>
           <p:cNvSpPr>
             <a:spLocks noGrp="1"/>
           </p:cNvSpPr>
@@ -2671,13 +2365,7 @@
       </p:sp>
       <p:sp>
         <p:nvSpPr>
-          <p:cNvPr id="5" name="Date Placeholder 4">
-            <a:extLst>
-              <a:ext uri="{FF2B5EF4-FFF2-40B4-BE49-F238E27FC236}">
-                <a16:creationId xmlns:a16="http://schemas.microsoft.com/office/drawing/2014/main" id="{6820CC43-F963-C443-D615-F49ADB010E91}"/>
-              </a:ext>
-            </a:extLst>
-          </p:cNvPr>
+          <p:cNvPr id="5" name="Date Placeholder 4"/>
           <p:cNvSpPr>
             <a:spLocks noGrp="1"/>
           </p:cNvSpPr>
@@ -2692,7 +2380,7 @@
           <a:p>
             <a:fld id="{122E457C-44E4-4138-A062-F5818B3711EE}" type="datetimeFigureOut">
               <a:rPr lang="en-US" smtClean="0"/>
-              <a:t>4/1/24</a:t>
+              <a:t>4/1/2024</a:t>
             </a:fld>
             <a:endParaRPr lang="en-US" dirty="0"/>
           </a:p>
@@ -2700,13 +2388,7 @@
       </p:sp>
       <p:sp>
         <p:nvSpPr>
-          <p:cNvPr id="6" name="Footer Placeholder 5">
-            <a:extLst>
-              <a:ext uri="{FF2B5EF4-FFF2-40B4-BE49-F238E27FC236}">
-                <a16:creationId xmlns:a16="http://schemas.microsoft.com/office/drawing/2014/main" id="{004A3943-5A15-A491-CD99-45562AAB4C86}"/>
-              </a:ext>
-            </a:extLst>
-          </p:cNvPr>
+          <p:cNvPr id="6" name="Footer Placeholder 5"/>
           <p:cNvSpPr>
             <a:spLocks noGrp="1"/>
           </p:cNvSpPr>
@@ -2725,13 +2407,7 @@
       </p:sp>
       <p:sp>
         <p:nvSpPr>
-          <p:cNvPr id="7" name="Slide Number Placeholder 6">
-            <a:extLst>
-              <a:ext uri="{FF2B5EF4-FFF2-40B4-BE49-F238E27FC236}">
-                <a16:creationId xmlns:a16="http://schemas.microsoft.com/office/drawing/2014/main" id="{1855C867-5BCF-7FDB-1219-FB60AC456DAF}"/>
-              </a:ext>
-            </a:extLst>
-          </p:cNvPr>
+          <p:cNvPr id="7" name="Slide Number Placeholder 6"/>
           <p:cNvSpPr>
             <a:spLocks noGrp="1"/>
           </p:cNvSpPr>
@@ -2755,7 +2431,7 @@
     </p:spTree>
     <p:extLst>
       <p:ext uri="{BB962C8B-B14F-4D97-AF65-F5344CB8AC3E}">
-        <p14:creationId xmlns:p14="http://schemas.microsoft.com/office/powerpoint/2010/main" val="2201946106"/>
+        <p14:creationId xmlns:p14="http://schemas.microsoft.com/office/powerpoint/2010/main" val="1981681812"/>
       </p:ext>
     </p:extLst>
   </p:cSld>
@@ -2789,13 +2465,7 @@
       </p:grpSpPr>
       <p:sp>
         <p:nvSpPr>
-          <p:cNvPr id="2" name="Title Placeholder 1">
-            <a:extLst>
-              <a:ext uri="{FF2B5EF4-FFF2-40B4-BE49-F238E27FC236}">
-                <a16:creationId xmlns:a16="http://schemas.microsoft.com/office/drawing/2014/main" id="{1EC4D235-D97F-B630-584A-243D66AB9E73}"/>
-              </a:ext>
-            </a:extLst>
-          </p:cNvPr>
+          <p:cNvPr id="2" name="Title Placeholder 1"/>
           <p:cNvSpPr>
             <a:spLocks noGrp="1"/>
           </p:cNvSpPr>
@@ -2822,18 +2492,13 @@
               <a:rPr lang="en-US"/>
               <a:t>Click to edit Master title style</a:t>
             </a:r>
-          </a:p>
-        </p:txBody>
-      </p:sp>
-      <p:sp>
-        <p:nvSpPr>
-          <p:cNvPr id="3" name="Text Placeholder 2">
-            <a:extLst>
-              <a:ext uri="{FF2B5EF4-FFF2-40B4-BE49-F238E27FC236}">
-                <a16:creationId xmlns:a16="http://schemas.microsoft.com/office/drawing/2014/main" id="{423BB48B-01B3-83A2-9512-4F59A455D594}"/>
-              </a:ext>
-            </a:extLst>
-          </p:cNvPr>
+            <a:endParaRPr lang="en-US" dirty="0"/>
+          </a:p>
+        </p:txBody>
+      </p:sp>
+      <p:sp>
+        <p:nvSpPr>
+          <p:cNvPr id="3" name="Text Placeholder 2"/>
           <p:cNvSpPr>
             <a:spLocks noGrp="1"/>
           </p:cNvSpPr>
@@ -2889,18 +2554,13 @@
               <a:rPr lang="en-US"/>
               <a:t>Fifth level</a:t>
             </a:r>
-          </a:p>
-        </p:txBody>
-      </p:sp>
-      <p:sp>
-        <p:nvSpPr>
-          <p:cNvPr id="4" name="Date Placeholder 3">
-            <a:extLst>
-              <a:ext uri="{FF2B5EF4-FFF2-40B4-BE49-F238E27FC236}">
-                <a16:creationId xmlns:a16="http://schemas.microsoft.com/office/drawing/2014/main" id="{03835B4C-B123-7056-B224-EE49ECC3A7C4}"/>
-              </a:ext>
-            </a:extLst>
-          </p:cNvPr>
+            <a:endParaRPr lang="en-US" dirty="0"/>
+          </a:p>
+        </p:txBody>
+      </p:sp>
+      <p:sp>
+        <p:nvSpPr>
+          <p:cNvPr id="4" name="Date Placeholder 3"/>
           <p:cNvSpPr>
             <a:spLocks noGrp="1"/>
           </p:cNvSpPr>
@@ -2924,7 +2584,7 @@
               <a:defRPr sz="1200">
                 <a:solidFill>
                   <a:schemeClr val="tx1">
-                    <a:tint val="82000"/>
+                    <a:shade val="82000"/>
                   </a:schemeClr>
                 </a:solidFill>
               </a:defRPr>
@@ -2933,7 +2593,7 @@
           <a:p>
             <a:fld id="{122E457C-44E4-4138-A062-F5818B3711EE}" type="datetimeFigureOut">
               <a:rPr lang="en-US" smtClean="0"/>
-              <a:t>4/1/24</a:t>
+              <a:t>4/1/2024</a:t>
             </a:fld>
             <a:endParaRPr lang="en-US" dirty="0"/>
           </a:p>
@@ -2941,13 +2601,7 @@
       </p:sp>
       <p:sp>
         <p:nvSpPr>
-          <p:cNvPr id="5" name="Footer Placeholder 4">
-            <a:extLst>
-              <a:ext uri="{FF2B5EF4-FFF2-40B4-BE49-F238E27FC236}">
-                <a16:creationId xmlns:a16="http://schemas.microsoft.com/office/drawing/2014/main" id="{2C3481CE-A8BF-8DC6-369F-2835B5F71D5A}"/>
-              </a:ext>
-            </a:extLst>
-          </p:cNvPr>
+          <p:cNvPr id="5" name="Footer Placeholder 4"/>
           <p:cNvSpPr>
             <a:spLocks noGrp="1"/>
           </p:cNvSpPr>
@@ -2971,7 +2625,7 @@
               <a:defRPr sz="1200">
                 <a:solidFill>
                   <a:schemeClr val="tx1">
-                    <a:tint val="82000"/>
+                    <a:shade val="82000"/>
                   </a:schemeClr>
                 </a:solidFill>
               </a:defRPr>
@@ -2984,13 +2638,7 @@
       </p:sp>
       <p:sp>
         <p:nvSpPr>
-          <p:cNvPr id="6" name="Slide Number Placeholder 5">
-            <a:extLst>
-              <a:ext uri="{FF2B5EF4-FFF2-40B4-BE49-F238E27FC236}">
-                <a16:creationId xmlns:a16="http://schemas.microsoft.com/office/drawing/2014/main" id="{DC68CCD6-4134-5DCE-E2B0-03DCA27B456F}"/>
-              </a:ext>
-            </a:extLst>
-          </p:cNvPr>
+          <p:cNvPr id="6" name="Slide Number Placeholder 5"/>
           <p:cNvSpPr>
             <a:spLocks noGrp="1"/>
           </p:cNvSpPr>
@@ -3014,7 +2662,7 @@
               <a:defRPr sz="1200">
                 <a:solidFill>
                   <a:schemeClr val="tx1">
-                    <a:tint val="82000"/>
+                    <a:shade val="82000"/>
                   </a:schemeClr>
                 </a:solidFill>
               </a:defRPr>
@@ -3032,23 +2680,23 @@
     </p:spTree>
     <p:extLst>
       <p:ext uri="{BB962C8B-B14F-4D97-AF65-F5344CB8AC3E}">
-        <p14:creationId xmlns:p14="http://schemas.microsoft.com/office/powerpoint/2010/main" val="831373185"/>
+        <p14:creationId xmlns:p14="http://schemas.microsoft.com/office/powerpoint/2010/main" val="962921062"/>
       </p:ext>
     </p:extLst>
   </p:cSld>
-  <p:clrMap bg1="lt1" tx1="dk1" bg2="lt2" tx2="dk2" accent1="accent1" accent2="accent2" accent3="accent3" accent4="accent4" accent5="accent5" accent6="accent6" hlink="hlink" folHlink="folHlink"/>
+  <p:clrMap bg1="dk1" tx1="lt1" bg2="dk2" tx2="lt2" accent1="accent1" accent2="accent2" accent3="accent3" accent4="accent4" accent5="accent5" accent6="accent6" hlink="hlink" folHlink="folHlink"/>
   <p:sldLayoutIdLst>
-    <p:sldLayoutId id="2147483649" r:id="rId1"/>
-    <p:sldLayoutId id="2147483650" r:id="rId2"/>
-    <p:sldLayoutId id="2147483651" r:id="rId3"/>
-    <p:sldLayoutId id="2147483652" r:id="rId4"/>
-    <p:sldLayoutId id="2147483653" r:id="rId5"/>
-    <p:sldLayoutId id="2147483654" r:id="rId6"/>
-    <p:sldLayoutId id="2147483655" r:id="rId7"/>
-    <p:sldLayoutId id="2147483656" r:id="rId8"/>
-    <p:sldLayoutId id="2147483657" r:id="rId9"/>
-    <p:sldLayoutId id="2147483658" r:id="rId10"/>
-    <p:sldLayoutId id="2147483659" r:id="rId11"/>
+    <p:sldLayoutId id="2147483661" r:id="rId1"/>
+    <p:sldLayoutId id="2147483662" r:id="rId2"/>
+    <p:sldLayoutId id="2147483663" r:id="rId3"/>
+    <p:sldLayoutId id="2147483664" r:id="rId4"/>
+    <p:sldLayoutId id="2147483665" r:id="rId5"/>
+    <p:sldLayoutId id="2147483666" r:id="rId6"/>
+    <p:sldLayoutId id="2147483667" r:id="rId7"/>
+    <p:sldLayoutId id="2147483668" r:id="rId8"/>
+    <p:sldLayoutId id="2147483669" r:id="rId9"/>
+    <p:sldLayoutId id="2147483670" r:id="rId10"/>
+    <p:sldLayoutId id="2147483671" r:id="rId11"/>
   </p:sldLayoutIdLst>
   <p:txStyles>
     <p:titleStyle>
@@ -3545,7 +3193,7 @@
           <p:cNvPr id="2" name="Title 1">
             <a:extLst>
               <a:ext uri="{FF2B5EF4-FFF2-40B4-BE49-F238E27FC236}">
-                <a16:creationId xmlns:a16="http://schemas.microsoft.com/office/drawing/2014/main" id="{34476D1E-C9B5-2B94-00C8-D44A009FB5CE}"/>
+                <a16:creationId xmlns:a16="http://schemas.microsoft.com/office/drawing/2014/main" id="{E48E5A12-B759-510B-536C-D55092479213}"/>
               </a:ext>
             </a:extLst>
           </p:cNvPr>
@@ -3563,7 +3211,7 @@
           <a:p>
             <a:r>
               <a:rPr lang="en-US" dirty="0"/>
-              <a:t>Quick Start</a:t>
+              <a:t>Key Features and Quick Start</a:t>
             </a:r>
           </a:p>
         </p:txBody>
@@ -3573,7 +3221,7 @@
           <p:cNvPr id="3" name="Content Placeholder 2">
             <a:extLst>
               <a:ext uri="{FF2B5EF4-FFF2-40B4-BE49-F238E27FC236}">
-                <a16:creationId xmlns:a16="http://schemas.microsoft.com/office/drawing/2014/main" id="{84A6B479-381F-7140-EE49-AEB3A2EB133F}"/>
+                <a16:creationId xmlns:a16="http://schemas.microsoft.com/office/drawing/2014/main" id="{F81433DE-5F21-CD87-DDA0-DBE37BD02C64}"/>
               </a:ext>
             </a:extLst>
           </p:cNvPr>
@@ -3584,12 +3232,40 @@
             <p:ph idx="1"/>
           </p:nvPr>
         </p:nvSpPr>
-        <p:spPr/>
-        <p:txBody>
-          <a:bodyPr/>
-          <a:lstStyle/>
-          <a:p>
-            <a:endParaRPr lang="en-US" dirty="0"/>
+        <p:spPr>
+          <a:xfrm>
+            <a:off x="838200" y="2602846"/>
+            <a:ext cx="5490411" cy="2878722"/>
+          </a:xfrm>
+        </p:spPr>
+        <p:txBody>
+          <a:bodyPr>
+            <a:normAutofit lnSpcReduction="10000"/>
+          </a:bodyPr>
+          <a:lstStyle/>
+          <a:p>
+            <a:r>
+              <a:rPr lang="en-US" dirty="0"/>
+              <a:t>Supports base64 / URL image input</a:t>
+            </a:r>
+          </a:p>
+          <a:p>
+            <a:r>
+              <a:rPr lang="en-US" dirty="0"/>
+              <a:t>Supports multiple image inputs</a:t>
+            </a:r>
+          </a:p>
+          <a:p>
+            <a:r>
+              <a:rPr lang="en-US" dirty="0"/>
+              <a:t>Detail level control: “low”, “high”, “auto”</a:t>
+            </a:r>
+          </a:p>
+          <a:p>
+            <a:r>
+              <a:rPr lang="en-US" dirty="0"/>
+              <a:t>Answers general questions about what is present in images</a:t>
+            </a:r>
           </a:p>
         </p:txBody>
       </p:sp>
@@ -3615,8 +3291,8 @@
         </p:blipFill>
         <p:spPr>
           <a:xfrm>
-            <a:off x="5448024" y="228600"/>
-            <a:ext cx="6464300" cy="6400800"/>
+            <a:off x="6966284" y="1455016"/>
+            <a:ext cx="5225716" cy="5174383"/>
           </a:xfrm>
           <a:prstGeom prst="rect">
             <a:avLst/>
@@ -3626,7 +3302,7 @@
     </p:spTree>
     <p:extLst>
       <p:ext uri="{BB962C8B-B14F-4D97-AF65-F5344CB8AC3E}">
-        <p14:creationId xmlns:p14="http://schemas.microsoft.com/office/powerpoint/2010/main" val="1709528874"/>
+        <p14:creationId xmlns:p14="http://schemas.microsoft.com/office/powerpoint/2010/main" val="1177961139"/>
       </p:ext>
     </p:extLst>
   </p:cSld>
@@ -3658,7 +3334,7 @@
           <p:cNvPr id="2" name="Title 1">
             <a:extLst>
               <a:ext uri="{FF2B5EF4-FFF2-40B4-BE49-F238E27FC236}">
-                <a16:creationId xmlns:a16="http://schemas.microsoft.com/office/drawing/2014/main" id="{B2FB21EF-8DB3-FC50-F229-4135A2BD1D24}"/>
+                <a16:creationId xmlns:a16="http://schemas.microsoft.com/office/drawing/2014/main" id="{F81A679D-E83C-343A-7735-2D885B1E7A15}"/>
               </a:ext>
             </a:extLst>
           </p:cNvPr>
@@ -3676,88 +3352,171 @@
           <a:p>
             <a:r>
               <a:rPr lang="en-US" dirty="0"/>
-              <a:t>Image Input and Processing</a:t>
-            </a:r>
-          </a:p>
-        </p:txBody>
-      </p:sp>
-      <p:sp>
-        <p:nvSpPr>
-          <p:cNvPr id="3" name="Content Placeholder 2">
-            <a:extLst>
-              <a:ext uri="{FF2B5EF4-FFF2-40B4-BE49-F238E27FC236}">
-                <a16:creationId xmlns:a16="http://schemas.microsoft.com/office/drawing/2014/main" id="{2D06F539-6788-62F5-21E5-927B927FB44E}"/>
-              </a:ext>
-            </a:extLst>
-          </p:cNvPr>
-          <p:cNvSpPr>
-            <a:spLocks noGrp="1"/>
-          </p:cNvSpPr>
-          <p:nvPr>
-            <p:ph idx="1"/>
-          </p:nvPr>
-        </p:nvSpPr>
-        <p:spPr/>
-        <p:txBody>
-          <a:bodyPr/>
-          <a:lstStyle/>
-          <a:p>
-            <a:r>
-              <a:rPr lang="en-US" dirty="0"/>
-              <a:t>Base64 or URL input</a:t>
-            </a:r>
-          </a:p>
-          <a:p>
-            <a:r>
-              <a:rPr lang="en-US" dirty="0"/>
-              <a:t>Multiple image inputs</a:t>
-            </a:r>
-          </a:p>
-          <a:p>
-            <a:r>
-              <a:rPr lang="en-US" dirty="0"/>
-              <a:t>Image fidelity</a:t>
-            </a:r>
-          </a:p>
-          <a:p>
-            <a:endParaRPr lang="en-US" dirty="0"/>
-          </a:p>
-        </p:txBody>
-      </p:sp>
-      <p:pic>
-        <p:nvPicPr>
-          <p:cNvPr id="4" name="Picture 3">
-            <a:extLst>
-              <a:ext uri="{FF2B5EF4-FFF2-40B4-BE49-F238E27FC236}">
-                <a16:creationId xmlns:a16="http://schemas.microsoft.com/office/drawing/2014/main" id="{112E0CF5-DDD8-FB88-89BC-B0BF43245D87}"/>
-              </a:ext>
-            </a:extLst>
-          </p:cNvPr>
-          <p:cNvPicPr>
-            <a:picLocks noChangeAspect="1"/>
-          </p:cNvPicPr>
-          <p:nvPr/>
-        </p:nvPicPr>
-        <p:blipFill>
-          <a:blip r:embed="rId2"/>
-          <a:stretch>
-            <a:fillRect/>
-          </a:stretch>
-        </p:blipFill>
-        <p:spPr>
-          <a:xfrm>
-            <a:off x="4419600" y="3217634"/>
-            <a:ext cx="7772400" cy="3275241"/>
-          </a:xfrm>
-          <a:prstGeom prst="rect">
-            <a:avLst/>
-          </a:prstGeom>
-        </p:spPr>
-      </p:pic>
+              <a:t>Image Costs</a:t>
+            </a:r>
+          </a:p>
+        </p:txBody>
+      </p:sp>
+      <mc:AlternateContent xmlns:mc="http://schemas.openxmlformats.org/markup-compatibility/2006">
+        <mc:Choice xmlns:a14="http://schemas.microsoft.com/office/drawing/2010/main" Requires="a14">
+          <p:sp>
+            <p:nvSpPr>
+              <p:cNvPr id="3" name="Content Placeholder 2">
+                <a:extLst>
+                  <a:ext uri="{FF2B5EF4-FFF2-40B4-BE49-F238E27FC236}">
+                    <a16:creationId xmlns:a16="http://schemas.microsoft.com/office/drawing/2014/main" id="{965543DB-FC55-26BF-0C51-7952B6A6D181}"/>
+                  </a:ext>
+                </a:extLst>
+              </p:cNvPr>
+              <p:cNvSpPr>
+                <a:spLocks noGrp="1"/>
+              </p:cNvSpPr>
+              <p:nvPr>
+                <p:ph idx="1"/>
+              </p:nvPr>
+            </p:nvSpPr>
+            <p:spPr/>
+            <p:txBody>
+              <a:bodyPr/>
+              <a:lstStyle/>
+              <a:p>
+                <a:r>
+                  <a:rPr lang="en-US" dirty="0"/>
+                  <a:t>Image inputs are charged in tokens</a:t>
+                </a:r>
+              </a:p>
+              <a:p>
+                <a:r>
+                  <a:rPr lang="en-US" dirty="0"/>
+                  <a:t>Cost </a:t>
+                </a:r>
+                <a14:m>
+                  <m:oMath xmlns:m="http://schemas.openxmlformats.org/officeDocument/2006/math">
+                    <m:r>
+                      <a:rPr lang="en-US" i="1" smtClean="0">
+                        <a:latin typeface="Cambria Math" panose="02040503050406030204" pitchFamily="18" charset="0"/>
+                        <a:ea typeface="Cambria Math" panose="02040503050406030204" pitchFamily="18" charset="0"/>
+                      </a:rPr>
+                      <m:t>∝</m:t>
+                    </m:r>
+                  </m:oMath>
+                </a14:m>
+                <a:r>
+                  <a:rPr lang="en-US" dirty="0"/>
+                  <a:t> detail and size</a:t>
+                </a:r>
+              </a:p>
+              <a:p>
+                <a:pPr lvl="1"/>
+                <a:r>
+                  <a:rPr lang="en-US" dirty="0"/>
+                  <a:t>“low”: 85 tokens</a:t>
+                </a:r>
+              </a:p>
+              <a:p>
+                <a:pPr lvl="1"/>
+                <a:r>
+                  <a:rPr lang="en-US" dirty="0"/>
+                  <a:t>“high”: (85 + 170 * # of 512px squares in upscaled image) tokens</a:t>
+                </a:r>
+              </a:p>
+              <a:p>
+                <a:r>
+                  <a:rPr lang="en-US" dirty="0"/>
+                  <a:t>Example: 1024 x 1024 square image, detail: “high”</a:t>
+                </a:r>
+              </a:p>
+              <a:p>
+                <a:pPr lvl="1"/>
+                <a:r>
+                  <a:rPr lang="en-US" dirty="0"/>
+                  <a:t>No resize</a:t>
+                </a:r>
+              </a:p>
+              <a:p>
+                <a:pPr lvl="1"/>
+                <a:r>
+                  <a:rPr lang="en-US" dirty="0"/>
+                  <a:t>Shortest size == 1024 </a:t>
+                </a:r>
+                <a:r>
+                  <a:rPr lang="en-US" dirty="0" err="1"/>
+                  <a:t>px</a:t>
+                </a:r>
+                <a:r>
+                  <a:rPr lang="en-US" dirty="0"/>
+                  <a:t>, image scaled down to 768 x 768</a:t>
+                </a:r>
+              </a:p>
+              <a:p>
+                <a:pPr lvl="1"/>
+                <a:r>
+                  <a:rPr lang="en-US" dirty="0"/>
+                  <a:t>Comprised by 4 512 </a:t>
+                </a:r>
+                <a:r>
+                  <a:rPr lang="en-US" dirty="0" err="1"/>
+                  <a:t>px</a:t>
+                </a:r>
+                <a:r>
+                  <a:rPr lang="en-US" dirty="0"/>
+                  <a:t> squares</a:t>
+                </a:r>
+              </a:p>
+              <a:p>
+                <a:pPr lvl="1"/>
+                <a:r>
+                  <a:rPr lang="en-US" dirty="0"/>
+                  <a:t>Cost = 170 * 4 + 85 = 765 tokens</a:t>
+                </a:r>
+              </a:p>
+            </p:txBody>
+          </p:sp>
+        </mc:Choice>
+        <mc:Fallback>
+          <p:sp>
+            <p:nvSpPr>
+              <p:cNvPr id="3" name="Content Placeholder 2">
+                <a:extLst>
+                  <a:ext uri="{FF2B5EF4-FFF2-40B4-BE49-F238E27FC236}">
+                    <a16:creationId xmlns:a16="http://schemas.microsoft.com/office/drawing/2014/main" id="{965543DB-FC55-26BF-0C51-7952B6A6D181}"/>
+                  </a:ext>
+                </a:extLst>
+              </p:cNvPr>
+              <p:cNvSpPr>
+                <a:spLocks noGrp="1" noRot="1" noChangeAspect="1" noMove="1" noResize="1" noEditPoints="1" noAdjustHandles="1" noChangeArrowheads="1" noChangeShapeType="1" noTextEdit="1"/>
+              </p:cNvSpPr>
+              <p:nvPr>
+                <p:ph idx="1"/>
+              </p:nvPr>
+            </p:nvSpPr>
+            <p:spPr>
+              <a:blipFill>
+                <a:blip r:embed="rId2"/>
+                <a:stretch>
+                  <a:fillRect l="-1043" t="-2381"/>
+                </a:stretch>
+              </a:blipFill>
+            </p:spPr>
+            <p:txBody>
+              <a:bodyPr/>
+              <a:lstStyle/>
+              <a:p>
+                <a:r>
+                  <a:rPr lang="en-US">
+                    <a:noFill/>
+                  </a:rPr>
+                  <a:t> </a:t>
+                </a:r>
+              </a:p>
+            </p:txBody>
+          </p:sp>
+        </mc:Fallback>
+      </mc:AlternateContent>
     </p:spTree>
     <p:extLst>
       <p:ext uri="{BB962C8B-B14F-4D97-AF65-F5344CB8AC3E}">
-        <p14:creationId xmlns:p14="http://schemas.microsoft.com/office/powerpoint/2010/main" val="4234216007"/>
+        <p14:creationId xmlns:p14="http://schemas.microsoft.com/office/powerpoint/2010/main" val="1866797766"/>
       </p:ext>
     </p:extLst>
   </p:cSld>
@@ -3828,10 +3587,15 @@
             <p:ph idx="1"/>
           </p:nvPr>
         </p:nvSpPr>
-        <p:spPr/>
+        <p:spPr>
+          <a:xfrm>
+            <a:off x="838200" y="1825625"/>
+            <a:ext cx="5550568" cy="4351338"/>
+          </a:xfrm>
+        </p:spPr>
         <p:txBody>
           <a:bodyPr>
-            <a:normAutofit fontScale="70000" lnSpcReduction="20000"/>
+            <a:normAutofit/>
           </a:bodyPr>
           <a:lstStyle/>
           <a:p>
@@ -3843,6 +3607,53 @@
           <a:p>
             <a:r>
               <a:rPr lang="en-US" dirty="0"/>
+              <a:t>Cannot generate images</a:t>
+            </a:r>
+          </a:p>
+          <a:p>
+            <a:r>
+              <a:rPr lang="en-US" dirty="0"/>
+              <a:t>Cannot fine tune images</a:t>
+            </a:r>
+          </a:p>
+          <a:p>
+            <a:r>
+              <a:rPr lang="en-US" dirty="0"/>
+              <a:t>Cannot understand metadata</a:t>
+            </a:r>
+          </a:p>
+        </p:txBody>
+      </p:sp>
+      <p:sp>
+        <p:nvSpPr>
+          <p:cNvPr id="5" name="TextBox 4">
+            <a:extLst>
+              <a:ext uri="{FF2B5EF4-FFF2-40B4-BE49-F238E27FC236}">
+                <a16:creationId xmlns:a16="http://schemas.microsoft.com/office/drawing/2014/main" id="{E0358381-643E-3C96-EB95-B08431CDE838}"/>
+              </a:ext>
+            </a:extLst>
+          </p:cNvPr>
+          <p:cNvSpPr txBox="1"/>
+          <p:nvPr/>
+        </p:nvSpPr>
+        <p:spPr>
+          <a:xfrm>
+            <a:off x="8605586" y="1690688"/>
+            <a:ext cx="2872540" cy="3139321"/>
+          </a:xfrm>
+          <a:prstGeom prst="rect">
+            <a:avLst/>
+          </a:prstGeom>
+          <a:noFill/>
+        </p:spPr>
+        <p:txBody>
+          <a:bodyPr wrap="square">
+            <a:spAutoFit/>
+          </a:bodyPr>
+          <a:lstStyle/>
+          <a:p>
+            <a:r>
+              <a:rPr lang="en-US" dirty="0"/>
               <a:t>Medical images</a:t>
             </a:r>
           </a:p>
@@ -3866,24 +3677,15 @@
           </a:p>
           <a:p>
             <a:r>
-              <a:rPr lang="en-US" dirty="0" err="1"/>
-              <a:t>Visujal</a:t>
-            </a:r>
-            <a:r>
-              <a:rPr lang="en-US" dirty="0"/>
-              <a:t> Elements</a:t>
-            </a:r>
-          </a:p>
-          <a:p>
-            <a:r>
-              <a:rPr lang="en-US" dirty="0"/>
-              <a:t>Spatial </a:t>
-            </a:r>
-            <a:r>
-              <a:rPr lang="en-US" dirty="0" err="1"/>
-              <a:t>Resaoning</a:t>
-            </a:r>
-            <a:endParaRPr lang="en-US" dirty="0"/>
+              <a:rPr lang="en-US" dirty="0"/>
+              <a:t>Visual Elements</a:t>
+            </a:r>
+          </a:p>
+          <a:p>
+            <a:r>
+              <a:rPr lang="en-US" dirty="0"/>
+              <a:t>Spatial Reasoning</a:t>
+            </a:r>
           </a:p>
           <a:p>
             <a:r>
@@ -3893,23 +3695,14 @@
           </a:p>
           <a:p>
             <a:r>
-              <a:rPr lang="en-US" dirty="0" err="1"/>
-              <a:t>Imageshape</a:t>
-            </a:r>
-            <a:endParaRPr lang="en-US" dirty="0"/>
-          </a:p>
-          <a:p>
-            <a:r>
-              <a:rPr lang="en-US" dirty="0"/>
-              <a:t>Metadata </a:t>
-            </a:r>
-            <a:r>
-              <a:rPr lang="en-US" dirty="0" err="1"/>
-              <a:t>nd</a:t>
-            </a:r>
-            <a:r>
-              <a:rPr lang="en-US" dirty="0"/>
-              <a:t> resizing</a:t>
+              <a:rPr lang="en-US" dirty="0"/>
+              <a:t>Image shape</a:t>
+            </a:r>
+          </a:p>
+          <a:p>
+            <a:r>
+              <a:rPr lang="en-US" dirty="0"/>
+              <a:t>Metadata and resizing</a:t>
             </a:r>
           </a:p>
           <a:p>
@@ -3961,7 +3754,7 @@
           <p:cNvPr id="2" name="Title 1">
             <a:extLst>
               <a:ext uri="{FF2B5EF4-FFF2-40B4-BE49-F238E27FC236}">
-                <a16:creationId xmlns:a16="http://schemas.microsoft.com/office/drawing/2014/main" id="{F81A679D-E83C-343A-7735-2D885B1E7A15}"/>
+                <a16:creationId xmlns:a16="http://schemas.microsoft.com/office/drawing/2014/main" id="{B51E7674-909E-3AA4-871D-F4D2ADC294CD}"/>
               </a:ext>
             </a:extLst>
           </p:cNvPr>
@@ -3969,7 +3762,7 @@
             <a:spLocks noGrp="1"/>
           </p:cNvSpPr>
           <p:nvPr>
-            <p:ph type="title"/>
+            <p:ph type="ctrTitle"/>
           </p:nvPr>
         </p:nvSpPr>
         <p:spPr/>
@@ -3979,40 +3772,15 @@
           <a:p>
             <a:r>
               <a:rPr lang="en-US" dirty="0"/>
-              <a:t>Image Costs</a:t>
-            </a:r>
-          </a:p>
-        </p:txBody>
-      </p:sp>
-      <p:sp>
-        <p:nvSpPr>
-          <p:cNvPr id="3" name="Content Placeholder 2">
-            <a:extLst>
-              <a:ext uri="{FF2B5EF4-FFF2-40B4-BE49-F238E27FC236}">
-                <a16:creationId xmlns:a16="http://schemas.microsoft.com/office/drawing/2014/main" id="{965543DB-FC55-26BF-0C51-7952B6A6D181}"/>
-              </a:ext>
-            </a:extLst>
-          </p:cNvPr>
-          <p:cNvSpPr>
-            <a:spLocks noGrp="1"/>
-          </p:cNvSpPr>
-          <p:nvPr>
-            <p:ph idx="1"/>
-          </p:nvPr>
-        </p:nvSpPr>
-        <p:spPr/>
-        <p:txBody>
-          <a:bodyPr/>
-          <a:lstStyle/>
-          <a:p>
-            <a:endParaRPr lang="en-US"/>
+              <a:t>Text-to-Speech</a:t>
+            </a:r>
           </a:p>
         </p:txBody>
       </p:sp>
     </p:spTree>
     <p:extLst>
       <p:ext uri="{BB962C8B-B14F-4D97-AF65-F5344CB8AC3E}">
-        <p14:creationId xmlns:p14="http://schemas.microsoft.com/office/powerpoint/2010/main" val="1866797766"/>
+        <p14:creationId xmlns:p14="http://schemas.microsoft.com/office/powerpoint/2010/main" val="2520561673"/>
       </p:ext>
     </p:extLst>
   </p:cSld>
@@ -4044,7 +3812,7 @@
           <p:cNvPr id="2" name="Title 1">
             <a:extLst>
               <a:ext uri="{FF2B5EF4-FFF2-40B4-BE49-F238E27FC236}">
-                <a16:creationId xmlns:a16="http://schemas.microsoft.com/office/drawing/2014/main" id="{B51E7674-909E-3AA4-871D-F4D2ADC294CD}"/>
+                <a16:creationId xmlns:a16="http://schemas.microsoft.com/office/drawing/2014/main" id="{D04BAFE7-7978-3621-C642-502D83473BB5}"/>
               </a:ext>
             </a:extLst>
           </p:cNvPr>
@@ -4052,7 +3820,7 @@
             <a:spLocks noGrp="1"/>
           </p:cNvSpPr>
           <p:nvPr>
-            <p:ph type="ctrTitle"/>
+            <p:ph type="title"/>
           </p:nvPr>
         </p:nvSpPr>
         <p:spPr/>
@@ -4062,17 +3830,17 @@
           <a:p>
             <a:r>
               <a:rPr lang="en-US" dirty="0"/>
-              <a:t>Text-to-Speech</a:t>
-            </a:r>
-          </a:p>
-        </p:txBody>
-      </p:sp>
-      <p:sp>
-        <p:nvSpPr>
-          <p:cNvPr id="4" name="Subtitle 3">
+              <a:t>Introduction	</a:t>
+            </a:r>
+          </a:p>
+        </p:txBody>
+      </p:sp>
+      <p:sp>
+        <p:nvSpPr>
+          <p:cNvPr id="3" name="Content Placeholder 2">
             <a:extLst>
               <a:ext uri="{FF2B5EF4-FFF2-40B4-BE49-F238E27FC236}">
-                <a16:creationId xmlns:a16="http://schemas.microsoft.com/office/drawing/2014/main" id="{C3F8C0C9-AACF-2820-4485-7D45E1CE8A30}"/>
+                <a16:creationId xmlns:a16="http://schemas.microsoft.com/office/drawing/2014/main" id="{368BF371-BEE9-2BAB-FC3B-C21DBB537AAC}"/>
               </a:ext>
             </a:extLst>
           </p:cNvPr>
@@ -4080,22 +3848,84 @@
             <a:spLocks noGrp="1"/>
           </p:cNvSpPr>
           <p:nvPr>
-            <p:ph type="subTitle" idx="1"/>
+            <p:ph idx="1"/>
           </p:nvPr>
         </p:nvSpPr>
         <p:spPr/>
         <p:txBody>
-          <a:bodyPr/>
-          <a:lstStyle/>
-          <a:p>
-            <a:endParaRPr lang="en-US" dirty="0"/>
+          <a:bodyPr>
+            <a:normAutofit lnSpcReduction="10000"/>
+          </a:bodyPr>
+          <a:lstStyle/>
+          <a:p>
+            <a:r>
+              <a:rPr lang="en-US" dirty="0"/>
+              <a:t>Audio API speech endpoint: v1/audio/speech</a:t>
+            </a:r>
+          </a:p>
+          <a:p>
+            <a:pPr lvl="1"/>
+            <a:r>
+              <a:rPr lang="en-US" dirty="0"/>
+              <a:t>Requires: model, input, voice</a:t>
+            </a:r>
+          </a:p>
+          <a:p>
+            <a:pPr lvl="1"/>
+            <a:r>
+              <a:rPr lang="en-US" dirty="0"/>
+              <a:t>Optional: speed, </a:t>
+            </a:r>
+            <a:r>
+              <a:rPr lang="en-US" dirty="0" err="1"/>
+              <a:t>response_format</a:t>
+            </a:r>
+            <a:endParaRPr lang="en-US" dirty="0"/>
+          </a:p>
+          <a:p>
+            <a:pPr lvl="1"/>
+            <a:r>
+              <a:rPr lang="en-US" dirty="0"/>
+              <a:t>Returns: audio file content</a:t>
+            </a:r>
+          </a:p>
+          <a:p>
+            <a:r>
+              <a:rPr lang="en-US" dirty="0"/>
+              <a:t>Models: TTS-1, TTS-1-HD</a:t>
+            </a:r>
+          </a:p>
+          <a:p>
+            <a:pPr lvl="1"/>
+            <a:r>
+              <a:rPr lang="en-US" dirty="0"/>
+              <a:t>Controls audio quality</a:t>
+            </a:r>
+          </a:p>
+          <a:p>
+            <a:r>
+              <a:rPr lang="en-US" dirty="0"/>
+              <a:t>Use cases: Narration, audio in multiple languages, streaming real-time audio output</a:t>
+            </a:r>
+          </a:p>
+          <a:p>
+            <a:r>
+              <a:rPr lang="en-US" dirty="0"/>
+              <a:t>Output files include: mp3, opus, aac, flac, pcm, wav</a:t>
+            </a:r>
+          </a:p>
+          <a:p>
+            <a:r>
+              <a:rPr lang="en-US" dirty="0"/>
+              <a:t>*AI-generated voice disclosure required*</a:t>
+            </a:r>
           </a:p>
         </p:txBody>
       </p:sp>
     </p:spTree>
     <p:extLst>
       <p:ext uri="{BB962C8B-B14F-4D97-AF65-F5344CB8AC3E}">
-        <p14:creationId xmlns:p14="http://schemas.microsoft.com/office/powerpoint/2010/main" val="2520561673"/>
+        <p14:creationId xmlns:p14="http://schemas.microsoft.com/office/powerpoint/2010/main" val="1821555201"/>
       </p:ext>
     </p:extLst>
   </p:cSld>
@@ -4127,7 +3957,7 @@
           <p:cNvPr id="2" name="Title 1">
             <a:extLst>
               <a:ext uri="{FF2B5EF4-FFF2-40B4-BE49-F238E27FC236}">
-                <a16:creationId xmlns:a16="http://schemas.microsoft.com/office/drawing/2014/main" id="{D04BAFE7-7978-3621-C642-502D83473BB5}"/>
+                <a16:creationId xmlns:a16="http://schemas.microsoft.com/office/drawing/2014/main" id="{DCC40B1C-9288-A9A0-984D-A2D099ED4DD6}"/>
               </a:ext>
             </a:extLst>
           </p:cNvPr>
@@ -4145,64 +3975,45 @@
           <a:p>
             <a:r>
               <a:rPr lang="en-US" dirty="0"/>
-              <a:t>Introduction	</a:t>
-            </a:r>
-          </a:p>
-        </p:txBody>
-      </p:sp>
-      <p:sp>
-        <p:nvSpPr>
-          <p:cNvPr id="3" name="Content Placeholder 2">
+              <a:t>Quick Start</a:t>
+            </a:r>
+          </a:p>
+        </p:txBody>
+      </p:sp>
+      <p:pic>
+        <p:nvPicPr>
+          <p:cNvPr id="4" name="Picture 3">
             <a:extLst>
               <a:ext uri="{FF2B5EF4-FFF2-40B4-BE49-F238E27FC236}">
-                <a16:creationId xmlns:a16="http://schemas.microsoft.com/office/drawing/2014/main" id="{368BF371-BEE9-2BAB-FC3B-C21DBB537AAC}"/>
+                <a16:creationId xmlns:a16="http://schemas.microsoft.com/office/drawing/2014/main" id="{F44D77E3-5F8F-8052-2619-4D6889250768}"/>
               </a:ext>
             </a:extLst>
           </p:cNvPr>
-          <p:cNvSpPr>
-            <a:spLocks noGrp="1"/>
-          </p:cNvSpPr>
-          <p:nvPr>
-            <p:ph idx="1"/>
-          </p:nvPr>
-        </p:nvSpPr>
-        <p:spPr/>
-        <p:txBody>
-          <a:bodyPr/>
-          <a:lstStyle/>
-          <a:p>
-            <a:r>
-              <a:rPr lang="en-US" dirty="0"/>
-              <a:t>Audio API speech endpoint: v1/audio/speech</a:t>
-            </a:r>
-          </a:p>
-          <a:p>
-            <a:r>
-              <a:rPr lang="en-US" dirty="0"/>
-              <a:t>Models: TTS-1, TTS-1-HD</a:t>
-            </a:r>
-          </a:p>
-          <a:p>
-            <a:r>
-              <a:rPr lang="en-US" dirty="0"/>
-              <a:t>Use cases: Narration, audio in multiple languages, streaming real-time audio output</a:t>
-            </a:r>
-          </a:p>
-          <a:p>
-            <a:r>
-              <a:rPr lang="en-US" dirty="0"/>
-              <a:t>Output files include: mp3, opus, aac, flac, pcm, wav</a:t>
-            </a:r>
-          </a:p>
-          <a:p>
-            <a:endParaRPr lang="en-US" dirty="0"/>
-          </a:p>
-        </p:txBody>
-      </p:sp>
+          <p:cNvPicPr>
+            <a:picLocks noChangeAspect="1"/>
+          </p:cNvPicPr>
+          <p:nvPr/>
+        </p:nvPicPr>
+        <p:blipFill>
+          <a:blip r:embed="rId2"/>
+          <a:stretch>
+            <a:fillRect/>
+          </a:stretch>
+        </p:blipFill>
+        <p:spPr>
+          <a:xfrm>
+            <a:off x="1000991" y="1994837"/>
+            <a:ext cx="10190018" cy="3539690"/>
+          </a:xfrm>
+          <a:prstGeom prst="rect">
+            <a:avLst/>
+          </a:prstGeom>
+        </p:spPr>
+      </p:pic>
     </p:spTree>
     <p:extLst>
       <p:ext uri="{BB962C8B-B14F-4D97-AF65-F5344CB8AC3E}">
-        <p14:creationId xmlns:p14="http://schemas.microsoft.com/office/powerpoint/2010/main" val="1821555201"/>
+        <p14:creationId xmlns:p14="http://schemas.microsoft.com/office/powerpoint/2010/main" val="684924689"/>
       </p:ext>
     </p:extLst>
   </p:cSld>
@@ -4234,7 +4045,7 @@
           <p:cNvPr id="2" name="Title 1">
             <a:extLst>
               <a:ext uri="{FF2B5EF4-FFF2-40B4-BE49-F238E27FC236}">
-                <a16:creationId xmlns:a16="http://schemas.microsoft.com/office/drawing/2014/main" id="{DCC40B1C-9288-A9A0-984D-A2D099ED4DD6}"/>
+                <a16:creationId xmlns:a16="http://schemas.microsoft.com/office/drawing/2014/main" id="{648D2B4C-AF4A-029A-6A14-BB9464E67844}"/>
               </a:ext>
             </a:extLst>
           </p:cNvPr>
@@ -4252,7 +4063,7 @@
           <a:p>
             <a:r>
               <a:rPr lang="en-US" dirty="0"/>
-              <a:t>Quick Start</a:t>
+              <a:t>Voice options</a:t>
             </a:r>
           </a:p>
         </p:txBody>
@@ -4262,7 +4073,7 @@
           <p:cNvPr id="3" name="Content Placeholder 2">
             <a:extLst>
               <a:ext uri="{FF2B5EF4-FFF2-40B4-BE49-F238E27FC236}">
-                <a16:creationId xmlns:a16="http://schemas.microsoft.com/office/drawing/2014/main" id="{E9DCA710-8E38-99DB-9510-9DF7DF308DEF}"/>
+                <a16:creationId xmlns:a16="http://schemas.microsoft.com/office/drawing/2014/main" id="{5B6D5EE9-ADC2-0A6F-193E-50F4B7A7D563}"/>
               </a:ext>
             </a:extLst>
           </p:cNvPr>
@@ -4273,49 +4084,93 @@
             <p:ph idx="1"/>
           </p:nvPr>
         </p:nvSpPr>
-        <p:spPr/>
-        <p:txBody>
-          <a:bodyPr/>
-          <a:lstStyle/>
-          <a:p>
-            <a:endParaRPr lang="en-US" dirty="0"/>
-          </a:p>
-        </p:txBody>
-      </p:sp>
-      <p:pic>
-        <p:nvPicPr>
-          <p:cNvPr id="4" name="Picture 3">
-            <a:extLst>
-              <a:ext uri="{FF2B5EF4-FFF2-40B4-BE49-F238E27FC236}">
-                <a16:creationId xmlns:a16="http://schemas.microsoft.com/office/drawing/2014/main" id="{F44D77E3-5F8F-8052-2619-4D6889250768}"/>
-              </a:ext>
-            </a:extLst>
-          </p:cNvPr>
-          <p:cNvPicPr>
-            <a:picLocks noChangeAspect="1"/>
-          </p:cNvPicPr>
-          <p:nvPr/>
-        </p:nvPicPr>
-        <p:blipFill>
-          <a:blip r:embed="rId2"/>
-          <a:stretch>
-            <a:fillRect/>
-          </a:stretch>
-        </p:blipFill>
         <p:spPr>
           <a:xfrm>
-            <a:off x="2209800" y="2079057"/>
-            <a:ext cx="7772400" cy="2699886"/>
+            <a:off x="1004637" y="1696955"/>
+            <a:ext cx="10182726" cy="4351338"/>
           </a:xfrm>
-          <a:prstGeom prst="rect">
-            <a:avLst/>
-          </a:prstGeom>
         </p:spPr>
-      </p:pic>
+        <p:txBody>
+          <a:bodyPr/>
+          <a:lstStyle/>
+          <a:p>
+            <a:pPr marL="0" indent="0">
+              <a:buNone/>
+            </a:pPr>
+            <a:r>
+              <a:rPr lang="en-US" dirty="0">
+                <a:hlinkClick r:id="rId2"/>
+              </a:rPr>
+              <a:t>https://platform.openai.com/docs/guides/text-to-speech/</a:t>
+            </a:r>
+            <a:endParaRPr lang="en-US" dirty="0"/>
+          </a:p>
+          <a:p>
+            <a:pPr marL="0" indent="0">
+              <a:buNone/>
+            </a:pPr>
+            <a:endParaRPr lang="en-US" dirty="0"/>
+          </a:p>
+          <a:p>
+            <a:pPr marL="0" indent="0">
+              <a:buNone/>
+            </a:pPr>
+            <a:r>
+              <a:rPr lang="en-US" dirty="0"/>
+              <a:t>Alloy</a:t>
+            </a:r>
+          </a:p>
+          <a:p>
+            <a:pPr marL="0" indent="0">
+              <a:buNone/>
+            </a:pPr>
+            <a:r>
+              <a:rPr lang="en-US" dirty="0"/>
+              <a:t>Echo</a:t>
+            </a:r>
+          </a:p>
+          <a:p>
+            <a:pPr marL="0" indent="0">
+              <a:buNone/>
+            </a:pPr>
+            <a:r>
+              <a:rPr lang="en-US" dirty="0"/>
+              <a:t>Fable</a:t>
+            </a:r>
+          </a:p>
+          <a:p>
+            <a:pPr marL="0" indent="0">
+              <a:buNone/>
+            </a:pPr>
+            <a:r>
+              <a:rPr lang="en-US" dirty="0"/>
+              <a:t>Onyx</a:t>
+            </a:r>
+          </a:p>
+          <a:p>
+            <a:pPr marL="0" indent="0">
+              <a:buNone/>
+            </a:pPr>
+            <a:r>
+              <a:rPr lang="en-US" dirty="0"/>
+              <a:t>Nova</a:t>
+            </a:r>
+          </a:p>
+          <a:p>
+            <a:pPr marL="0" indent="0">
+              <a:buNone/>
+            </a:pPr>
+            <a:r>
+              <a:rPr lang="en-US" dirty="0"/>
+              <a:t>Shimmer</a:t>
+            </a:r>
+          </a:p>
+        </p:txBody>
+      </p:sp>
     </p:spTree>
     <p:extLst>
       <p:ext uri="{BB962C8B-B14F-4D97-AF65-F5344CB8AC3E}">
-        <p14:creationId xmlns:p14="http://schemas.microsoft.com/office/powerpoint/2010/main" val="684924689"/>
+        <p14:creationId xmlns:p14="http://schemas.microsoft.com/office/powerpoint/2010/main" val="4034449979"/>
       </p:ext>
     </p:extLst>
   </p:cSld>
@@ -4347,7 +4202,7 @@
           <p:cNvPr id="2" name="Title 1">
             <a:extLst>
               <a:ext uri="{FF2B5EF4-FFF2-40B4-BE49-F238E27FC236}">
-                <a16:creationId xmlns:a16="http://schemas.microsoft.com/office/drawing/2014/main" id="{648D2B4C-AF4A-029A-6A14-BB9464E67844}"/>
+                <a16:creationId xmlns:a16="http://schemas.microsoft.com/office/drawing/2014/main" id="{DE9B42A9-C991-F063-E2E9-68FD469E6034}"/>
               </a:ext>
             </a:extLst>
           </p:cNvPr>
@@ -4365,46 +4220,76 @@
           <a:p>
             <a:r>
               <a:rPr lang="en-US" dirty="0"/>
-              <a:t>Voice options</a:t>
-            </a:r>
-          </a:p>
-        </p:txBody>
-      </p:sp>
-      <p:sp>
-        <p:nvSpPr>
-          <p:cNvPr id="3" name="Content Placeholder 2">
+              <a:t>Use Case: Real-Time Audio Streaming</a:t>
+            </a:r>
+          </a:p>
+        </p:txBody>
+      </p:sp>
+      <p:pic>
+        <p:nvPicPr>
+          <p:cNvPr id="4" name="Content Placeholder 3">
             <a:extLst>
               <a:ext uri="{FF2B5EF4-FFF2-40B4-BE49-F238E27FC236}">
-                <a16:creationId xmlns:a16="http://schemas.microsoft.com/office/drawing/2014/main" id="{5B6D5EE9-ADC2-0A6F-193E-50F4B7A7D563}"/>
+                <a16:creationId xmlns:a16="http://schemas.microsoft.com/office/drawing/2014/main" id="{D45FC245-4F10-5ACF-01E4-39AB1486E672}"/>
               </a:ext>
             </a:extLst>
           </p:cNvPr>
-          <p:cNvSpPr>
-            <a:spLocks noGrp="1"/>
-          </p:cNvSpPr>
+          <p:cNvPicPr>
+            <a:picLocks noGrp="1" noChangeAspect="1"/>
+          </p:cNvPicPr>
           <p:nvPr>
             <p:ph idx="1"/>
           </p:nvPr>
-        </p:nvSpPr>
-        <p:spPr/>
-        <p:txBody>
-          <a:bodyPr/>
-          <a:lstStyle/>
-          <a:p>
-            <a:r>
-              <a:rPr lang="en-US" dirty="0">
-                <a:hlinkClick r:id="rId2"/>
-              </a:rPr>
-              <a:t>sss</a:t>
-            </a:r>
-            <a:endParaRPr lang="en-US"/>
-          </a:p>
-        </p:txBody>
-      </p:sp>
+        </p:nvPicPr>
+        <p:blipFill rotWithShape="1">
+          <a:blip r:embed="rId2"/>
+          <a:srcRect r="20675"/>
+          <a:stretch/>
+        </p:blipFill>
+        <p:spPr>
+          <a:xfrm>
+            <a:off x="89336" y="2339360"/>
+            <a:ext cx="6241696" cy="2981738"/>
+          </a:xfrm>
+          <a:prstGeom prst="rect">
+            <a:avLst/>
+          </a:prstGeom>
+        </p:spPr>
+      </p:pic>
+      <p:pic>
+        <p:nvPicPr>
+          <p:cNvPr id="5" name="Picture 4">
+            <a:extLst>
+              <a:ext uri="{FF2B5EF4-FFF2-40B4-BE49-F238E27FC236}">
+                <a16:creationId xmlns:a16="http://schemas.microsoft.com/office/drawing/2014/main" id="{B520932F-6934-22F3-F299-3921F7F66539}"/>
+              </a:ext>
+            </a:extLst>
+          </p:cNvPr>
+          <p:cNvPicPr>
+            <a:picLocks noChangeAspect="1"/>
+          </p:cNvPicPr>
+          <p:nvPr/>
+        </p:nvPicPr>
+        <p:blipFill>
+          <a:blip r:embed="rId3"/>
+          <a:stretch>
+            <a:fillRect/>
+          </a:stretch>
+        </p:blipFill>
+        <p:spPr>
+          <a:xfrm>
+            <a:off x="6460958" y="2339361"/>
+            <a:ext cx="5562595" cy="3001598"/>
+          </a:xfrm>
+          <a:prstGeom prst="rect">
+            <a:avLst/>
+          </a:prstGeom>
+        </p:spPr>
+      </p:pic>
     </p:spTree>
     <p:extLst>
       <p:ext uri="{BB962C8B-B14F-4D97-AF65-F5344CB8AC3E}">
-        <p14:creationId xmlns:p14="http://schemas.microsoft.com/office/powerpoint/2010/main" val="4034449979"/>
+        <p14:creationId xmlns:p14="http://schemas.microsoft.com/office/powerpoint/2010/main" val="3476292949"/>
       </p:ext>
     </p:extLst>
   </p:cSld>
@@ -4436,7 +4321,7 @@
           <p:cNvPr id="2" name="Title 1">
             <a:extLst>
               <a:ext uri="{FF2B5EF4-FFF2-40B4-BE49-F238E27FC236}">
-                <a16:creationId xmlns:a16="http://schemas.microsoft.com/office/drawing/2014/main" id="{DE9B42A9-C991-F063-E2E9-68FD469E6034}"/>
+                <a16:creationId xmlns:a16="http://schemas.microsoft.com/office/drawing/2014/main" id="{4F5BA3F4-BC09-898B-7D41-3727977DACC1}"/>
               </a:ext>
             </a:extLst>
           </p:cNvPr>
@@ -4444,7 +4329,7 @@
             <a:spLocks noGrp="1"/>
           </p:cNvSpPr>
           <p:nvPr>
-            <p:ph type="title"/>
+            <p:ph type="ctrTitle"/>
           </p:nvPr>
         </p:nvSpPr>
         <p:spPr/>
@@ -4454,47 +4339,15 @@
           <a:p>
             <a:r>
               <a:rPr lang="en-US" dirty="0"/>
-              <a:t>Use Case: Real-Time Audio Streaming</a:t>
-            </a:r>
-          </a:p>
-        </p:txBody>
-      </p:sp>
-      <p:pic>
-        <p:nvPicPr>
-          <p:cNvPr id="4" name="Content Placeholder 3">
-            <a:extLst>
-              <a:ext uri="{FF2B5EF4-FFF2-40B4-BE49-F238E27FC236}">
-                <a16:creationId xmlns:a16="http://schemas.microsoft.com/office/drawing/2014/main" id="{D45FC245-4F10-5ACF-01E4-39AB1486E672}"/>
-              </a:ext>
-            </a:extLst>
-          </p:cNvPr>
-          <p:cNvPicPr>
-            <a:picLocks noGrp="1" noChangeAspect="1"/>
-          </p:cNvPicPr>
-          <p:nvPr>
-            <p:ph idx="1"/>
-          </p:nvPr>
-        </p:nvPicPr>
-        <p:blipFill>
-          <a:blip r:embed="rId2"/>
-          <a:stretch>
-            <a:fillRect/>
-          </a:stretch>
-        </p:blipFill>
-        <p:spPr>
-          <a:xfrm>
-            <a:off x="1270000" y="1690688"/>
-            <a:ext cx="9652000" cy="3657600"/>
-          </a:xfrm>
-          <a:prstGeom prst="rect">
-            <a:avLst/>
-          </a:prstGeom>
-        </p:spPr>
-      </p:pic>
+              <a:t>Speech-to-Text</a:t>
+            </a:r>
+          </a:p>
+        </p:txBody>
+      </p:sp>
     </p:spTree>
     <p:extLst>
       <p:ext uri="{BB962C8B-B14F-4D97-AF65-F5344CB8AC3E}">
-        <p14:creationId xmlns:p14="http://schemas.microsoft.com/office/powerpoint/2010/main" val="3476292949"/>
+        <p14:creationId xmlns:p14="http://schemas.microsoft.com/office/powerpoint/2010/main" val="2936762017"/>
       </p:ext>
     </p:extLst>
   </p:cSld>
@@ -4544,7 +4397,7 @@
           <a:p>
             <a:r>
               <a:rPr lang="en-US" dirty="0"/>
-              <a:t>Introduction</a:t>
+              <a:t>Overview</a:t>
             </a:r>
           </a:p>
         </p:txBody>
@@ -4565,7 +4418,12 @@
             <p:ph idx="1"/>
           </p:nvPr>
         </p:nvSpPr>
-        <p:spPr/>
+        <p:spPr>
+          <a:xfrm>
+            <a:off x="838200" y="1825625"/>
+            <a:ext cx="3697705" cy="4351338"/>
+          </a:xfrm>
+        </p:spPr>
         <p:txBody>
           <a:bodyPr/>
           <a:lstStyle/>
@@ -4602,9 +4460,39 @@
           <a:p>
             <a:endParaRPr lang="en-US" dirty="0"/>
           </a:p>
-          <a:p>
-            <a:r>
-              <a:rPr lang="en-US" dirty="0"/>
+        </p:txBody>
+      </p:sp>
+      <p:sp>
+        <p:nvSpPr>
+          <p:cNvPr id="5" name="TextBox 4">
+            <a:extLst>
+              <a:ext uri="{FF2B5EF4-FFF2-40B4-BE49-F238E27FC236}">
+                <a16:creationId xmlns:a16="http://schemas.microsoft.com/office/drawing/2014/main" id="{CC871AF5-C230-8B36-EC96-5AF04E42F8D2}"/>
+              </a:ext>
+            </a:extLst>
+          </p:cNvPr>
+          <p:cNvSpPr txBox="1"/>
+          <p:nvPr/>
+        </p:nvSpPr>
+        <p:spPr>
+          <a:xfrm>
+            <a:off x="6949239" y="2567226"/>
+            <a:ext cx="5134477" cy="861774"/>
+          </a:xfrm>
+          <a:prstGeom prst="rect">
+            <a:avLst/>
+          </a:prstGeom>
+          <a:noFill/>
+        </p:spPr>
+        <p:txBody>
+          <a:bodyPr wrap="square">
+            <a:spAutoFit/>
+          </a:bodyPr>
+          <a:lstStyle/>
+          <a:p>
+            <a:pPr algn="ctr"/>
+            <a:r>
+              <a:rPr lang="en-US" sz="2500" dirty="0"/>
               <a:t>Base endpoint: https://api.openai.com/</a:t>
             </a:r>
           </a:p>
@@ -4645,7 +4533,7 @@
           <p:cNvPr id="2" name="Title 1">
             <a:extLst>
               <a:ext uri="{FF2B5EF4-FFF2-40B4-BE49-F238E27FC236}">
-                <a16:creationId xmlns:a16="http://schemas.microsoft.com/office/drawing/2014/main" id="{4F5BA3F4-BC09-898B-7D41-3727977DACC1}"/>
+                <a16:creationId xmlns:a16="http://schemas.microsoft.com/office/drawing/2014/main" id="{AE0B234B-830E-1BCF-3B58-DD55E59B3414}"/>
               </a:ext>
             </a:extLst>
           </p:cNvPr>
@@ -4653,7 +4541,7 @@
             <a:spLocks noGrp="1"/>
           </p:cNvSpPr>
           <p:nvPr>
-            <p:ph type="ctrTitle"/>
+            <p:ph type="title"/>
           </p:nvPr>
         </p:nvSpPr>
         <p:spPr/>
@@ -4663,17 +4551,17 @@
           <a:p>
             <a:r>
               <a:rPr lang="en-US" dirty="0"/>
-              <a:t>Speech-to-Text</a:t>
-            </a:r>
-          </a:p>
-        </p:txBody>
-      </p:sp>
-      <p:sp>
-        <p:nvSpPr>
-          <p:cNvPr id="4" name="Subtitle 3">
+              <a:t>Introduction</a:t>
+            </a:r>
+          </a:p>
+        </p:txBody>
+      </p:sp>
+      <p:sp>
+        <p:nvSpPr>
+          <p:cNvPr id="3" name="Content Placeholder 2">
             <a:extLst>
               <a:ext uri="{FF2B5EF4-FFF2-40B4-BE49-F238E27FC236}">
-                <a16:creationId xmlns:a16="http://schemas.microsoft.com/office/drawing/2014/main" id="{BF181B83-7AE8-3878-28DE-F706F810D846}"/>
+                <a16:creationId xmlns:a16="http://schemas.microsoft.com/office/drawing/2014/main" id="{0ADF5410-0DB3-7906-CDBB-FAFF2FED1391}"/>
               </a:ext>
             </a:extLst>
           </p:cNvPr>
@@ -4681,13 +4569,73 @@
             <a:spLocks noGrp="1"/>
           </p:cNvSpPr>
           <p:nvPr>
-            <p:ph type="subTitle" idx="1"/>
+            <p:ph idx="1"/>
           </p:nvPr>
         </p:nvSpPr>
         <p:spPr/>
         <p:txBody>
           <a:bodyPr/>
           <a:lstStyle/>
+          <a:p>
+            <a:r>
+              <a:rPr lang="en-US" dirty="0"/>
+              <a:t>Two endpoints</a:t>
+            </a:r>
+          </a:p>
+          <a:p>
+            <a:pPr lvl="1"/>
+            <a:r>
+              <a:rPr lang="en-US" dirty="0"/>
+              <a:t>Transcriptions: v1/audio/transcriptions</a:t>
+            </a:r>
+          </a:p>
+          <a:p>
+            <a:pPr lvl="2"/>
+            <a:r>
+              <a:rPr lang="en-US" dirty="0"/>
+              <a:t>Transcribe audio in whatever language</a:t>
+            </a:r>
+          </a:p>
+          <a:p>
+            <a:pPr lvl="1"/>
+            <a:r>
+              <a:rPr lang="en-US" dirty="0"/>
+              <a:t>Translations: v1/audio/translations</a:t>
+            </a:r>
+          </a:p>
+          <a:p>
+            <a:pPr lvl="2"/>
+            <a:r>
+              <a:rPr lang="en-US" dirty="0"/>
+              <a:t>Translate and transcribe audio into English</a:t>
+            </a:r>
+          </a:p>
+          <a:p>
+            <a:r>
+              <a:rPr lang="en-US" dirty="0"/>
+              <a:t>Model: Whisper</a:t>
+            </a:r>
+          </a:p>
+          <a:p>
+            <a:r>
+              <a:rPr lang="en-US" dirty="0"/>
+              <a:t>Constraints:</a:t>
+            </a:r>
+          </a:p>
+          <a:p>
+            <a:pPr lvl="1"/>
+            <a:r>
+              <a:rPr lang="en-US" dirty="0"/>
+              <a:t>File &lt; 25 MB</a:t>
+            </a:r>
+          </a:p>
+          <a:p>
+            <a:pPr lvl="1"/>
+            <a:r>
+              <a:rPr lang="en-US" dirty="0"/>
+              <a:t>File type is mp3, mp4, mpeg, mpga, m4a, wav, or webm</a:t>
+            </a:r>
+          </a:p>
           <a:p>
             <a:endParaRPr lang="en-US" dirty="0"/>
           </a:p>
@@ -4696,7 +4644,7 @@
     </p:spTree>
     <p:extLst>
       <p:ext uri="{BB962C8B-B14F-4D97-AF65-F5344CB8AC3E}">
-        <p14:creationId xmlns:p14="http://schemas.microsoft.com/office/powerpoint/2010/main" val="2936762017"/>
+        <p14:creationId xmlns:p14="http://schemas.microsoft.com/office/powerpoint/2010/main" val="3103601494"/>
       </p:ext>
     </p:extLst>
   </p:cSld>
@@ -4728,7 +4676,7 @@
           <p:cNvPr id="2" name="Title 1">
             <a:extLst>
               <a:ext uri="{FF2B5EF4-FFF2-40B4-BE49-F238E27FC236}">
-                <a16:creationId xmlns:a16="http://schemas.microsoft.com/office/drawing/2014/main" id="{AE0B234B-830E-1BCF-3B58-DD55E59B3414}"/>
+                <a16:creationId xmlns:a16="http://schemas.microsoft.com/office/drawing/2014/main" id="{5C9F2A33-79D8-322E-7D61-A54404FABF2A}"/>
               </a:ext>
             </a:extLst>
           </p:cNvPr>
@@ -4746,100 +4694,186 @@
           <a:p>
             <a:r>
               <a:rPr lang="en-US" dirty="0"/>
-              <a:t>Introduction</a:t>
-            </a:r>
-          </a:p>
-        </p:txBody>
-      </p:sp>
-      <p:sp>
-        <p:nvSpPr>
-          <p:cNvPr id="3" name="Content Placeholder 2">
+              <a:t>Transcription</a:t>
+            </a:r>
+          </a:p>
+        </p:txBody>
+      </p:sp>
+      <p:pic>
+        <p:nvPicPr>
+          <p:cNvPr id="4" name="Picture 3">
             <a:extLst>
               <a:ext uri="{FF2B5EF4-FFF2-40B4-BE49-F238E27FC236}">
-                <a16:creationId xmlns:a16="http://schemas.microsoft.com/office/drawing/2014/main" id="{0ADF5410-0DB3-7906-CDBB-FAFF2FED1391}"/>
+                <a16:creationId xmlns:a16="http://schemas.microsoft.com/office/drawing/2014/main" id="{CE0A9F62-31B2-2253-E849-661E8ACCC172}"/>
               </a:ext>
             </a:extLst>
           </p:cNvPr>
-          <p:cNvSpPr>
-            <a:spLocks noGrp="1"/>
-          </p:cNvSpPr>
-          <p:nvPr>
-            <p:ph idx="1"/>
-          </p:nvPr>
-        </p:nvSpPr>
-        <p:spPr/>
-        <p:txBody>
-          <a:bodyPr/>
-          <a:lstStyle/>
-          <a:p>
-            <a:r>
-              <a:rPr lang="en-US" dirty="0"/>
-              <a:t>Two endpoints</a:t>
-            </a:r>
-          </a:p>
-          <a:p>
-            <a:pPr lvl="1"/>
-            <a:r>
-              <a:rPr lang="en-US" dirty="0"/>
-              <a:t>Transcriptions: </a:t>
-            </a:r>
-          </a:p>
-          <a:p>
-            <a:pPr lvl="2"/>
-            <a:r>
-              <a:rPr lang="en-US" dirty="0"/>
-              <a:t>Transcribe audio in whatever language</a:t>
-            </a:r>
-          </a:p>
-          <a:p>
-            <a:pPr lvl="1"/>
-            <a:r>
-              <a:rPr lang="en-US" dirty="0"/>
-              <a:t>Translations: </a:t>
-            </a:r>
-          </a:p>
-          <a:p>
-            <a:pPr lvl="2"/>
-            <a:r>
-              <a:rPr lang="en-US" dirty="0"/>
-              <a:t>Translate and transcribe audio into English</a:t>
-            </a:r>
-          </a:p>
-          <a:p>
-            <a:r>
-              <a:rPr lang="en-US" dirty="0"/>
-              <a:t>Based on Whisper model</a:t>
-            </a:r>
-          </a:p>
-          <a:p>
-            <a:r>
-              <a:rPr lang="en-US" dirty="0"/>
-              <a:t>Constraints:</a:t>
-            </a:r>
-          </a:p>
-          <a:p>
-            <a:pPr lvl="1"/>
-            <a:r>
-              <a:rPr lang="en-US" dirty="0"/>
-              <a:t>File &lt; 25 MB</a:t>
-            </a:r>
-          </a:p>
-          <a:p>
-            <a:pPr lvl="1"/>
-            <a:r>
-              <a:rPr lang="en-US" dirty="0"/>
-              <a:t>File type is mp3, mp4, mpeg, mpga, m4a, wav, or webm</a:t>
-            </a:r>
-          </a:p>
-          <a:p>
-            <a:endParaRPr lang="en-US" dirty="0"/>
-          </a:p>
-        </p:txBody>
-      </p:sp>
+          <p:cNvPicPr>
+            <a:picLocks noChangeAspect="1"/>
+          </p:cNvPicPr>
+          <p:nvPr/>
+        </p:nvPicPr>
+        <p:blipFill>
+          <a:blip r:embed="rId2"/>
+          <a:stretch>
+            <a:fillRect/>
+          </a:stretch>
+        </p:blipFill>
+        <p:spPr>
+          <a:xfrm>
+            <a:off x="5575300" y="196182"/>
+            <a:ext cx="5778500" cy="2590800"/>
+          </a:xfrm>
+          <a:prstGeom prst="rect">
+            <a:avLst/>
+          </a:prstGeom>
+        </p:spPr>
+      </p:pic>
+      <p:sp>
+        <p:nvSpPr>
+          <p:cNvPr id="10" name="TextBox 9">
+            <a:extLst>
+              <a:ext uri="{FF2B5EF4-FFF2-40B4-BE49-F238E27FC236}">
+                <a16:creationId xmlns:a16="http://schemas.microsoft.com/office/drawing/2014/main" id="{94B5BBDF-6577-DF03-B1C3-3A8D4C354CBC}"/>
+              </a:ext>
+            </a:extLst>
+          </p:cNvPr>
+          <p:cNvSpPr txBox="1"/>
+          <p:nvPr/>
+        </p:nvSpPr>
+        <p:spPr>
+          <a:xfrm>
+            <a:off x="700840" y="2133600"/>
+            <a:ext cx="4183982" cy="3416320"/>
+          </a:xfrm>
+          <a:prstGeom prst="rect">
+            <a:avLst/>
+          </a:prstGeom>
+          <a:noFill/>
+        </p:spPr>
+        <p:txBody>
+          <a:bodyPr wrap="square">
+            <a:spAutoFit/>
+          </a:bodyPr>
+          <a:lstStyle/>
+          <a:p>
+            <a:pPr marL="285750" indent="-285750">
+              <a:buFont typeface="Arial" panose="020B0604020202020204" pitchFamily="34" charset="0"/>
+              <a:buChar char="•"/>
+            </a:pPr>
+            <a:r>
+              <a:rPr lang="en-US" sz="2400" dirty="0"/>
+              <a:t>Parameters</a:t>
+            </a:r>
+          </a:p>
+          <a:p>
+            <a:pPr marL="742950" lvl="1" indent="-285750">
+              <a:buFont typeface="Arial" panose="020B0604020202020204" pitchFamily="34" charset="0"/>
+              <a:buChar char="•"/>
+            </a:pPr>
+            <a:r>
+              <a:rPr lang="en-US" sz="2400" dirty="0"/>
+              <a:t>Required: file, model</a:t>
+            </a:r>
+          </a:p>
+          <a:p>
+            <a:pPr marL="742950" lvl="1" indent="-285750">
+              <a:buFont typeface="Arial" panose="020B0604020202020204" pitchFamily="34" charset="0"/>
+              <a:buChar char="•"/>
+            </a:pPr>
+            <a:r>
+              <a:rPr lang="en-US" sz="2400" dirty="0"/>
+              <a:t>Optional: language, prompt, </a:t>
+            </a:r>
+            <a:r>
+              <a:rPr lang="en-US" sz="2400" dirty="0" err="1"/>
+              <a:t>response_format</a:t>
+            </a:r>
+            <a:r>
+              <a:rPr lang="en-US" sz="2400" dirty="0"/>
+              <a:t>, temperature, </a:t>
+            </a:r>
+            <a:r>
+              <a:rPr lang="en-US" sz="2400" dirty="0" err="1"/>
+              <a:t>timestamp_granularities</a:t>
+            </a:r>
+            <a:endParaRPr lang="en-US" sz="2400" dirty="0"/>
+          </a:p>
+          <a:p>
+            <a:pPr marL="285750" indent="-285750">
+              <a:buFont typeface="Arial" panose="020B0604020202020204" pitchFamily="34" charset="0"/>
+              <a:buChar char="•"/>
+            </a:pPr>
+            <a:r>
+              <a:rPr lang="en-US" sz="2400" dirty="0"/>
+              <a:t>Returns: JSON with raw text or transcription object</a:t>
+            </a:r>
+          </a:p>
+        </p:txBody>
+      </p:sp>
+      <p:pic>
+        <p:nvPicPr>
+          <p:cNvPr id="12" name="Picture 11">
+            <a:extLst>
+              <a:ext uri="{FF2B5EF4-FFF2-40B4-BE49-F238E27FC236}">
+                <a16:creationId xmlns:a16="http://schemas.microsoft.com/office/drawing/2014/main" id="{9C7C3F0E-5E90-46AC-34C1-164151AEA10D}"/>
+              </a:ext>
+            </a:extLst>
+          </p:cNvPr>
+          <p:cNvPicPr>
+            <a:picLocks noChangeAspect="1"/>
+          </p:cNvPicPr>
+          <p:nvPr/>
+        </p:nvPicPr>
+        <p:blipFill>
+          <a:blip r:embed="rId3"/>
+          <a:stretch>
+            <a:fillRect/>
+          </a:stretch>
+        </p:blipFill>
+        <p:spPr>
+          <a:xfrm>
+            <a:off x="8609207" y="2963429"/>
+            <a:ext cx="2964735" cy="3529446"/>
+          </a:xfrm>
+          <a:prstGeom prst="rect">
+            <a:avLst/>
+          </a:prstGeom>
+        </p:spPr>
+      </p:pic>
+      <p:pic>
+        <p:nvPicPr>
+          <p:cNvPr id="14" name="Picture 13">
+            <a:extLst>
+              <a:ext uri="{FF2B5EF4-FFF2-40B4-BE49-F238E27FC236}">
+                <a16:creationId xmlns:a16="http://schemas.microsoft.com/office/drawing/2014/main" id="{CCFD54E1-8620-DE8A-5586-0A14FDC062CF}"/>
+              </a:ext>
+            </a:extLst>
+          </p:cNvPr>
+          <p:cNvPicPr>
+            <a:picLocks noChangeAspect="1"/>
+          </p:cNvPicPr>
+          <p:nvPr/>
+        </p:nvPicPr>
+        <p:blipFill rotWithShape="1">
+          <a:blip r:embed="rId4"/>
+          <a:srcRect t="30209" b="15542"/>
+          <a:stretch/>
+        </p:blipFill>
+        <p:spPr>
+          <a:xfrm>
+            <a:off x="5406263" y="4499811"/>
+            <a:ext cx="3010320" cy="770022"/>
+          </a:xfrm>
+          <a:prstGeom prst="rect">
+            <a:avLst/>
+          </a:prstGeom>
+        </p:spPr>
+      </p:pic>
     </p:spTree>
     <p:extLst>
       <p:ext uri="{BB962C8B-B14F-4D97-AF65-F5344CB8AC3E}">
-        <p14:creationId xmlns:p14="http://schemas.microsoft.com/office/powerpoint/2010/main" val="3103601494"/>
+        <p14:creationId xmlns:p14="http://schemas.microsoft.com/office/powerpoint/2010/main" val="4157154965"/>
       </p:ext>
     </p:extLst>
   </p:cSld>
@@ -4871,7 +4905,7 @@
           <p:cNvPr id="2" name="Title 1">
             <a:extLst>
               <a:ext uri="{FF2B5EF4-FFF2-40B4-BE49-F238E27FC236}">
-                <a16:creationId xmlns:a16="http://schemas.microsoft.com/office/drawing/2014/main" id="{5C9F2A33-79D8-322E-7D61-A54404FABF2A}"/>
+                <a16:creationId xmlns:a16="http://schemas.microsoft.com/office/drawing/2014/main" id="{E2AA2121-CD23-A553-F495-24F7B86DFD6E}"/>
               </a:ext>
             </a:extLst>
           </p:cNvPr>
@@ -4889,7 +4923,7 @@
           <a:p>
             <a:r>
               <a:rPr lang="en-US" dirty="0"/>
-              <a:t>Quick Start</a:t>
+              <a:t>Translation</a:t>
             </a:r>
           </a:p>
         </p:txBody>
@@ -4918,48 +4952,67 @@
         </p:blipFill>
         <p:spPr>
           <a:xfrm>
-            <a:off x="6451600" y="1690688"/>
-            <a:ext cx="5740400" cy="2590800"/>
+            <a:off x="3729789" y="1579118"/>
+            <a:ext cx="8197516" cy="3699764"/>
           </a:xfrm>
           <a:prstGeom prst="rect">
             <a:avLst/>
           </a:prstGeom>
         </p:spPr>
       </p:pic>
-      <p:pic>
-        <p:nvPicPr>
-          <p:cNvPr id="4" name="Picture 3">
+      <p:sp>
+        <p:nvSpPr>
+          <p:cNvPr id="6" name="TextBox 5">
             <a:extLst>
               <a:ext uri="{FF2B5EF4-FFF2-40B4-BE49-F238E27FC236}">
-                <a16:creationId xmlns:a16="http://schemas.microsoft.com/office/drawing/2014/main" id="{CE0A9F62-31B2-2253-E849-661E8ACCC172}"/>
+                <a16:creationId xmlns:a16="http://schemas.microsoft.com/office/drawing/2014/main" id="{B1D62014-422E-D4B3-31AC-1A0E032CFBF2}"/>
               </a:ext>
             </a:extLst>
           </p:cNvPr>
-          <p:cNvPicPr>
-            <a:picLocks noChangeAspect="1"/>
-          </p:cNvPicPr>
+          <p:cNvSpPr txBox="1"/>
           <p:nvPr/>
-        </p:nvPicPr>
-        <p:blipFill>
-          <a:blip r:embed="rId3"/>
-          <a:stretch>
-            <a:fillRect/>
-          </a:stretch>
-        </p:blipFill>
+        </p:nvSpPr>
         <p:spPr>
           <a:xfrm>
-            <a:off x="317500" y="1690688"/>
-            <a:ext cx="5778500" cy="2590800"/>
+            <a:off x="565484" y="2824462"/>
+            <a:ext cx="2646947" cy="1200329"/>
           </a:xfrm>
           <a:prstGeom prst="rect">
             <a:avLst/>
           </a:prstGeom>
+          <a:noFill/>
         </p:spPr>
-      </p:pic>
+        <p:txBody>
+          <a:bodyPr wrap="square" rtlCol="0">
+            <a:spAutoFit/>
+          </a:bodyPr>
+          <a:lstStyle/>
+          <a:p>
+            <a:pPr marL="342900" indent="-342900">
+              <a:buFont typeface="Arial" panose="020B0604020202020204" pitchFamily="34" charset="0"/>
+              <a:buChar char="•"/>
+            </a:pPr>
+            <a:r>
+              <a:rPr lang="en-US" sz="2400" dirty="0"/>
+              <a:t>Input: audio file</a:t>
+            </a:r>
+          </a:p>
+          <a:p>
+            <a:pPr marL="342900" indent="-342900">
+              <a:buFont typeface="Arial" panose="020B0604020202020204" pitchFamily="34" charset="0"/>
+              <a:buChar char="•"/>
+            </a:pPr>
+            <a:r>
+              <a:rPr lang="en-US" sz="2400" dirty="0"/>
+              <a:t>Output: English translation</a:t>
+            </a:r>
+          </a:p>
+        </p:txBody>
+      </p:sp>
     </p:spTree>
     <p:extLst>
       <p:ext uri="{BB962C8B-B14F-4D97-AF65-F5344CB8AC3E}">
-        <p14:creationId xmlns:p14="http://schemas.microsoft.com/office/powerpoint/2010/main" val="4157154965"/>
+        <p14:creationId xmlns:p14="http://schemas.microsoft.com/office/powerpoint/2010/main" val="2333111895"/>
       </p:ext>
     </p:extLst>
   </p:cSld>
@@ -4991,7 +5044,7 @@
           <p:cNvPr id="2" name="Title 1">
             <a:extLst>
               <a:ext uri="{FF2B5EF4-FFF2-40B4-BE49-F238E27FC236}">
-                <a16:creationId xmlns:a16="http://schemas.microsoft.com/office/drawing/2014/main" id="{98D52B2D-EB1E-E156-B908-074E70B2C52B}"/>
+                <a16:creationId xmlns:a16="http://schemas.microsoft.com/office/drawing/2014/main" id="{AA978136-EE62-B1F5-416A-0D90391003D4}"/>
               </a:ext>
             </a:extLst>
           </p:cNvPr>
@@ -4999,7 +5052,7 @@
             <a:spLocks noGrp="1"/>
           </p:cNvSpPr>
           <p:nvPr>
-            <p:ph type="ctrTitle"/>
+            <p:ph type="title"/>
           </p:nvPr>
         </p:nvSpPr>
         <p:spPr/>
@@ -5009,7 +5062,99 @@
           <a:p>
             <a:r>
               <a:rPr lang="en-US" dirty="0"/>
-              <a:t>Moderation</a:t>
+              <a:t>Improving Reliability: Prompting</a:t>
+            </a:r>
+          </a:p>
+        </p:txBody>
+      </p:sp>
+      <p:sp>
+        <p:nvSpPr>
+          <p:cNvPr id="3" name="Content Placeholder 2">
+            <a:extLst>
+              <a:ext uri="{FF2B5EF4-FFF2-40B4-BE49-F238E27FC236}">
+                <a16:creationId xmlns:a16="http://schemas.microsoft.com/office/drawing/2014/main" id="{3BD2DCEC-2694-1973-FD50-588F2BD7FA4F}"/>
+              </a:ext>
+            </a:extLst>
+          </p:cNvPr>
+          <p:cNvSpPr>
+            <a:spLocks noGrp="1"/>
+          </p:cNvSpPr>
+          <p:nvPr>
+            <p:ph idx="1"/>
+          </p:nvPr>
+        </p:nvSpPr>
+        <p:spPr/>
+        <p:txBody>
+          <a:bodyPr>
+            <a:normAutofit lnSpcReduction="10000"/>
+          </a:bodyPr>
+          <a:lstStyle/>
+          <a:p>
+            <a:r>
+              <a:rPr lang="en-US" dirty="0"/>
+              <a:t>Improve transcript quality</a:t>
+            </a:r>
+          </a:p>
+          <a:p>
+            <a:pPr lvl="1"/>
+            <a:r>
+              <a:rPr lang="en-US" dirty="0"/>
+              <a:t>Capitalization</a:t>
+            </a:r>
+          </a:p>
+          <a:p>
+            <a:pPr lvl="1"/>
+            <a:r>
+              <a:rPr lang="en-US" dirty="0"/>
+              <a:t>Punctuation</a:t>
+            </a:r>
+          </a:p>
+          <a:p>
+            <a:pPr lvl="2"/>
+            <a:r>
+              <a:rPr lang="en-US" dirty="0"/>
+              <a:t>"Hello, welcome to my lecture."</a:t>
+            </a:r>
+          </a:p>
+          <a:p>
+            <a:pPr lvl="1"/>
+            <a:r>
+              <a:rPr lang="en-US" dirty="0"/>
+              <a:t>Acronyms</a:t>
+            </a:r>
+          </a:p>
+          <a:p>
+            <a:pPr lvl="2"/>
+            <a:r>
+              <a:rPr lang="en-US" dirty="0"/>
+              <a:t>"The transcript is about OpenAI which makes technology like DALL·E, GPT-3, and ChatGPT with the hope of one day building an AGI system that benefits all of humanity"</a:t>
+            </a:r>
+          </a:p>
+          <a:p>
+            <a:pPr lvl="1"/>
+            <a:r>
+              <a:rPr lang="en-US" dirty="0"/>
+              <a:t>Filler words</a:t>
+            </a:r>
+          </a:p>
+          <a:p>
+            <a:pPr lvl="2"/>
+            <a:r>
+              <a:rPr lang="en-US" dirty="0"/>
+              <a:t>"Umm, let me think like, hmm...”</a:t>
+            </a:r>
+          </a:p>
+          <a:p>
+            <a:pPr lvl="1"/>
+            <a:r>
+              <a:rPr lang="en-US" dirty="0"/>
+              <a:t>Language representation</a:t>
+            </a:r>
+          </a:p>
+          <a:p>
+            <a:r>
+              <a:rPr lang="en-US" dirty="0"/>
+              <a:t>First 244 tokens of prompt considered</a:t>
             </a:r>
           </a:p>
         </p:txBody>
@@ -5017,7 +5162,7 @@
     </p:spTree>
     <p:extLst>
       <p:ext uri="{BB962C8B-B14F-4D97-AF65-F5344CB8AC3E}">
-        <p14:creationId xmlns:p14="http://schemas.microsoft.com/office/powerpoint/2010/main" val="3560599162"/>
+        <p14:creationId xmlns:p14="http://schemas.microsoft.com/office/powerpoint/2010/main" val="3149159318"/>
       </p:ext>
     </p:extLst>
   </p:cSld>
@@ -5049,6 +5194,64 @@
           <p:cNvPr id="2" name="Title 1">
             <a:extLst>
               <a:ext uri="{FF2B5EF4-FFF2-40B4-BE49-F238E27FC236}">
+                <a16:creationId xmlns:a16="http://schemas.microsoft.com/office/drawing/2014/main" id="{98D52B2D-EB1E-E156-B908-074E70B2C52B}"/>
+              </a:ext>
+            </a:extLst>
+          </p:cNvPr>
+          <p:cNvSpPr>
+            <a:spLocks noGrp="1"/>
+          </p:cNvSpPr>
+          <p:nvPr>
+            <p:ph type="ctrTitle"/>
+          </p:nvPr>
+        </p:nvSpPr>
+        <p:spPr/>
+        <p:txBody>
+          <a:bodyPr/>
+          <a:lstStyle/>
+          <a:p>
+            <a:r>
+              <a:rPr lang="en-US" dirty="0"/>
+              <a:t>Moderation</a:t>
+            </a:r>
+          </a:p>
+        </p:txBody>
+      </p:sp>
+    </p:spTree>
+    <p:extLst>
+      <p:ext uri="{BB962C8B-B14F-4D97-AF65-F5344CB8AC3E}">
+        <p14:creationId xmlns:p14="http://schemas.microsoft.com/office/powerpoint/2010/main" val="3560599162"/>
+      </p:ext>
+    </p:extLst>
+  </p:cSld>
+  <p:clrMapOvr>
+    <a:masterClrMapping/>
+  </p:clrMapOvr>
+</p:sld>
+</file>
+
+<file path=ppt/slides/slide25.xml><?xml version="1.0" encoding="utf-8"?>
+<p:sld xmlns:a="http://schemas.openxmlformats.org/drawingml/2006/main" xmlns:r="http://schemas.openxmlformats.org/officeDocument/2006/relationships" xmlns:p="http://schemas.openxmlformats.org/presentationml/2006/main">
+  <p:cSld>
+    <p:spTree>
+      <p:nvGrpSpPr>
+        <p:cNvPr id="1" name=""/>
+        <p:cNvGrpSpPr/>
+        <p:nvPr/>
+      </p:nvGrpSpPr>
+      <p:grpSpPr>
+        <a:xfrm>
+          <a:off x="0" y="0"/>
+          <a:ext cx="0" cy="0"/>
+          <a:chOff x="0" y="0"/>
+          <a:chExt cx="0" cy="0"/>
+        </a:xfrm>
+      </p:grpSpPr>
+      <p:sp>
+        <p:nvSpPr>
+          <p:cNvPr id="2" name="Title 1">
+            <a:extLst>
+              <a:ext uri="{FF2B5EF4-FFF2-40B4-BE49-F238E27FC236}">
                 <a16:creationId xmlns:a16="http://schemas.microsoft.com/office/drawing/2014/main" id="{EAE8225F-8230-AC6D-A11C-1D6EF5A09125}"/>
               </a:ext>
             </a:extLst>
@@ -5107,6 +5310,24 @@
             <a:r>
               <a:rPr lang="en-US" dirty="0"/>
               <a:t>Endpoint: v1/moderations</a:t>
+            </a:r>
+          </a:p>
+          <a:p>
+            <a:r>
+              <a:rPr lang="en-US" dirty="0"/>
+              <a:t>Required: input</a:t>
+            </a:r>
+          </a:p>
+          <a:p>
+            <a:r>
+              <a:rPr lang="en-US" dirty="0"/>
+              <a:t>Optional: model</a:t>
+            </a:r>
+          </a:p>
+          <a:p>
+            <a:r>
+              <a:rPr lang="en-US" dirty="0"/>
+              <a:t>Returns: moderation object</a:t>
             </a:r>
           </a:p>
           <a:p>
@@ -5135,14 +5356,14 @@
           <p:nvPr>
             <p:extLst>
               <p:ext uri="{D42A27DB-BD31-4B8C-83A1-F6EECF244321}">
-                <p14:modId xmlns:p14="http://schemas.microsoft.com/office/powerpoint/2010/main" val="212030998"/>
+                <p14:modId xmlns:p14="http://schemas.microsoft.com/office/powerpoint/2010/main" val="499231190"/>
               </p:ext>
             </p:extLst>
           </p:nvPr>
         </p:nvGraphicFramePr>
         <p:xfrm>
-          <a:off x="8128000" y="261620"/>
-          <a:ext cx="8128000" cy="6334760"/>
+          <a:off x="7289800" y="1168868"/>
+          <a:ext cx="4064000" cy="4520264"/>
         </p:xfrm>
         <a:graphic>
           <a:graphicData uri="http://schemas.openxmlformats.org/drawingml/2006/table">
@@ -5158,13 +5379,6 @@
                     </a:ext>
                   </a:extLst>
                 </a:gridCol>
-                <a:gridCol w="4064000">
-                  <a:extLst>
-                    <a:ext uri="{9D8B030D-6E8A-4147-A177-3AD203B41FA5}">
-                      <a16:colId xmlns:a16="http://schemas.microsoft.com/office/drawing/2014/main" val="3821067201"/>
-                    </a:ext>
-                  </a:extLst>
-                </a:gridCol>
               </a:tblGrid>
               <a:tr h="370840">
                 <a:tc>
@@ -5175,19 +5389,6 @@
                       <a:r>
                         <a:rPr lang="en-US" dirty="0"/>
                         <a:t>Category</a:t>
-                      </a:r>
-                    </a:p>
-                  </a:txBody>
-                  <a:tcPr/>
-                </a:tc>
-                <a:tc>
-                  <a:txBody>
-                    <a:bodyPr/>
-                    <a:lstStyle/>
-                    <a:p>
-                      <a:r>
-                        <a:rPr lang="en-US" dirty="0"/>
-                        <a:t>Description</a:t>
                       </a:r>
                     </a:p>
                   </a:txBody>
@@ -5213,19 +5414,6 @@
                   </a:txBody>
                   <a:tcPr/>
                 </a:tc>
-                <a:tc>
-                  <a:txBody>
-                    <a:bodyPr/>
-                    <a:lstStyle/>
-                    <a:p>
-                      <a:r>
-                        <a:rPr lang="en-US" dirty="0"/>
-                        <a:t>Hate that targets specific demographics</a:t>
-                      </a:r>
-                    </a:p>
-                  </a:txBody>
-                  <a:tcPr/>
-                </a:tc>
                 <a:extLst>
                   <a:ext uri="{0D108BD9-81ED-4DB2-BD59-A6C34878D82A}">
                     <a16:rowId xmlns:a16="http://schemas.microsoft.com/office/drawing/2014/main" val="1153193983"/>
@@ -5246,26 +5434,13 @@
                   </a:txBody>
                   <a:tcPr/>
                 </a:tc>
-                <a:tc>
-                  <a:txBody>
-                    <a:bodyPr/>
-                    <a:lstStyle/>
-                    <a:p>
-                      <a:r>
-                        <a:rPr lang="en-US" dirty="0"/>
-                        <a:t>Hate content that also includes violence</a:t>
-                      </a:r>
-                    </a:p>
-                  </a:txBody>
-                  <a:tcPr/>
-                </a:tc>
                 <a:extLst>
                   <a:ext uri="{0D108BD9-81ED-4DB2-BD59-A6C34878D82A}">
                     <a16:rowId xmlns:a16="http://schemas.microsoft.com/office/drawing/2014/main" val="3873178150"/>
                   </a:ext>
                 </a:extLst>
               </a:tr>
-              <a:tr h="370840">
+              <a:tr h="441024">
                 <a:tc>
                   <a:txBody>
                     <a:bodyPr/>
@@ -5274,19 +5449,6 @@
                       <a:r>
                         <a:rPr lang="en-US" dirty="0"/>
                         <a:t>Harassment</a:t>
-                      </a:r>
-                    </a:p>
-                  </a:txBody>
-                  <a:tcPr/>
-                </a:tc>
-                <a:tc>
-                  <a:txBody>
-                    <a:bodyPr/>
-                    <a:lstStyle/>
-                    <a:p>
-                      <a:r>
-                        <a:rPr lang="en-US" dirty="0"/>
-                        <a:t>Harassment that is directed towards anyone</a:t>
                       </a:r>
                     </a:p>
                   </a:txBody>
@@ -5312,19 +5474,6 @@
                   </a:txBody>
                   <a:tcPr/>
                 </a:tc>
-                <a:tc>
-                  <a:txBody>
-                    <a:bodyPr/>
-                    <a:lstStyle/>
-                    <a:p>
-                      <a:r>
-                        <a:rPr lang="en-US" dirty="0"/>
-                        <a:t>Harassment that also includes violence</a:t>
-                      </a:r>
-                    </a:p>
-                  </a:txBody>
-                  <a:tcPr/>
-                </a:tc>
                 <a:extLst>
                   <a:ext uri="{0D108BD9-81ED-4DB2-BD59-A6C34878D82A}">
                     <a16:rowId xmlns:a16="http://schemas.microsoft.com/office/drawing/2014/main" val="208743499"/>
@@ -5340,19 +5489,6 @@
                       <a:r>
                         <a:rPr lang="en-US" dirty="0"/>
                         <a:t>Self-harm</a:t>
-                      </a:r>
-                    </a:p>
-                  </a:txBody>
-                  <a:tcPr/>
-                </a:tc>
-                <a:tc>
-                  <a:txBody>
-                    <a:bodyPr/>
-                    <a:lstStyle/>
-                    <a:p>
-                      <a:r>
-                        <a:rPr lang="en-US" dirty="0"/>
-                        <a:t>Content that promotes self-harm like suicide, cutting, etc..</a:t>
                       </a:r>
                     </a:p>
                   </a:txBody>
@@ -5378,19 +5514,6 @@
                   </a:txBody>
                   <a:tcPr/>
                 </a:tc>
-                <a:tc>
-                  <a:txBody>
-                    <a:bodyPr/>
-                    <a:lstStyle/>
-                    <a:p>
-                      <a:r>
-                        <a:rPr lang="en-US" dirty="0"/>
-                        <a:t>Self-harm content that also includes intent</a:t>
-                      </a:r>
-                    </a:p>
-                  </a:txBody>
-                  <a:tcPr/>
-                </a:tc>
                 <a:extLst>
                   <a:ext uri="{0D108BD9-81ED-4DB2-BD59-A6C34878D82A}">
                     <a16:rowId xmlns:a16="http://schemas.microsoft.com/office/drawing/2014/main" val="1087988570"/>
@@ -5406,19 +5529,6 @@
                       <a:r>
                         <a:rPr lang="en-US" dirty="0"/>
                         <a:t>Self-harm/instructions</a:t>
-                      </a:r>
-                    </a:p>
-                  </a:txBody>
-                  <a:tcPr/>
-                </a:tc>
-                <a:tc>
-                  <a:txBody>
-                    <a:bodyPr/>
-                    <a:lstStyle/>
-                    <a:p>
-                      <a:r>
-                        <a:rPr lang="en-US" dirty="0"/>
-                        <a:t>Self-harm content that is encouraging and may include instructions</a:t>
                       </a:r>
                     </a:p>
                   </a:txBody>
@@ -5444,16 +5554,6 @@
                   </a:txBody>
                   <a:tcPr/>
                 </a:tc>
-                <a:tc>
-                  <a:txBody>
-                    <a:bodyPr/>
-                    <a:lstStyle/>
-                    <a:p>
-                      <a:endParaRPr lang="en-US" dirty="0"/>
-                    </a:p>
-                  </a:txBody>
-                  <a:tcPr/>
-                </a:tc>
                 <a:extLst>
                   <a:ext uri="{0D108BD9-81ED-4DB2-BD59-A6C34878D82A}">
                     <a16:rowId xmlns:a16="http://schemas.microsoft.com/office/drawing/2014/main" val="4294713964"/>
@@ -5470,16 +5570,6 @@
                         <a:rPr lang="en-US" dirty="0"/>
                         <a:t>Sexual/minors</a:t>
                       </a:r>
-                    </a:p>
-                  </a:txBody>
-                  <a:tcPr/>
-                </a:tc>
-                <a:tc>
-                  <a:txBody>
-                    <a:bodyPr/>
-                    <a:lstStyle/>
-                    <a:p>
-                      <a:endParaRPr lang="en-US" dirty="0"/>
                     </a:p>
                   </a:txBody>
                   <a:tcPr/>
@@ -5504,16 +5594,6 @@
                   </a:txBody>
                   <a:tcPr/>
                 </a:tc>
-                <a:tc>
-                  <a:txBody>
-                    <a:bodyPr/>
-                    <a:lstStyle/>
-                    <a:p>
-                      <a:endParaRPr lang="en-US" dirty="0"/>
-                    </a:p>
-                  </a:txBody>
-                  <a:tcPr/>
-                </a:tc>
                 <a:extLst>
                   <a:ext uri="{0D108BD9-81ED-4DB2-BD59-A6C34878D82A}">
                     <a16:rowId xmlns:a16="http://schemas.microsoft.com/office/drawing/2014/main" val="3884831965"/>
@@ -5530,16 +5610,6 @@
                         <a:rPr lang="en-US" dirty="0"/>
                         <a:t>Violence/graphics</a:t>
                       </a:r>
-                    </a:p>
-                  </a:txBody>
-                  <a:tcPr/>
-                </a:tc>
-                <a:tc>
-                  <a:txBody>
-                    <a:bodyPr/>
-                    <a:lstStyle/>
-                    <a:p>
-                      <a:endParaRPr lang="en-US" dirty="0"/>
                     </a:p>
                   </a:txBody>
                   <a:tcPr/>
@@ -5567,7 +5637,7 @@
 </p:sld>
 </file>
 
-<file path=ppt/slides/slide25.xml><?xml version="1.0" encoding="utf-8"?>
+<file path=ppt/slides/slide26.xml><?xml version="1.0" encoding="utf-8"?>
 <p:sld xmlns:a="http://schemas.openxmlformats.org/drawingml/2006/main" xmlns:r="http://schemas.openxmlformats.org/officeDocument/2006/relationships" xmlns:p="http://schemas.openxmlformats.org/presentationml/2006/main">
   <p:cSld>
     <p:spTree>
@@ -5636,7 +5706,7 @@
         </p:blipFill>
         <p:spPr>
           <a:xfrm>
-            <a:off x="838200" y="1690688"/>
+            <a:off x="838200" y="5253093"/>
             <a:ext cx="5525271" cy="1400370"/>
           </a:xfrm>
         </p:spPr>
@@ -5663,7 +5733,7 @@
         </p:blipFill>
         <p:spPr>
           <a:xfrm>
-            <a:off x="7718143" y="0"/>
+            <a:off x="6908361" y="-1"/>
             <a:ext cx="4445439" cy="6858000"/>
           </a:xfrm>
           <a:prstGeom prst="rect">
@@ -5685,7 +5755,7 @@
         </p:nvSpPr>
         <p:spPr>
           <a:xfrm>
-            <a:off x="1191126" y="4162926"/>
+            <a:off x="1002013" y="2136338"/>
             <a:ext cx="3729790" cy="2585323"/>
           </a:xfrm>
           <a:prstGeom prst="rect">
@@ -5776,34 +5846,6 @@
           </a:p>
         </p:txBody>
       </p:sp>
-      <p:sp>
-        <p:nvSpPr>
-          <p:cNvPr id="3" name="Content Placeholder 2">
-            <a:extLst>
-              <a:ext uri="{FF2B5EF4-FFF2-40B4-BE49-F238E27FC236}">
-                <a16:creationId xmlns:a16="http://schemas.microsoft.com/office/drawing/2014/main" id="{7183712F-5399-E734-F710-99AEBC5ACE3B}"/>
-              </a:ext>
-            </a:extLst>
-          </p:cNvPr>
-          <p:cNvSpPr>
-            <a:spLocks noGrp="1"/>
-          </p:cNvSpPr>
-          <p:nvPr>
-            <p:ph type="subTitle" idx="1"/>
-          </p:nvPr>
-        </p:nvSpPr>
-        <p:spPr/>
-        <p:txBody>
-          <a:bodyPr/>
-          <a:lstStyle/>
-          <a:p>
-            <a:r>
-              <a:rPr lang="en-US" dirty="0"/>
-              <a:t>Images API</a:t>
-            </a:r>
-          </a:p>
-        </p:txBody>
-      </p:sp>
     </p:spTree>
     <p:extLst>
       <p:ext uri="{BB962C8B-B14F-4D97-AF65-F5344CB8AC3E}">
@@ -5999,7 +6041,7 @@
         </p:spPr>
         <p:txBody>
           <a:bodyPr>
-            <a:normAutofit fontScale="92500" lnSpcReduction="20000"/>
+            <a:normAutofit fontScale="70000" lnSpcReduction="20000"/>
           </a:bodyPr>
           <a:lstStyle/>
           <a:p>
@@ -6011,18 +6053,52 @@
           <a:p>
             <a:r>
               <a:rPr lang="en-US" dirty="0"/>
+              <a:t>Required: prompt</a:t>
+            </a:r>
+          </a:p>
+          <a:p>
+            <a:r>
+              <a:rPr lang="en-US" dirty="0"/>
+              <a:t>Optional: model, n, quality, </a:t>
+            </a:r>
+            <a:r>
+              <a:rPr lang="en-US" dirty="0" err="1"/>
+              <a:t>response_format</a:t>
+            </a:r>
+            <a:r>
+              <a:rPr lang="en-US" dirty="0"/>
+              <a:t>, size, style, user</a:t>
+            </a:r>
+          </a:p>
+          <a:p>
+            <a:r>
+              <a:rPr lang="en-US" dirty="0"/>
+              <a:t>Returns: list of image objects</a:t>
+            </a:r>
+          </a:p>
+          <a:p>
+            <a:r>
+              <a:rPr lang="en-US" dirty="0"/>
+              <a:t>Quality: “standard” or “</a:t>
+            </a:r>
+            <a:r>
+              <a:rPr lang="en-US" dirty="0" err="1"/>
+              <a:t>hd</a:t>
+            </a:r>
+            <a:r>
+              <a:rPr lang="en-US" dirty="0"/>
+              <a:t>”</a:t>
+            </a:r>
+          </a:p>
+          <a:p>
+            <a:r>
+              <a:rPr lang="en-US" dirty="0"/>
               <a:t>1024x1024, 1024x1792 or 1792x1024 pixels</a:t>
             </a:r>
           </a:p>
           <a:p>
             <a:r>
               <a:rPr lang="en-US" dirty="0"/>
-              <a:t>Quality: “standard” or “hd”</a:t>
-            </a:r>
-          </a:p>
-          <a:p>
-            <a:r>
-              <a:rPr lang="en-US" dirty="0"/>
               <a:t>Internal detail: prompts are automatically and unavoidably rewritten with DALLE3</a:t>
             </a:r>
           </a:p>
@@ -6030,7 +6106,7 @@
             <a:pPr lvl="1"/>
             <a:r>
               <a:rPr lang="en-US" dirty="0"/>
-              <a:t>Possible workaround includes I NEED to test how the tool works with extremely simple prompts. DO NOT add any detail, just use it AS-IS:</a:t>
+              <a:t>Possible workaround includes “I NEED to test how the tool works with extremely simple prompts. DO NOT add any detail, just use it AS-IS” prompt</a:t>
             </a:r>
           </a:p>
           <a:p>
@@ -6206,73 +6282,75 @@
             <p:ph idx="1"/>
           </p:nvPr>
         </p:nvSpPr>
-        <p:spPr/>
-        <p:txBody>
-          <a:bodyPr/>
-          <a:lstStyle/>
-          <a:p>
-            <a:r>
-              <a:rPr lang="en-US" dirty="0"/>
-              <a:t>Endpoint: v1/images/edits</a:t>
-            </a:r>
-          </a:p>
-          <a:p>
-            <a:r>
-              <a:rPr lang="en-US" dirty="0"/>
-              <a:t>Constraints</a:t>
-            </a:r>
-          </a:p>
-          <a:p>
-            <a:pPr lvl="1"/>
-            <a:r>
-              <a:rPr lang="en-US" dirty="0"/>
-              <a:t>Image &amp;&amp; mask &lt; 4MB</a:t>
-            </a:r>
-          </a:p>
-          <a:p>
-            <a:pPr lvl="1"/>
-            <a:r>
-              <a:rPr lang="en-US" dirty="0"/>
-              <a:t>Image &amp;&amp; mask need same dimensions</a:t>
-            </a:r>
-          </a:p>
-          <a:p>
-            <a:endParaRPr lang="en-US" dirty="0"/>
-          </a:p>
-          <a:p>
-            <a:endParaRPr lang="en-US" dirty="0"/>
-          </a:p>
-        </p:txBody>
-      </p:sp>
-      <p:pic>
-        <p:nvPicPr>
-          <p:cNvPr id="4" name="Picture 3">
-            <a:extLst>
-              <a:ext uri="{FF2B5EF4-FFF2-40B4-BE49-F238E27FC236}">
-                <a16:creationId xmlns:a16="http://schemas.microsoft.com/office/drawing/2014/main" id="{A24DBBDD-B5CA-A9C1-8737-1354FB628015}"/>
-              </a:ext>
-            </a:extLst>
-          </p:cNvPr>
-          <p:cNvPicPr>
-            <a:picLocks noChangeAspect="1"/>
-          </p:cNvPicPr>
-          <p:nvPr/>
-        </p:nvPicPr>
-        <p:blipFill rotWithShape="1">
-          <a:blip r:embed="rId2"/>
-          <a:srcRect r="17462"/>
-          <a:stretch/>
-        </p:blipFill>
         <p:spPr>
           <a:xfrm>
-            <a:off x="1178339" y="4001294"/>
-            <a:ext cx="6415157" cy="2699886"/>
+            <a:off x="838200" y="1825625"/>
+            <a:ext cx="7740316" cy="4351338"/>
           </a:xfrm>
-          <a:prstGeom prst="rect">
-            <a:avLst/>
-          </a:prstGeom>
         </p:spPr>
-      </p:pic>
+        <p:txBody>
+          <a:bodyPr/>
+          <a:lstStyle/>
+          <a:p>
+            <a:r>
+              <a:rPr lang="en-US" dirty="0"/>
+              <a:t>Endpoint: v1/images/edits</a:t>
+            </a:r>
+          </a:p>
+          <a:p>
+            <a:r>
+              <a:rPr lang="en-US" dirty="0"/>
+              <a:t>Required: image, prompt</a:t>
+            </a:r>
+          </a:p>
+          <a:p>
+            <a:r>
+              <a:rPr lang="en-US" dirty="0"/>
+              <a:t>Optional: mask, model, n, size, </a:t>
+            </a:r>
+            <a:r>
+              <a:rPr lang="en-US" dirty="0" err="1"/>
+              <a:t>response_format</a:t>
+            </a:r>
+            <a:r>
+              <a:rPr lang="en-US" dirty="0"/>
+              <a:t>, user</a:t>
+            </a:r>
+          </a:p>
+          <a:p>
+            <a:r>
+              <a:rPr lang="en-US" dirty="0"/>
+              <a:t>Returns: list of image objects</a:t>
+            </a:r>
+          </a:p>
+          <a:p>
+            <a:r>
+              <a:rPr lang="en-US" dirty="0"/>
+              <a:t>Constraints</a:t>
+            </a:r>
+          </a:p>
+          <a:p>
+            <a:pPr lvl="1"/>
+            <a:r>
+              <a:rPr lang="en-US" dirty="0"/>
+              <a:t>Image &amp;&amp; mask &lt; 4MB</a:t>
+            </a:r>
+          </a:p>
+          <a:p>
+            <a:pPr lvl="1"/>
+            <a:r>
+              <a:rPr lang="en-US" dirty="0"/>
+              <a:t>Image &amp;&amp; mask need same dimensions</a:t>
+            </a:r>
+          </a:p>
+          <a:p>
+            <a:endParaRPr lang="en-US" dirty="0"/>
+          </a:p>
+          <a:p>
+            <a:endParaRPr lang="en-US" dirty="0"/>
+          </a:p>
+        </p:txBody>
+      </p:sp>
       <p:pic>
         <p:nvPicPr>
           <p:cNvPr id="6" name="Picture 5">
@@ -6288,7 +6366,7 @@
           <p:nvPr/>
         </p:nvPicPr>
         <p:blipFill>
-          <a:blip r:embed="rId3"/>
+          <a:blip r:embed="rId2"/>
           <a:stretch>
             <a:fillRect/>
           </a:stretch>
@@ -6318,7 +6396,7 @@
           <p:nvPr/>
         </p:nvPicPr>
         <p:blipFill>
-          <a:blip r:embed="rId4"/>
+          <a:blip r:embed="rId3"/>
           <a:stretch>
             <a:fillRect/>
           </a:stretch>
@@ -6348,7 +6426,7 @@
           <p:nvPr/>
         </p:nvPicPr>
         <p:blipFill>
-          <a:blip r:embed="rId5"/>
+          <a:blip r:embed="rId4"/>
           <a:stretch>
             <a:fillRect/>
           </a:stretch>
@@ -6534,7 +6612,7 @@
         </p:blipFill>
         <p:spPr>
           <a:xfrm>
-            <a:off x="838200" y="3379509"/>
+            <a:off x="6350822" y="3429000"/>
             <a:ext cx="5207000" cy="2844800"/>
           </a:xfrm>
           <a:prstGeom prst="rect">
@@ -6564,7 +6642,7 @@
         </p:blipFill>
         <p:spPr>
           <a:xfrm>
-            <a:off x="6447074" y="2119600"/>
+            <a:off x="6350822" y="457131"/>
             <a:ext cx="2540000" cy="2540000"/>
           </a:xfrm>
           <a:prstGeom prst="rect">
@@ -6594,7 +6672,7 @@
         </p:blipFill>
         <p:spPr>
           <a:xfrm>
-            <a:off x="9343778" y="2083157"/>
+            <a:off x="9247526" y="420688"/>
             <a:ext cx="2540000" cy="2540000"/>
           </a:xfrm>
           <a:prstGeom prst="rect">
@@ -6616,8 +6694,8 @@
         </p:nvSpPr>
         <p:spPr>
           <a:xfrm>
-            <a:off x="838200" y="2119600"/>
-            <a:ext cx="4906728" cy="830997"/>
+            <a:off x="685516" y="2274838"/>
+            <a:ext cx="5308602" cy="2308324"/>
           </a:xfrm>
           <a:prstGeom prst="rect">
             <a:avLst/>
@@ -6625,10 +6703,48 @@
           <a:noFill/>
         </p:spPr>
         <p:txBody>
-          <a:bodyPr wrap="none" rtlCol="0">
+          <a:bodyPr wrap="square" rtlCol="0">
             <a:spAutoFit/>
           </a:bodyPr>
           <a:lstStyle/>
+          <a:p>
+            <a:pPr marL="285750" indent="-285750">
+              <a:buFont typeface="Arial" panose="020B0604020202020204" pitchFamily="34" charset="0"/>
+              <a:buChar char="•"/>
+            </a:pPr>
+            <a:r>
+              <a:rPr lang="en-US" sz="2400" dirty="0"/>
+              <a:t>Requires: image</a:t>
+            </a:r>
+          </a:p>
+          <a:p>
+            <a:pPr marL="285750" indent="-285750">
+              <a:buFont typeface="Arial" panose="020B0604020202020204" pitchFamily="34" charset="0"/>
+              <a:buChar char="•"/>
+            </a:pPr>
+            <a:r>
+              <a:rPr lang="en-US" sz="2400" dirty="0"/>
+              <a:t>Optional: model, n, </a:t>
+            </a:r>
+            <a:r>
+              <a:rPr lang="en-US" sz="2400" dirty="0" err="1"/>
+              <a:t>response_format</a:t>
+            </a:r>
+            <a:r>
+              <a:rPr lang="en-US" sz="2400" dirty="0"/>
+              <a:t>, size, user</a:t>
+            </a:r>
+          </a:p>
+          <a:p>
+            <a:pPr marL="285750" indent="-285750">
+              <a:buFont typeface="Arial" panose="020B0604020202020204" pitchFamily="34" charset="0"/>
+              <a:buChar char="•"/>
+            </a:pPr>
+            <a:r>
+              <a:rPr lang="en-US" sz="2400" dirty="0"/>
+              <a:t>Returns: list of image objects</a:t>
+            </a:r>
+          </a:p>
           <a:p>
             <a:pPr marL="285750" indent="-285750">
               <a:buFont typeface="Arial" panose="020B0604020202020204" pitchFamily="34" charset="0"/>
@@ -6702,6 +6818,7 @@
           <a:bodyPr/>
           <a:lstStyle/>
           <a:p>
+            <a:pPr algn="ctr"/>
             <a:r>
               <a:rPr lang="en-US" dirty="0"/>
               <a:t>Further Tips</a:t>
@@ -6727,23 +6844,26 @@
         </p:nvSpPr>
         <p:spPr>
           <a:xfrm>
-            <a:off x="1115634" y="1588457"/>
-            <a:ext cx="3315159" cy="750410"/>
+            <a:off x="838200" y="1524365"/>
+            <a:ext cx="3315159" cy="456911"/>
           </a:xfrm>
         </p:spPr>
         <p:txBody>
           <a:bodyPr>
-            <a:normAutofit fontScale="92500" lnSpcReduction="10000"/>
+            <a:normAutofit/>
           </a:bodyPr>
           <a:lstStyle/>
           <a:p>
-            <a:r>
-              <a:rPr lang="en-US" dirty="0"/>
+            <a:pPr marL="0" indent="0" algn="ctr">
+              <a:buNone/>
+            </a:pPr>
+            <a:r>
+              <a:rPr lang="en-US" sz="1800" dirty="0"/>
               <a:t>In-memory image data</a:t>
             </a:r>
           </a:p>
           <a:p>
-            <a:endParaRPr lang="en-US" dirty="0"/>
+            <a:endParaRPr lang="en-US" sz="1800" dirty="0"/>
           </a:p>
         </p:txBody>
       </p:sp>
@@ -6769,7 +6889,7 @@
         </p:blipFill>
         <p:spPr>
           <a:xfrm>
-            <a:off x="254965" y="2469198"/>
+            <a:off x="41572" y="2042579"/>
             <a:ext cx="4557311" cy="2644657"/>
           </a:xfrm>
           <a:prstGeom prst="rect">
@@ -6799,7 +6919,7 @@
         </p:blipFill>
         <p:spPr>
           <a:xfrm>
-            <a:off x="5321843" y="1795557"/>
+            <a:off x="4832890" y="2105697"/>
             <a:ext cx="3152023" cy="3641725"/>
           </a:xfrm>
           <a:prstGeom prst="rect">
@@ -6821,8 +6941,8 @@
         </p:nvSpPr>
         <p:spPr>
           <a:xfrm>
-            <a:off x="5089710" y="1152095"/>
-            <a:ext cx="3616287" cy="492443"/>
+            <a:off x="4528839" y="1524365"/>
+            <a:ext cx="3616287" cy="369332"/>
           </a:xfrm>
           <a:prstGeom prst="rect">
             <a:avLst/>
@@ -6835,12 +6955,9 @@
           </a:bodyPr>
           <a:lstStyle/>
           <a:p>
-            <a:pPr marL="285750" indent="-285750">
-              <a:buFont typeface="Arial" panose="020B0604020202020204" pitchFamily="34" charset="0"/>
-              <a:buChar char="•"/>
-            </a:pPr>
-            <a:r>
-              <a:rPr lang="en-US" sz="2600" dirty="0"/>
+            <a:pPr algn="ctr"/>
+            <a:r>
+              <a:rPr lang="en-US" dirty="0"/>
               <a:t>Image preprocessing</a:t>
             </a:r>
           </a:p>
@@ -6848,10 +6965,10 @@
       </p:sp>
       <p:sp>
         <p:nvSpPr>
-          <p:cNvPr id="9" name="TextBox 8">
+          <p:cNvPr id="8" name="TextBox 7">
             <a:extLst>
               <a:ext uri="{FF2B5EF4-FFF2-40B4-BE49-F238E27FC236}">
-                <a16:creationId xmlns:a16="http://schemas.microsoft.com/office/drawing/2014/main" id="{D9D38DBE-77BB-6121-7282-64B38318033D}"/>
+                <a16:creationId xmlns:a16="http://schemas.microsoft.com/office/drawing/2014/main" id="{81AA6997-94B8-1E9B-C9DF-E2147AF49138}"/>
               </a:ext>
             </a:extLst>
           </p:cNvPr>
@@ -6860,8 +6977,8 @@
         </p:nvSpPr>
         <p:spPr>
           <a:xfrm>
-            <a:off x="3048918" y="3247088"/>
-            <a:ext cx="6097836" cy="369332"/>
+            <a:off x="9051776" y="1506022"/>
+            <a:ext cx="2241884" cy="369332"/>
           </a:xfrm>
           <a:prstGeom prst="rect">
             <a:avLst/>
@@ -6874,17 +6991,44 @@
           </a:bodyPr>
           <a:lstStyle/>
           <a:p>
-            <a:pPr marL="285750" indent="-285750">
-              <a:buFont typeface="Arial" panose="020B0604020202020204" pitchFamily="34" charset="0"/>
-              <a:buChar char="•"/>
-            </a:pPr>
-            <a:r>
-              <a:rPr lang="en-US" dirty="0"/>
+            <a:pPr algn="ctr"/>
+            <a:r>
+              <a:rPr lang="en-US" sz="1800" dirty="0"/>
               <a:t>Error handling</a:t>
             </a:r>
           </a:p>
         </p:txBody>
       </p:sp>
+      <p:pic>
+        <p:nvPicPr>
+          <p:cNvPr id="11" name="Picture 10">
+            <a:extLst>
+              <a:ext uri="{FF2B5EF4-FFF2-40B4-BE49-F238E27FC236}">
+                <a16:creationId xmlns:a16="http://schemas.microsoft.com/office/drawing/2014/main" id="{B46F52BF-C588-C5A5-24E0-896CDAF33C4F}"/>
+              </a:ext>
+            </a:extLst>
+          </p:cNvPr>
+          <p:cNvPicPr>
+            <a:picLocks noChangeAspect="1"/>
+          </p:cNvPicPr>
+          <p:nvPr/>
+        </p:nvPicPr>
+        <p:blipFill>
+          <a:blip r:embed="rId4"/>
+          <a:stretch>
+            <a:fillRect/>
+          </a:stretch>
+        </p:blipFill>
+        <p:spPr>
+          <a:xfrm>
+            <a:off x="8379133" y="2080446"/>
+            <a:ext cx="3503205" cy="2901568"/>
+          </a:xfrm>
+          <a:prstGeom prst="rect">
+            <a:avLst/>
+          </a:prstGeom>
+        </p:spPr>
+      </p:pic>
     </p:spTree>
     <p:extLst>
       <p:ext uri="{BB962C8B-B14F-4D97-AF65-F5344CB8AC3E}">
@@ -6943,31 +7087,6 @@
           </a:p>
         </p:txBody>
       </p:sp>
-      <p:sp>
-        <p:nvSpPr>
-          <p:cNvPr id="4" name="Subtitle 3">
-            <a:extLst>
-              <a:ext uri="{FF2B5EF4-FFF2-40B4-BE49-F238E27FC236}">
-                <a16:creationId xmlns:a16="http://schemas.microsoft.com/office/drawing/2014/main" id="{0084DCB3-D0F8-E5CC-F84C-0643E76549B9}"/>
-              </a:ext>
-            </a:extLst>
-          </p:cNvPr>
-          <p:cNvSpPr>
-            <a:spLocks noGrp="1"/>
-          </p:cNvSpPr>
-          <p:nvPr>
-            <p:ph type="subTitle" idx="1"/>
-          </p:nvPr>
-        </p:nvSpPr>
-        <p:spPr/>
-        <p:txBody>
-          <a:bodyPr/>
-          <a:lstStyle/>
-          <a:p>
-            <a:endParaRPr lang="en-US" dirty="0"/>
-          </a:p>
-        </p:txBody>
-      </p:sp>
     </p:spTree>
     <p:extLst>
       <p:ext uri="{BB962C8B-B14F-4D97-AF65-F5344CB8AC3E}">
@@ -6984,7 +7103,7 @@
 <file path=ppt/theme/theme1.xml><?xml version="1.0" encoding="utf-8"?>
 <a:theme xmlns:a="http://schemas.openxmlformats.org/drawingml/2006/main" name="Office Theme">
   <a:themeElements>
-    <a:clrScheme name="Office">
+    <a:clrScheme name="Office Theme">
       <a:dk1>
         <a:sysClr val="windowText" lastClr="000000"/>
       </a:dk1>
@@ -7016,13 +7135,13 @@
         <a:srgbClr val="4EA72E"/>
       </a:accent6>
       <a:hlink>
-        <a:srgbClr val="467886"/>
+        <a:srgbClr val="538D9D"/>
       </a:hlink>
       <a:folHlink>
-        <a:srgbClr val="96607D"/>
+        <a:srgbClr val="A5738E"/>
       </a:folHlink>
     </a:clrScheme>
-    <a:fontScheme name="Office">
+    <a:fontScheme name="Office Theme">
       <a:majorFont>
         <a:latin typeface="Aptos Display" panose="02110004020202020204"/>
         <a:ea typeface=""/>
@@ -7128,7 +7247,7 @@
         <a:font script="Tfng" typeface="Ebrima"/>
       </a:minorFont>
     </a:fontScheme>
-    <a:fmtScheme name="Office">
+    <a:fmtScheme name="Office Theme">
       <a:fillStyleLst>
         <a:solidFill>
           <a:schemeClr val="phClr"/>
@@ -7290,7 +7409,7 @@
   <a:extraClrSchemeLst/>
   <a:extLst>
     <a:ext uri="{05A4C25C-085E-4340-85A3-A5531E510DB2}">
-      <thm15:themeFamily xmlns:thm15="http://schemas.microsoft.com/office/thememl/2012/main" name="Office Theme" id="{2E142A2C-CD16-42D6-873A-C26D2A0506FA}" vid="{1BDDFF52-6CD6-40A5-AB3C-68EB2F1E4D0A}"/>
+      <thm15:themeFamily xmlns:thm15="http://schemas.microsoft.com/office/thememl/2012/main" name="Office Theme" id="{2E142A2C-CD16-42D6-873A-C26D2A0506FA}" vid="{3A418E6B-C5F0-4B95-8D77-61E3EF3B5DF5}"/>
     </a:ext>
   </a:extLst>
 </a:theme>

--- a/cs584present.pptx
+++ b/cs584present.pptx
@@ -268,7 +268,7 @@
           <a:p>
             <a:fld id="{122E457C-44E4-4138-A062-F5818B3711EE}" type="datetimeFigureOut">
               <a:rPr lang="en-US" smtClean="0"/>
-              <a:t>4/1/2024</a:t>
+              <a:t>4/1/24</a:t>
             </a:fld>
             <a:endParaRPr lang="en-US" dirty="0"/>
           </a:p>
@@ -438,7 +438,7 @@
           <a:p>
             <a:fld id="{122E457C-44E4-4138-A062-F5818B3711EE}" type="datetimeFigureOut">
               <a:rPr lang="en-US" smtClean="0"/>
-              <a:t>4/1/2024</a:t>
+              <a:t>4/1/24</a:t>
             </a:fld>
             <a:endParaRPr lang="en-US" dirty="0"/>
           </a:p>
@@ -618,7 +618,7 @@
           <a:p>
             <a:fld id="{122E457C-44E4-4138-A062-F5818B3711EE}" type="datetimeFigureOut">
               <a:rPr lang="en-US" smtClean="0"/>
-              <a:t>4/1/2024</a:t>
+              <a:t>4/1/24</a:t>
             </a:fld>
             <a:endParaRPr lang="en-US" dirty="0"/>
           </a:p>
@@ -788,7 +788,7 @@
           <a:p>
             <a:fld id="{122E457C-44E4-4138-A062-F5818B3711EE}" type="datetimeFigureOut">
               <a:rPr lang="en-US" smtClean="0"/>
-              <a:t>4/1/2024</a:t>
+              <a:t>4/1/24</a:t>
             </a:fld>
             <a:endParaRPr lang="en-US" dirty="0"/>
           </a:p>
@@ -1034,7 +1034,7 @@
           <a:p>
             <a:fld id="{122E457C-44E4-4138-A062-F5818B3711EE}" type="datetimeFigureOut">
               <a:rPr lang="en-US" smtClean="0"/>
-              <a:t>4/1/2024</a:t>
+              <a:t>4/1/24</a:t>
             </a:fld>
             <a:endParaRPr lang="en-US" dirty="0"/>
           </a:p>
@@ -1266,7 +1266,7 @@
           <a:p>
             <a:fld id="{122E457C-44E4-4138-A062-F5818B3711EE}" type="datetimeFigureOut">
               <a:rPr lang="en-US" smtClean="0"/>
-              <a:t>4/1/2024</a:t>
+              <a:t>4/1/24</a:t>
             </a:fld>
             <a:endParaRPr lang="en-US" dirty="0"/>
           </a:p>
@@ -1633,7 +1633,7 @@
           <a:p>
             <a:fld id="{122E457C-44E4-4138-A062-F5818B3711EE}" type="datetimeFigureOut">
               <a:rPr lang="en-US" smtClean="0"/>
-              <a:t>4/1/2024</a:t>
+              <a:t>4/1/24</a:t>
             </a:fld>
             <a:endParaRPr lang="en-US" dirty="0"/>
           </a:p>
@@ -1751,7 +1751,7 @@
           <a:p>
             <a:fld id="{122E457C-44E4-4138-A062-F5818B3711EE}" type="datetimeFigureOut">
               <a:rPr lang="en-US" smtClean="0"/>
-              <a:t>4/1/2024</a:t>
+              <a:t>4/1/24</a:t>
             </a:fld>
             <a:endParaRPr lang="en-US" dirty="0"/>
           </a:p>
@@ -1846,7 +1846,7 @@
           <a:p>
             <a:fld id="{122E457C-44E4-4138-A062-F5818B3711EE}" type="datetimeFigureOut">
               <a:rPr lang="en-US" smtClean="0"/>
-              <a:t>4/1/2024</a:t>
+              <a:t>4/1/24</a:t>
             </a:fld>
             <a:endParaRPr lang="en-US" dirty="0"/>
           </a:p>
@@ -2123,7 +2123,7 @@
           <a:p>
             <a:fld id="{122E457C-44E4-4138-A062-F5818B3711EE}" type="datetimeFigureOut">
               <a:rPr lang="en-US" smtClean="0"/>
-              <a:t>4/1/2024</a:t>
+              <a:t>4/1/24</a:t>
             </a:fld>
             <a:endParaRPr lang="en-US" dirty="0"/>
           </a:p>
@@ -2291,10 +2291,9 @@
           </a:lstStyle>
           <a:p>
             <a:r>
-              <a:rPr lang="en-US"/>
+              <a:rPr lang="en-US" dirty="0"/>
               <a:t>Click icon to add picture</a:t>
             </a:r>
-            <a:endParaRPr lang="en-US" dirty="0"/>
           </a:p>
         </p:txBody>
       </p:sp>
@@ -2380,7 +2379,7 @@
           <a:p>
             <a:fld id="{122E457C-44E4-4138-A062-F5818B3711EE}" type="datetimeFigureOut">
               <a:rPr lang="en-US" smtClean="0"/>
-              <a:t>4/1/2024</a:t>
+              <a:t>4/1/24</a:t>
             </a:fld>
             <a:endParaRPr lang="en-US" dirty="0"/>
           </a:p>
@@ -2593,7 +2592,7 @@
           <a:p>
             <a:fld id="{122E457C-44E4-4138-A062-F5818B3711EE}" type="datetimeFigureOut">
               <a:rPr lang="en-US" smtClean="0"/>
-              <a:t>4/1/2024</a:t>
+              <a:t>4/1/24</a:t>
             </a:fld>
             <a:endParaRPr lang="en-US" dirty="0"/>
           </a:p>
@@ -3417,7 +3416,7 @@
                 <a:pPr lvl="1"/>
                 <a:r>
                   <a:rPr lang="en-US" dirty="0"/>
-                  <a:t>“high”: (85 + 170 * # of 512px squares in upscaled image) tokens</a:t>
+                  <a:t>“high”: (85 + 170 * # of 512px squares in scaled image) tokens</a:t>
                 </a:r>
               </a:p>
               <a:p>
@@ -3437,30 +3436,14 @@
                 <a:pPr lvl="1"/>
                 <a:r>
                   <a:rPr lang="en-US" dirty="0"/>
-                  <a:t>Shortest size == 1024 </a:t>
-                </a:r>
-                <a:r>
-                  <a:rPr lang="en-US" dirty="0" err="1"/>
-                  <a:t>px</a:t>
-                </a:r>
-                <a:r>
-                  <a:rPr lang="en-US" dirty="0"/>
-                  <a:t>, image scaled down to 768 x 768</a:t>
+                  <a:t>Shortest size == 1024 px, image scaled down to 768 x 768</a:t>
                 </a:r>
               </a:p>
               <a:p>
                 <a:pPr lvl="1"/>
                 <a:r>
                   <a:rPr lang="en-US" dirty="0"/>
-                  <a:t>Comprised by 4 512 </a:t>
-                </a:r>
-                <a:r>
-                  <a:rPr lang="en-US" dirty="0" err="1"/>
-                  <a:t>px</a:t>
-                </a:r>
-                <a:r>
-                  <a:rPr lang="en-US" dirty="0"/>
-                  <a:t> squares</a:t>
+                  <a:t>Comprised by 4 512 px squares</a:t>
                 </a:r>
               </a:p>
               <a:p>
@@ -3494,7 +3477,7 @@
               <a:blipFill>
                 <a:blip r:embed="rId2"/>
                 <a:stretch>
-                  <a:fillRect l="-1043" t="-2381"/>
+                  <a:fillRect l="-1086" t="-2326"/>
                 </a:stretch>
               </a:blipFill>
             </p:spPr>
@@ -3619,7 +3602,7 @@
           <a:p>
             <a:r>
               <a:rPr lang="en-US" dirty="0"/>
-              <a:t>Cannot understand metadata</a:t>
+              <a:t>Cannot understand image metadata</a:t>
             </a:r>
           </a:p>
         </p:txBody>
@@ -3874,13 +3857,8 @@
             <a:pPr lvl="1"/>
             <a:r>
               <a:rPr lang="en-US" dirty="0"/>
-              <a:t>Optional: speed, </a:t>
-            </a:r>
-            <a:r>
-              <a:rPr lang="en-US" dirty="0" err="1"/>
-              <a:t>response_format</a:t>
-            </a:r>
-            <a:endParaRPr lang="en-US" dirty="0"/>
+              <a:t>Optional: speed, response_format</a:t>
+            </a:r>
           </a:p>
           <a:p>
             <a:pPr lvl="1"/>
@@ -4213,7 +4191,12 @@
             <p:ph type="title"/>
           </p:nvPr>
         </p:nvSpPr>
-        <p:spPr/>
+        <p:spPr>
+          <a:xfrm>
+            <a:off x="838200" y="365125"/>
+            <a:ext cx="5562595" cy="1325563"/>
+          </a:xfrm>
+        </p:spPr>
         <p:txBody>
           <a:bodyPr/>
           <a:lstStyle/>
@@ -4278,8 +4261,37 @@
         </p:blipFill>
         <p:spPr>
           <a:xfrm>
-            <a:off x="6460958" y="2339361"/>
+            <a:off x="6540069" y="427402"/>
             <a:ext cx="5562595" cy="3001598"/>
+          </a:xfrm>
+          <a:prstGeom prst="rect">
+            <a:avLst/>
+          </a:prstGeom>
+        </p:spPr>
+      </p:pic>
+      <p:pic>
+        <p:nvPicPr>
+          <p:cNvPr id="3" name="Picture 2">
+            <a:extLst>
+              <a:ext uri="{FF2B5EF4-FFF2-40B4-BE49-F238E27FC236}">
+                <a16:creationId xmlns:a16="http://schemas.microsoft.com/office/drawing/2014/main" id="{6D5B3CC0-526A-3ED9-F2E1-131380BEFF69}"/>
+              </a:ext>
+            </a:extLst>
+          </p:cNvPr>
+          <p:cNvPicPr>
+            <a:picLocks noChangeAspect="1"/>
+          </p:cNvPicPr>
+          <p:nvPr/>
+        </p:nvPicPr>
+        <p:blipFill rotWithShape="1">
+          <a:blip r:embed="rId4"/>
+          <a:srcRect r="66490"/>
+          <a:stretch/>
+        </p:blipFill>
+        <p:spPr>
+          <a:xfrm>
+            <a:off x="8019080" y="3830229"/>
+            <a:ext cx="2604571" cy="2702560"/>
           </a:xfrm>
           <a:prstGeom prst="rect">
             <a:avLst/>
@@ -4395,6 +4407,7 @@
           <a:bodyPr/>
           <a:lstStyle/>
           <a:p>
+            <a:pPr algn="ctr"/>
             <a:r>
               <a:rPr lang="en-US" dirty="0"/>
               <a:t>Overview</a:t>
@@ -4420,7 +4433,7 @@
         </p:nvSpPr>
         <p:spPr>
           <a:xfrm>
-            <a:off x="838200" y="1825625"/>
+            <a:off x="2398295" y="2302703"/>
             <a:ext cx="3697705" cy="4351338"/>
           </a:xfrm>
         </p:spPr>
@@ -4476,7 +4489,7 @@
         </p:nvSpPr>
         <p:spPr>
           <a:xfrm>
-            <a:off x="6949239" y="2567226"/>
+            <a:off x="5849309" y="2998113"/>
             <a:ext cx="5134477" cy="861774"/>
           </a:xfrm>
           <a:prstGeom prst="rect">
@@ -4783,21 +4796,8 @@
             </a:pPr>
             <a:r>
               <a:rPr lang="en-US" sz="2400" dirty="0"/>
-              <a:t>Optional: language, prompt, </a:t>
-            </a:r>
-            <a:r>
-              <a:rPr lang="en-US" sz="2400" dirty="0" err="1"/>
-              <a:t>response_format</a:t>
-            </a:r>
-            <a:r>
-              <a:rPr lang="en-US" sz="2400" dirty="0"/>
-              <a:t>, temperature, </a:t>
-            </a:r>
-            <a:r>
-              <a:rPr lang="en-US" sz="2400" dirty="0" err="1"/>
-              <a:t>timestamp_granularities</a:t>
-            </a:r>
-            <a:endParaRPr lang="en-US" sz="2400" dirty="0"/>
+              <a:t>Optional: language, prompt, response_format, temperature, timestamp_granularities</a:t>
+            </a:r>
           </a:p>
           <a:p>
             <a:pPr marL="285750" indent="-285750">
@@ -5298,12 +5298,20 @@
           </a:xfrm>
         </p:spPr>
         <p:txBody>
-          <a:bodyPr/>
+          <a:bodyPr>
+            <a:normAutofit lnSpcReduction="10000"/>
+          </a:bodyPr>
           <a:lstStyle/>
           <a:p>
             <a:r>
               <a:rPr lang="en-US" dirty="0"/>
               <a:t>Automated content moderation</a:t>
+            </a:r>
+          </a:p>
+          <a:p>
+            <a:r>
+              <a:rPr lang="en-US" dirty="0"/>
+              <a:t>Model: text-moderation-stable, text-moderation-latest</a:t>
             </a:r>
           </a:p>
           <a:p>
@@ -5356,7 +5364,7 @@
           <p:nvPr>
             <p:extLst>
               <p:ext uri="{D42A27DB-BD31-4B8C-83A1-F6EECF244321}">
-                <p14:modId xmlns:p14="http://schemas.microsoft.com/office/powerpoint/2010/main" val="499231190"/>
+                <p14:modId xmlns:p14="http://schemas.microsoft.com/office/powerpoint/2010/main" val="494219991"/>
               </p:ext>
             </p:extLst>
           </p:nvPr>
@@ -5369,7 +5377,7 @@
           <a:graphicData uri="http://schemas.openxmlformats.org/drawingml/2006/table">
             <a:tbl>
               <a:tblPr firstRow="1" bandRow="1">
-                <a:tableStyleId>{5C22544A-7EE6-4342-B048-85BDC9FD1C3A}</a:tableStyleId>
+                <a:tableStyleId>{073A0DAA-6AF3-43AB-8588-CEC1D06C72B9}</a:tableStyleId>
               </a:tblPr>
               <a:tblGrid>
                 <a:gridCol w="4064000">
@@ -5957,6 +5965,9 @@
               <a:t>Varying existing image (DALLE 2)</a:t>
             </a:r>
           </a:p>
+          <a:p>
+            <a:endParaRPr lang="en-US" dirty="0"/>
+          </a:p>
         </p:txBody>
       </p:sp>
     </p:spTree>
@@ -6059,15 +6070,7 @@
           <a:p>
             <a:r>
               <a:rPr lang="en-US" dirty="0"/>
-              <a:t>Optional: model, n, quality, </a:t>
-            </a:r>
-            <a:r>
-              <a:rPr lang="en-US" dirty="0" err="1"/>
-              <a:t>response_format</a:t>
-            </a:r>
-            <a:r>
-              <a:rPr lang="en-US" dirty="0"/>
-              <a:t>, size, style, user</a:t>
+              <a:t>Optional: model, n, quality, response_format, size, style, user</a:t>
             </a:r>
           </a:p>
           <a:p>
@@ -6079,15 +6082,7 @@
           <a:p>
             <a:r>
               <a:rPr lang="en-US" dirty="0"/>
-              <a:t>Quality: “standard” or “</a:t>
-            </a:r>
-            <a:r>
-              <a:rPr lang="en-US" dirty="0" err="1"/>
-              <a:t>hd</a:t>
-            </a:r>
-            <a:r>
-              <a:rPr lang="en-US" dirty="0"/>
-              <a:t>”</a:t>
+              <a:t>Quality: “standard” or “hd”</a:t>
             </a:r>
           </a:p>
           <a:p>
@@ -6289,7 +6284,9 @@
           </a:xfrm>
         </p:spPr>
         <p:txBody>
-          <a:bodyPr/>
+          <a:bodyPr>
+            <a:normAutofit/>
+          </a:bodyPr>
           <a:lstStyle/>
           <a:p>
             <a:r>
@@ -6306,15 +6303,7 @@
           <a:p>
             <a:r>
               <a:rPr lang="en-US" dirty="0"/>
-              <a:t>Optional: mask, model, n, size, </a:t>
-            </a:r>
-            <a:r>
-              <a:rPr lang="en-US" dirty="0" err="1"/>
-              <a:t>response_format</a:t>
-            </a:r>
-            <a:r>
-              <a:rPr lang="en-US" dirty="0"/>
-              <a:t>, user</a:t>
+              <a:t>Optional: mask, model, n, size, response_format, user</a:t>
             </a:r>
           </a:p>
           <a:p>
@@ -6334,6 +6323,13 @@
             <a:r>
               <a:rPr lang="en-US" dirty="0"/>
               <a:t>Image &amp;&amp; mask &lt; 4MB</a:t>
+            </a:r>
+          </a:p>
+          <a:p>
+            <a:pPr lvl="1"/>
+            <a:r>
+              <a:rPr lang="en-US" dirty="0"/>
+              <a:t>PNGs only, square dimensions</a:t>
             </a:r>
           </a:p>
           <a:p>
@@ -6695,7 +6691,7 @@
         <p:spPr>
           <a:xfrm>
             <a:off x="685516" y="2274838"/>
-            <a:ext cx="5308602" cy="2308324"/>
+            <a:ext cx="5308602" cy="2677656"/>
           </a:xfrm>
           <a:prstGeom prst="rect">
             <a:avLst/>
@@ -6724,15 +6720,7 @@
             </a:pPr>
             <a:r>
               <a:rPr lang="en-US" sz="2400" dirty="0"/>
-              <a:t>Optional: model, n, </a:t>
-            </a:r>
-            <a:r>
-              <a:rPr lang="en-US" sz="2400" dirty="0" err="1"/>
-              <a:t>response_format</a:t>
-            </a:r>
-            <a:r>
-              <a:rPr lang="en-US" sz="2400" dirty="0"/>
-              <a:t>, size, user</a:t>
+              <a:t>Optional: model, n, response_format, size, user</a:t>
             </a:r>
           </a:p>
           <a:p>
@@ -6762,7 +6750,17 @@
             </a:pPr>
             <a:r>
               <a:rPr lang="en-US" sz="2400" dirty="0"/>
-              <a:t>Same constrains as image editing</a:t>
+              <a:t>Similar constrains to image editing</a:t>
+            </a:r>
+          </a:p>
+          <a:p>
+            <a:pPr marL="285750" indent="-285750">
+              <a:buFont typeface="Arial" panose="020B0604020202020204" pitchFamily="34" charset="0"/>
+              <a:buChar char="•"/>
+            </a:pPr>
+            <a:r>
+              <a:rPr lang="en-US" sz="2400" dirty="0"/>
+              <a:t>Image must be square</a:t>
             </a:r>
           </a:p>
         </p:txBody>
